--- a/bitcoin.pptx
+++ b/bitcoin.pptx
@@ -5,25 +5,35 @@
     <p:sldMasterId id="2147483648" r:id="rId1"/>
   </p:sldMasterIdLst>
   <p:notesMasterIdLst>
-    <p:notesMasterId r:id="rId18"/>
+    <p:notesMasterId r:id="rId28"/>
   </p:notesMasterIdLst>
   <p:sldIdLst>
     <p:sldId id="274" r:id="rId2"/>
-    <p:sldId id="267" r:id="rId3"/>
-    <p:sldId id="258" r:id="rId4"/>
-    <p:sldId id="259" r:id="rId5"/>
-    <p:sldId id="260" r:id="rId6"/>
-    <p:sldId id="270" r:id="rId7"/>
-    <p:sldId id="273" r:id="rId8"/>
-    <p:sldId id="269" r:id="rId9"/>
-    <p:sldId id="271" r:id="rId10"/>
-    <p:sldId id="268" r:id="rId11"/>
-    <p:sldId id="266" r:id="rId12"/>
-    <p:sldId id="261" r:id="rId13"/>
-    <p:sldId id="263" r:id="rId14"/>
-    <p:sldId id="262" r:id="rId15"/>
-    <p:sldId id="264" r:id="rId16"/>
-    <p:sldId id="265" r:id="rId17"/>
+    <p:sldId id="258" r:id="rId3"/>
+    <p:sldId id="277" r:id="rId4"/>
+    <p:sldId id="279" r:id="rId5"/>
+    <p:sldId id="283" r:id="rId6"/>
+    <p:sldId id="280" r:id="rId7"/>
+    <p:sldId id="282" r:id="rId8"/>
+    <p:sldId id="278" r:id="rId9"/>
+    <p:sldId id="275" r:id="rId10"/>
+    <p:sldId id="276" r:id="rId11"/>
+    <p:sldId id="260" r:id="rId12"/>
+    <p:sldId id="270" r:id="rId13"/>
+    <p:sldId id="273" r:id="rId14"/>
+    <p:sldId id="269" r:id="rId15"/>
+    <p:sldId id="271" r:id="rId16"/>
+    <p:sldId id="268" r:id="rId17"/>
+    <p:sldId id="285" r:id="rId18"/>
+    <p:sldId id="289" r:id="rId19"/>
+    <p:sldId id="266" r:id="rId20"/>
+    <p:sldId id="261" r:id="rId21"/>
+    <p:sldId id="263" r:id="rId22"/>
+    <p:sldId id="262" r:id="rId23"/>
+    <p:sldId id="264" r:id="rId24"/>
+    <p:sldId id="286" r:id="rId25"/>
+    <p:sldId id="287" r:id="rId26"/>
+    <p:sldId id="288" r:id="rId27"/>
   </p:sldIdLst>
   <p:sldSz cx="9144000" cy="6858000" type="screen4x3"/>
   <p:notesSz cx="6858000" cy="9144000"/>
@@ -125,6 +135,622 @@
 </p:presentation>
 </file>
 
+<file path=ppt/charts/chart1.xml><?xml version="1.0" encoding="utf-8"?>
+<c:chartSpace xmlns:c="http://schemas.openxmlformats.org/drawingml/2006/chart" xmlns:a="http://schemas.openxmlformats.org/drawingml/2006/main" xmlns:r="http://schemas.openxmlformats.org/officeDocument/2006/relationships">
+  <c:date1904 val="0"/>
+  <c:lang val="zh-TW"/>
+  <c:roundedCorners val="0"/>
+  <mc:AlternateContent xmlns:mc="http://schemas.openxmlformats.org/markup-compatibility/2006">
+    <mc:Choice xmlns:c14="http://schemas.microsoft.com/office/drawing/2007/8/2/chart" Requires="c14">
+      <c14:style val="102"/>
+    </mc:Choice>
+    <mc:Fallback>
+      <c:style val="2"/>
+    </mc:Fallback>
+  </mc:AlternateContent>
+  <c:chart>
+    <c:title>
+      <c:tx>
+        <c:rich>
+          <a:bodyPr/>
+          <a:lstStyle/>
+          <a:p>
+            <a:pPr>
+              <a:defRPr/>
+            </a:pPr>
+            <a:r>
+              <a:rPr lang="en-US" altLang="zh-TW" dirty="0" smtClean="0"/>
+              <a:t>2013-&gt;2017</a:t>
+            </a:r>
+            <a:r>
+              <a:rPr lang="zh-TW" altLang="en-US" dirty="0" smtClean="0"/>
+              <a:t>，成長</a:t>
+            </a:r>
+            <a:r>
+              <a:rPr lang="en-US" altLang="zh-TW" dirty="0" smtClean="0"/>
+              <a:t>25</a:t>
+            </a:r>
+            <a:r>
+              <a:rPr lang="zh-TW" altLang="en-US" dirty="0" smtClean="0"/>
+              <a:t>倍</a:t>
+            </a:r>
+            <a:r>
+              <a:rPr lang="en-US" altLang="zh-TW" dirty="0" smtClean="0"/>
+              <a:t>!!</a:t>
+            </a:r>
+            <a:endParaRPr lang="zh-TW" altLang="en-US" dirty="0"/>
+          </a:p>
+        </c:rich>
+      </c:tx>
+      <c:layout/>
+      <c:overlay val="0"/>
+    </c:title>
+    <c:autoTitleDeleted val="0"/>
+    <c:plotArea>
+      <c:layout/>
+      <c:barChart>
+        <c:barDir val="col"/>
+        <c:grouping val="clustered"/>
+        <c:varyColors val="0"/>
+        <c:ser>
+          <c:idx val="0"/>
+          <c:order val="0"/>
+          <c:tx>
+            <c:strRef>
+              <c:f>工作表1!$B$1</c:f>
+              <c:strCache>
+                <c:ptCount val="1"/>
+                <c:pt idx="0">
+                  <c:v>2013</c:v>
+                </c:pt>
+              </c:strCache>
+            </c:strRef>
+          </c:tx>
+          <c:invertIfNegative val="0"/>
+          <c:cat>
+            <c:strRef>
+              <c:f>工作表1!$A$2</c:f>
+              <c:strCache>
+                <c:ptCount val="1"/>
+                <c:pt idx="0">
+                  <c:v>類別 1</c:v>
+                </c:pt>
+              </c:strCache>
+            </c:strRef>
+          </c:cat>
+          <c:val>
+            <c:numRef>
+              <c:f>工作表1!$B$2</c:f>
+              <c:numCache>
+                <c:formatCode>General</c:formatCode>
+                <c:ptCount val="1"/>
+                <c:pt idx="0">
+                  <c:v>70</c:v>
+                </c:pt>
+              </c:numCache>
+            </c:numRef>
+          </c:val>
+        </c:ser>
+        <c:ser>
+          <c:idx val="1"/>
+          <c:order val="1"/>
+          <c:tx>
+            <c:strRef>
+              <c:f>工作表1!$C$1</c:f>
+              <c:strCache>
+                <c:ptCount val="1"/>
+                <c:pt idx="0">
+                  <c:v>2014</c:v>
+                </c:pt>
+              </c:strCache>
+            </c:strRef>
+          </c:tx>
+          <c:invertIfNegative val="0"/>
+          <c:cat>
+            <c:strRef>
+              <c:f>工作表1!$A$2</c:f>
+              <c:strCache>
+                <c:ptCount val="1"/>
+                <c:pt idx="0">
+                  <c:v>類別 1</c:v>
+                </c:pt>
+              </c:strCache>
+            </c:strRef>
+          </c:cat>
+          <c:val>
+            <c:numRef>
+              <c:f>工作表1!$C$2</c:f>
+              <c:numCache>
+                <c:formatCode>General</c:formatCode>
+                <c:ptCount val="1"/>
+                <c:pt idx="0">
+                  <c:v>400</c:v>
+                </c:pt>
+              </c:numCache>
+            </c:numRef>
+          </c:val>
+        </c:ser>
+        <c:ser>
+          <c:idx val="2"/>
+          <c:order val="2"/>
+          <c:tx>
+            <c:strRef>
+              <c:f>工作表1!$D$1</c:f>
+              <c:strCache>
+                <c:ptCount val="1"/>
+                <c:pt idx="0">
+                  <c:v>2015</c:v>
+                </c:pt>
+              </c:strCache>
+            </c:strRef>
+          </c:tx>
+          <c:invertIfNegative val="0"/>
+          <c:cat>
+            <c:strRef>
+              <c:f>工作表1!$A$2</c:f>
+              <c:strCache>
+                <c:ptCount val="1"/>
+                <c:pt idx="0">
+                  <c:v>類別 1</c:v>
+                </c:pt>
+              </c:strCache>
+            </c:strRef>
+          </c:cat>
+          <c:val>
+            <c:numRef>
+              <c:f>工作表1!$D$2</c:f>
+              <c:numCache>
+                <c:formatCode>General</c:formatCode>
+                <c:ptCount val="1"/>
+                <c:pt idx="0">
+                  <c:v>270</c:v>
+                </c:pt>
+              </c:numCache>
+            </c:numRef>
+          </c:val>
+        </c:ser>
+        <c:ser>
+          <c:idx val="3"/>
+          <c:order val="3"/>
+          <c:tx>
+            <c:strRef>
+              <c:f>工作表1!$E$1</c:f>
+              <c:strCache>
+                <c:ptCount val="1"/>
+                <c:pt idx="0">
+                  <c:v>2016</c:v>
+                </c:pt>
+              </c:strCache>
+            </c:strRef>
+          </c:tx>
+          <c:invertIfNegative val="0"/>
+          <c:cat>
+            <c:strRef>
+              <c:f>工作表1!$A$2</c:f>
+              <c:strCache>
+                <c:ptCount val="1"/>
+                <c:pt idx="0">
+                  <c:v>類別 1</c:v>
+                </c:pt>
+              </c:strCache>
+            </c:strRef>
+          </c:cat>
+          <c:val>
+            <c:numRef>
+              <c:f>工作表1!$E$2</c:f>
+              <c:numCache>
+                <c:formatCode>General</c:formatCode>
+                <c:ptCount val="1"/>
+                <c:pt idx="0">
+                  <c:v>800</c:v>
+                </c:pt>
+              </c:numCache>
+            </c:numRef>
+          </c:val>
+        </c:ser>
+        <c:ser>
+          <c:idx val="4"/>
+          <c:order val="4"/>
+          <c:tx>
+            <c:strRef>
+              <c:f>工作表1!$F$1</c:f>
+              <c:strCache>
+                <c:ptCount val="1"/>
+                <c:pt idx="0">
+                  <c:v>2017</c:v>
+                </c:pt>
+              </c:strCache>
+            </c:strRef>
+          </c:tx>
+          <c:invertIfNegative val="0"/>
+          <c:cat>
+            <c:strRef>
+              <c:f>工作表1!$A$2</c:f>
+              <c:strCache>
+                <c:ptCount val="1"/>
+                <c:pt idx="0">
+                  <c:v>類別 1</c:v>
+                </c:pt>
+              </c:strCache>
+            </c:strRef>
+          </c:cat>
+          <c:val>
+            <c:numRef>
+              <c:f>工作表1!$F$2</c:f>
+              <c:numCache>
+                <c:formatCode>General</c:formatCode>
+                <c:ptCount val="1"/>
+                <c:pt idx="0">
+                  <c:v>2460</c:v>
+                </c:pt>
+              </c:numCache>
+            </c:numRef>
+          </c:val>
+        </c:ser>
+        <c:dLbls>
+          <c:dLblPos val="outEnd"/>
+          <c:showLegendKey val="0"/>
+          <c:showVal val="1"/>
+          <c:showCatName val="0"/>
+          <c:showSerName val="0"/>
+          <c:showPercent val="0"/>
+          <c:showBubbleSize val="0"/>
+        </c:dLbls>
+        <c:gapWidth val="150"/>
+        <c:axId val="56436736"/>
+        <c:axId val="194714368"/>
+      </c:barChart>
+      <c:catAx>
+        <c:axId val="56436736"/>
+        <c:scaling>
+          <c:orientation val="minMax"/>
+        </c:scaling>
+        <c:delete val="1"/>
+        <c:axPos val="b"/>
+        <c:majorTickMark val="out"/>
+        <c:minorTickMark val="none"/>
+        <c:tickLblPos val="nextTo"/>
+        <c:crossAx val="194714368"/>
+        <c:crosses val="autoZero"/>
+        <c:auto val="1"/>
+        <c:lblAlgn val="ctr"/>
+        <c:lblOffset val="100"/>
+        <c:noMultiLvlLbl val="0"/>
+      </c:catAx>
+      <c:valAx>
+        <c:axId val="194714368"/>
+        <c:scaling>
+          <c:orientation val="minMax"/>
+        </c:scaling>
+        <c:delete val="0"/>
+        <c:axPos val="l"/>
+        <c:majorGridlines/>
+        <c:title>
+          <c:tx>
+            <c:rich>
+              <a:bodyPr rot="0" vert="wordArtVertRtl"/>
+              <a:lstStyle/>
+              <a:p>
+                <a:pPr>
+                  <a:defRPr/>
+                </a:pPr>
+                <a:r>
+                  <a:rPr lang="zh-TW" altLang="en-US" dirty="0" smtClean="0"/>
+                  <a:t>美金</a:t>
+                </a:r>
+                <a:endParaRPr lang="zh-TW" altLang="en-US" dirty="0"/>
+              </a:p>
+            </c:rich>
+          </c:tx>
+          <c:layout/>
+          <c:overlay val="0"/>
+        </c:title>
+        <c:numFmt formatCode="General" sourceLinked="1"/>
+        <c:majorTickMark val="out"/>
+        <c:minorTickMark val="none"/>
+        <c:tickLblPos val="nextTo"/>
+        <c:crossAx val="56436736"/>
+        <c:crosses val="autoZero"/>
+        <c:crossBetween val="between"/>
+      </c:valAx>
+    </c:plotArea>
+    <c:legend>
+      <c:legendPos val="r"/>
+      <c:layout/>
+      <c:overlay val="0"/>
+    </c:legend>
+    <c:plotVisOnly val="1"/>
+    <c:dispBlanksAs val="gap"/>
+    <c:showDLblsOverMax val="0"/>
+  </c:chart>
+  <c:txPr>
+    <a:bodyPr/>
+    <a:lstStyle/>
+    <a:p>
+      <a:pPr>
+        <a:defRPr sz="1800"/>
+      </a:pPr>
+      <a:endParaRPr lang="zh-TW"/>
+    </a:p>
+  </c:txPr>
+  <c:externalData r:id="rId1">
+    <c:autoUpdate val="0"/>
+  </c:externalData>
+</c:chartSpace>
+</file>
+
+<file path=ppt/charts/chart2.xml><?xml version="1.0" encoding="utf-8"?>
+<c:chartSpace xmlns:c="http://schemas.openxmlformats.org/drawingml/2006/chart" xmlns:a="http://schemas.openxmlformats.org/drawingml/2006/main" xmlns:r="http://schemas.openxmlformats.org/officeDocument/2006/relationships">
+  <c:date1904 val="0"/>
+  <c:lang val="zh-TW"/>
+  <c:roundedCorners val="0"/>
+  <mc:AlternateContent xmlns:mc="http://schemas.openxmlformats.org/markup-compatibility/2006">
+    <mc:Choice xmlns:c14="http://schemas.microsoft.com/office/drawing/2007/8/2/chart" Requires="c14">
+      <c14:style val="102"/>
+    </mc:Choice>
+    <mc:Fallback>
+      <c:style val="2"/>
+    </mc:Fallback>
+  </mc:AlternateContent>
+  <c:chart>
+    <c:autoTitleDeleted val="1"/>
+    <c:plotArea>
+      <c:layout/>
+      <c:barChart>
+        <c:barDir val="col"/>
+        <c:grouping val="clustered"/>
+        <c:varyColors val="0"/>
+        <c:ser>
+          <c:idx val="0"/>
+          <c:order val="0"/>
+          <c:tx>
+            <c:strRef>
+              <c:f>工作表1!$B$1</c:f>
+              <c:strCache>
+                <c:ptCount val="1"/>
+                <c:pt idx="0">
+                  <c:v>2014</c:v>
+                </c:pt>
+              </c:strCache>
+            </c:strRef>
+          </c:tx>
+          <c:invertIfNegative val="0"/>
+          <c:cat>
+            <c:strRef>
+              <c:f>工作表1!$A$2:$A$3</c:f>
+              <c:strCache>
+                <c:ptCount val="2"/>
+                <c:pt idx="0">
+                  <c:v>Bitcoin</c:v>
+                </c:pt>
+                <c:pt idx="1">
+                  <c:v>定存</c:v>
+                </c:pt>
+              </c:strCache>
+            </c:strRef>
+          </c:cat>
+          <c:val>
+            <c:numRef>
+              <c:f>工作表1!$B$2:$B$3</c:f>
+              <c:numCache>
+                <c:formatCode>0.00%</c:formatCode>
+                <c:ptCount val="2"/>
+                <c:pt idx="0" formatCode="0%">
+                  <c:v>4.71</c:v>
+                </c:pt>
+                <c:pt idx="1">
+                  <c:v>1.47E-2</c:v>
+                </c:pt>
+              </c:numCache>
+            </c:numRef>
+          </c:val>
+        </c:ser>
+        <c:ser>
+          <c:idx val="1"/>
+          <c:order val="1"/>
+          <c:tx>
+            <c:strRef>
+              <c:f>工作表1!$C$1</c:f>
+              <c:strCache>
+                <c:ptCount val="1"/>
+                <c:pt idx="0">
+                  <c:v>2015</c:v>
+                </c:pt>
+              </c:strCache>
+            </c:strRef>
+          </c:tx>
+          <c:invertIfNegative val="0"/>
+          <c:cat>
+            <c:strRef>
+              <c:f>工作表1!$A$2:$A$3</c:f>
+              <c:strCache>
+                <c:ptCount val="2"/>
+                <c:pt idx="0">
+                  <c:v>Bitcoin</c:v>
+                </c:pt>
+                <c:pt idx="1">
+                  <c:v>定存</c:v>
+                </c:pt>
+              </c:strCache>
+            </c:strRef>
+          </c:cat>
+          <c:val>
+            <c:numRef>
+              <c:f>工作表1!$C$2:$C$3</c:f>
+              <c:numCache>
+                <c:formatCode>0.00%</c:formatCode>
+                <c:ptCount val="2"/>
+                <c:pt idx="0" formatCode="0%">
+                  <c:v>2.85</c:v>
+                </c:pt>
+                <c:pt idx="1">
+                  <c:v>1.47E-2</c:v>
+                </c:pt>
+              </c:numCache>
+            </c:numRef>
+          </c:val>
+        </c:ser>
+        <c:ser>
+          <c:idx val="2"/>
+          <c:order val="2"/>
+          <c:tx>
+            <c:strRef>
+              <c:f>工作表1!$D$1</c:f>
+              <c:strCache>
+                <c:ptCount val="1"/>
+                <c:pt idx="0">
+                  <c:v>2016</c:v>
+                </c:pt>
+              </c:strCache>
+            </c:strRef>
+          </c:tx>
+          <c:invertIfNegative val="0"/>
+          <c:cat>
+            <c:strRef>
+              <c:f>工作表1!$A$2:$A$3</c:f>
+              <c:strCache>
+                <c:ptCount val="2"/>
+                <c:pt idx="0">
+                  <c:v>Bitcoin</c:v>
+                </c:pt>
+                <c:pt idx="1">
+                  <c:v>定存</c:v>
+                </c:pt>
+              </c:strCache>
+            </c:strRef>
+          </c:cat>
+          <c:val>
+            <c:numRef>
+              <c:f>工作表1!$D$2:$D$3</c:f>
+              <c:numCache>
+                <c:formatCode>0.00%</c:formatCode>
+                <c:ptCount val="2"/>
+                <c:pt idx="0" formatCode="0%">
+                  <c:v>10.42</c:v>
+                </c:pt>
+                <c:pt idx="1">
+                  <c:v>1.295E-2</c:v>
+                </c:pt>
+              </c:numCache>
+            </c:numRef>
+          </c:val>
+        </c:ser>
+        <c:ser>
+          <c:idx val="3"/>
+          <c:order val="3"/>
+          <c:tx>
+            <c:strRef>
+              <c:f>工作表1!$E$1</c:f>
+              <c:strCache>
+                <c:ptCount val="1"/>
+                <c:pt idx="0">
+                  <c:v>2017</c:v>
+                </c:pt>
+              </c:strCache>
+            </c:strRef>
+          </c:tx>
+          <c:invertIfNegative val="0"/>
+          <c:cat>
+            <c:strRef>
+              <c:f>工作表1!$A$2:$A$3</c:f>
+              <c:strCache>
+                <c:ptCount val="2"/>
+                <c:pt idx="0">
+                  <c:v>Bitcoin</c:v>
+                </c:pt>
+                <c:pt idx="1">
+                  <c:v>定存</c:v>
+                </c:pt>
+              </c:strCache>
+            </c:strRef>
+          </c:cat>
+          <c:val>
+            <c:numRef>
+              <c:f>工作表1!$E$2:$E$3</c:f>
+              <c:numCache>
+                <c:formatCode>0.00%</c:formatCode>
+                <c:ptCount val="2"/>
+                <c:pt idx="0" formatCode="0%">
+                  <c:v>34.14</c:v>
+                </c:pt>
+                <c:pt idx="1">
+                  <c:v>1.115E-2</c:v>
+                </c:pt>
+              </c:numCache>
+            </c:numRef>
+          </c:val>
+        </c:ser>
+        <c:dLbls>
+          <c:showLegendKey val="0"/>
+          <c:showVal val="0"/>
+          <c:showCatName val="0"/>
+          <c:showSerName val="0"/>
+          <c:showPercent val="0"/>
+          <c:showBubbleSize val="0"/>
+        </c:dLbls>
+        <c:gapWidth val="150"/>
+        <c:axId val="56539648"/>
+        <c:axId val="136665856"/>
+      </c:barChart>
+      <c:catAx>
+        <c:axId val="56539648"/>
+        <c:scaling>
+          <c:orientation val="minMax"/>
+        </c:scaling>
+        <c:delete val="0"/>
+        <c:axPos val="b"/>
+        <c:majorTickMark val="out"/>
+        <c:minorTickMark val="none"/>
+        <c:tickLblPos val="nextTo"/>
+        <c:crossAx val="136665856"/>
+        <c:crosses val="autoZero"/>
+        <c:auto val="1"/>
+        <c:lblAlgn val="ctr"/>
+        <c:lblOffset val="100"/>
+        <c:noMultiLvlLbl val="0"/>
+      </c:catAx>
+      <c:valAx>
+        <c:axId val="136665856"/>
+        <c:scaling>
+          <c:orientation val="minMax"/>
+        </c:scaling>
+        <c:delete val="0"/>
+        <c:axPos val="l"/>
+        <c:majorGridlines/>
+        <c:numFmt formatCode="0%" sourceLinked="1"/>
+        <c:majorTickMark val="out"/>
+        <c:minorTickMark val="none"/>
+        <c:tickLblPos val="nextTo"/>
+        <c:crossAx val="56539648"/>
+        <c:crosses val="autoZero"/>
+        <c:crossBetween val="between"/>
+      </c:valAx>
+    </c:plotArea>
+    <c:legend>
+      <c:legendPos val="r"/>
+      <c:layout/>
+      <c:overlay val="0"/>
+    </c:legend>
+    <c:plotVisOnly val="1"/>
+    <c:dispBlanksAs val="gap"/>
+    <c:showDLblsOverMax val="0"/>
+  </c:chart>
+  <c:txPr>
+    <a:bodyPr/>
+    <a:lstStyle/>
+    <a:p>
+      <a:pPr>
+        <a:defRPr sz="1800"/>
+      </a:pPr>
+      <a:endParaRPr lang="zh-TW"/>
+    </a:p>
+  </c:txPr>
+  <c:externalData r:id="rId1">
+    <c:autoUpdate val="0"/>
+  </c:externalData>
+</c:chartSpace>
+</file>
+
 <file path=ppt/notesMasters/notesMaster1.xml><?xml version="1.0" encoding="utf-8"?>
 <p:notesMaster xmlns:a="http://schemas.openxmlformats.org/drawingml/2006/main" xmlns:r="http://schemas.openxmlformats.org/officeDocument/2006/relationships" xmlns:p="http://schemas.openxmlformats.org/presentationml/2006/main">
   <p:cSld>
@@ -207,7 +833,7 @@
           <a:p>
             <a:fld id="{51D12333-A3A8-4E6A-BFF0-5EC9B3F4C7AA}" type="datetimeFigureOut">
               <a:rPr lang="zh-TW" altLang="en-US" smtClean="0"/>
-              <a:t>2017/7/11</a:t>
+              <a:t>2017/7/24</a:t>
             </a:fld>
             <a:endParaRPr lang="zh-TW" altLang="en-US"/>
           </a:p>
@@ -520,10 +1146,41 @@
           <a:lstStyle/>
           <a:p>
             <a:r>
+              <a:rPr lang="zh-TW" altLang="en-US" dirty="0" smtClean="0"/>
+              <a:t>假設身上帶上現有資產</a:t>
+            </a:r>
+            <a:r>
               <a:rPr lang="en-US" altLang="zh-TW" dirty="0" smtClean="0"/>
-              <a:t>https://www.ptt.cc/bbs/Gossiping/M.1497965323.A.298.html</a:t>
-            </a:r>
-            <a:endParaRPr lang="zh-TW" altLang="en-US" dirty="0"/>
+              <a:t>100</a:t>
+            </a:r>
+            <a:r>
+              <a:rPr lang="zh-TW" altLang="en-US" dirty="0" smtClean="0"/>
+              <a:t>萬 </a:t>
+            </a:r>
+            <a:endParaRPr lang="en-US" altLang="zh-TW" dirty="0" smtClean="0"/>
+          </a:p>
+          <a:p>
+            <a:r>
+              <a:rPr lang="zh-TW" altLang="en-US" dirty="0" smtClean="0"/>
+              <a:t>要回到哪一個時刻 </a:t>
+            </a:r>
+            <a:endParaRPr lang="en-US" altLang="zh-TW" dirty="0" smtClean="0"/>
+          </a:p>
+          <a:p>
+            <a:r>
+              <a:rPr lang="zh-TW" altLang="en-US" dirty="0" smtClean="0"/>
+              <a:t>投資那一樣產品最賺？</a:t>
+            </a:r>
+            <a:endParaRPr lang="en-US" altLang="zh-TW" dirty="0" smtClean="0"/>
+          </a:p>
+          <a:p>
+            <a:endParaRPr lang="en-US" altLang="zh-TW" dirty="0" smtClean="0"/>
+          </a:p>
+          <a:p>
+            <a:r>
+              <a:rPr lang="zh-TW" altLang="en-US" dirty="0" smtClean="0"/>
+              <a:t>記住你的答案</a:t>
+            </a:r>
           </a:p>
         </p:txBody>
       </p:sp>
@@ -544,7 +1201,7 @@
           <a:p>
             <a:fld id="{B1FE10D1-250E-4CE1-BD13-6A9E8297BB86}" type="slidenum">
               <a:rPr lang="zh-TW" altLang="en-US" smtClean="0"/>
-              <a:t>2</a:t>
+              <a:t>1</a:t>
             </a:fld>
             <a:endParaRPr lang="zh-TW" altLang="en-US"/>
           </a:p>
@@ -553,7 +1210,7 @@
     </p:spTree>
     <p:extLst>
       <p:ext uri="{BB962C8B-B14F-4D97-AF65-F5344CB8AC3E}">
-        <p14:creationId xmlns:p14="http://schemas.microsoft.com/office/powerpoint/2010/main" val="1474736390"/>
+        <p14:creationId xmlns:p14="http://schemas.microsoft.com/office/powerpoint/2010/main" val="1352966615"/>
       </p:ext>
     </p:extLst>
   </p:cSld>
@@ -608,21 +1265,189 @@
           <a:lstStyle/>
           <a:p>
             <a:r>
+              <a:rPr lang="zh-TW" altLang="en-US" dirty="0" smtClean="0"/>
+              <a:t>比特幣</a:t>
+            </a:r>
+            <a:r>
               <a:rPr lang="en-US" altLang="zh-TW" dirty="0" smtClean="0"/>
-              <a:t>What: </a:t>
-            </a:r>
-            <a:r>
-              <a:rPr lang="zh-TW" altLang="en-US" dirty="0" smtClean="0"/>
-              <a:t>主軸方向</a:t>
+              <a:t>(</a:t>
+            </a:r>
+            <a:r>
+              <a:rPr lang="en-US" altLang="zh-TW" dirty="0" err="1" smtClean="0"/>
+              <a:t>btc</a:t>
             </a:r>
             <a:r>
               <a:rPr lang="en-US" altLang="zh-TW" dirty="0" smtClean="0"/>
-              <a:t>&gt;&gt;</a:t>
-            </a:r>
-            <a:r>
-              <a:rPr lang="zh-TW" altLang="en-US" dirty="0" smtClean="0"/>
-              <a:t>投資</a:t>
-            </a:r>
+              <a:t>)</a:t>
+            </a:r>
+            <a:r>
+              <a:rPr lang="zh-TW" altLang="en-US" dirty="0" smtClean="0"/>
+              <a:t>，剛誕生</a:t>
+            </a:r>
+            <a:r>
+              <a:rPr lang="en-US" altLang="zh-TW" dirty="0" smtClean="0"/>
+              <a:t>(2009/01/03)1</a:t>
+            </a:r>
+            <a:r>
+              <a:rPr lang="zh-TW" altLang="en-US" dirty="0" smtClean="0"/>
+              <a:t>美金 </a:t>
+            </a:r>
+            <a:r>
+              <a:rPr lang="en-US" altLang="zh-TW" dirty="0" smtClean="0"/>
+              <a:t>=</a:t>
+            </a:r>
+            <a:r>
+              <a:rPr lang="zh-TW" altLang="en-US" dirty="0" smtClean="0"/>
+              <a:t> </a:t>
+            </a:r>
+            <a:r>
+              <a:rPr lang="en-US" altLang="zh-TW" dirty="0" smtClean="0"/>
+              <a:t>1300</a:t>
+            </a:r>
+            <a:r>
+              <a:rPr lang="zh-TW" altLang="en-US" dirty="0" smtClean="0"/>
+              <a:t>顆</a:t>
+            </a:r>
+            <a:endParaRPr lang="en-US" altLang="zh-TW" dirty="0" smtClean="0"/>
+          </a:p>
+          <a:p>
+            <a:r>
+              <a:rPr lang="zh-TW" altLang="en-US" dirty="0" smtClean="0"/>
+              <a:t>現在，最高</a:t>
+            </a:r>
+            <a:r>
+              <a:rPr lang="en-US" altLang="zh-TW" dirty="0" smtClean="0"/>
+              <a:t>2900</a:t>
+            </a:r>
+            <a:r>
+              <a:rPr lang="zh-TW" altLang="en-US" dirty="0" smtClean="0"/>
+              <a:t>美金 </a:t>
+            </a:r>
+            <a:r>
+              <a:rPr lang="en-US" altLang="zh-TW" dirty="0" smtClean="0"/>
+              <a:t>=</a:t>
+            </a:r>
+            <a:r>
+              <a:rPr lang="zh-TW" altLang="en-US" dirty="0" smtClean="0"/>
+              <a:t> </a:t>
+            </a:r>
+            <a:r>
+              <a:rPr lang="en-US" altLang="zh-TW" dirty="0" smtClean="0"/>
+              <a:t>1</a:t>
+            </a:r>
+            <a:r>
+              <a:rPr lang="zh-TW" altLang="en-US" dirty="0" smtClean="0"/>
+              <a:t>顆</a:t>
+            </a:r>
+            <a:endParaRPr lang="en-US" altLang="zh-TW" dirty="0" smtClean="0"/>
+          </a:p>
+          <a:p>
+            <a:endParaRPr lang="en-US" altLang="zh-TW" dirty="0" smtClean="0"/>
+          </a:p>
+          <a:p>
+            <a:r>
+              <a:rPr lang="zh-TW" altLang="en-US" dirty="0" smtClean="0"/>
+              <a:t>你以為比特幣夠猛了</a:t>
+            </a:r>
+            <a:r>
+              <a:rPr lang="en-US" altLang="zh-TW" dirty="0" smtClean="0"/>
+              <a:t>?</a:t>
+            </a:r>
+            <a:r>
+              <a:rPr lang="zh-TW" altLang="en-US" dirty="0" smtClean="0"/>
+              <a:t> 錯</a:t>
+            </a:r>
+            <a:endParaRPr lang="en-US" altLang="zh-TW" dirty="0" smtClean="0"/>
+          </a:p>
+          <a:p>
+            <a:endParaRPr lang="en-US" altLang="zh-TW" dirty="0" smtClean="0"/>
+          </a:p>
+          <a:p>
+            <a:r>
+              <a:rPr lang="zh-TW" altLang="en-US" dirty="0" smtClean="0"/>
+              <a:t>乙太幣</a:t>
+            </a:r>
+            <a:r>
+              <a:rPr lang="en-US" altLang="zh-TW" dirty="0" smtClean="0"/>
+              <a:t>(ether)</a:t>
+            </a:r>
+            <a:r>
+              <a:rPr lang="zh-TW" altLang="en-US" dirty="0" smtClean="0"/>
+              <a:t>更瘋</a:t>
+            </a:r>
+            <a:endParaRPr lang="en-US" altLang="zh-TW" dirty="0" smtClean="0"/>
+          </a:p>
+          <a:p>
+            <a:r>
+              <a:rPr lang="zh-TW" altLang="en-US" dirty="0" smtClean="0"/>
+              <a:t>剛誕生</a:t>
+            </a:r>
+            <a:r>
+              <a:rPr lang="en-US" altLang="zh-TW" dirty="0" smtClean="0"/>
+              <a:t>(2016/03/07)</a:t>
+            </a:r>
+            <a:r>
+              <a:rPr lang="zh-TW" altLang="en-US" dirty="0" smtClean="0"/>
+              <a:t>，</a:t>
+            </a:r>
+            <a:r>
+              <a:rPr lang="en-US" altLang="zh-TW" dirty="0" smtClean="0"/>
+              <a:t>8</a:t>
+            </a:r>
+            <a:r>
+              <a:rPr lang="zh-TW" altLang="en-US" dirty="0" smtClean="0"/>
+              <a:t>美金 </a:t>
+            </a:r>
+            <a:r>
+              <a:rPr lang="en-US" altLang="zh-TW" dirty="0" smtClean="0"/>
+              <a:t>=</a:t>
+            </a:r>
+            <a:r>
+              <a:rPr lang="zh-TW" altLang="en-US" dirty="0" smtClean="0"/>
+              <a:t> </a:t>
+            </a:r>
+            <a:r>
+              <a:rPr lang="en-US" altLang="zh-TW" dirty="0" smtClean="0"/>
+              <a:t>1</a:t>
+            </a:r>
+            <a:r>
+              <a:rPr lang="zh-TW" altLang="en-US" dirty="0" smtClean="0"/>
+              <a:t>顆</a:t>
+            </a:r>
+            <a:endParaRPr lang="en-US" altLang="zh-TW" dirty="0" smtClean="0"/>
+          </a:p>
+          <a:p>
+            <a:r>
+              <a:rPr lang="zh-TW" altLang="en-US" dirty="0" smtClean="0"/>
+              <a:t>現在，最高</a:t>
+            </a:r>
+            <a:r>
+              <a:rPr lang="en-US" altLang="zh-TW" dirty="0" smtClean="0"/>
+              <a:t>346</a:t>
+            </a:r>
+            <a:r>
+              <a:rPr lang="zh-TW" altLang="en-US" dirty="0" smtClean="0"/>
+              <a:t>美金 </a:t>
+            </a:r>
+            <a:r>
+              <a:rPr lang="en-US" altLang="zh-TW" dirty="0" smtClean="0"/>
+              <a:t>=</a:t>
+            </a:r>
+            <a:r>
+              <a:rPr lang="zh-TW" altLang="en-US" dirty="0" smtClean="0"/>
+              <a:t> </a:t>
+            </a:r>
+            <a:r>
+              <a:rPr lang="en-US" altLang="zh-TW" dirty="0" smtClean="0"/>
+              <a:t>1</a:t>
+            </a:r>
+            <a:r>
+              <a:rPr lang="zh-TW" altLang="en-US" dirty="0" smtClean="0"/>
+              <a:t>顆</a:t>
+            </a:r>
+            <a:endParaRPr lang="en-US" altLang="zh-TW" dirty="0" smtClean="0"/>
+          </a:p>
+          <a:p>
             <a:endParaRPr lang="zh-TW" altLang="en-US" dirty="0"/>
           </a:p>
         </p:txBody>
@@ -644,7 +1469,7 @@
           <a:p>
             <a:fld id="{B1FE10D1-250E-4CE1-BD13-6A9E8297BB86}" type="slidenum">
               <a:rPr lang="zh-TW" altLang="en-US" smtClean="0"/>
-              <a:t>3</a:t>
+              <a:t>2</a:t>
             </a:fld>
             <a:endParaRPr lang="zh-TW" altLang="en-US"/>
           </a:p>
@@ -707,14 +1532,64 @@
           <a:bodyPr/>
           <a:lstStyle/>
           <a:p>
+            <a:pPr marL="171450" indent="-171450">
+              <a:buFontTx/>
+              <a:buChar char="-"/>
+            </a:pPr>
+            <a:r>
+              <a:rPr lang="zh-TW" altLang="en-US" dirty="0" smtClean="0"/>
+              <a:t>為什麼是</a:t>
+            </a:r>
             <a:r>
               <a:rPr lang="en-US" altLang="zh-TW" dirty="0" smtClean="0"/>
-              <a:t>Why? </a:t>
-            </a:r>
-            <a:r>
-              <a:rPr lang="zh-TW" altLang="en-US" dirty="0" smtClean="0"/>
-              <a:t>投資</a:t>
-            </a:r>
+              <a:t>bitcoin</a:t>
+            </a:r>
+            <a:r>
+              <a:rPr lang="en-US" altLang="zh-TW" baseline="0" dirty="0" smtClean="0"/>
+              <a:t> </a:t>
+            </a:r>
+            <a:r>
+              <a:rPr lang="en-US" altLang="zh-TW" dirty="0" smtClean="0"/>
+              <a:t>pizza day?</a:t>
+            </a:r>
+            <a:r>
+              <a:rPr lang="zh-TW" altLang="en-US" dirty="0" smtClean="0"/>
+              <a:t> 第一筆比特幣支付的案例</a:t>
+            </a:r>
+            <a:endParaRPr lang="en-US" altLang="zh-TW" dirty="0" smtClean="0"/>
+          </a:p>
+          <a:p>
+            <a:pPr marL="171450" indent="-171450">
+              <a:buFontTx/>
+              <a:buChar char="-"/>
+            </a:pPr>
+            <a:r>
+              <a:rPr lang="zh-TW" altLang="en-US" dirty="0" smtClean="0"/>
+              <a:t>花了多少顆買</a:t>
+            </a:r>
+            <a:r>
+              <a:rPr lang="en-US" altLang="zh-TW" dirty="0" smtClean="0"/>
+              <a:t>?</a:t>
+            </a:r>
+            <a:r>
+              <a:rPr lang="zh-TW" altLang="en-US" dirty="0" smtClean="0"/>
+              <a:t> </a:t>
+            </a:r>
+            <a:r>
+              <a:rPr lang="en-US" altLang="zh-TW" dirty="0" smtClean="0"/>
+              <a:t>13000</a:t>
+            </a:r>
+            <a:r>
+              <a:rPr lang="zh-TW" altLang="en-US" dirty="0" smtClean="0"/>
+              <a:t>顆</a:t>
+            </a:r>
+            <a:endParaRPr lang="en-US" altLang="zh-TW" dirty="0" smtClean="0"/>
+          </a:p>
+          <a:p>
+            <a:pPr marL="171450" indent="-171450">
+              <a:buFontTx/>
+              <a:buChar char="-"/>
+            </a:pPr>
             <a:endParaRPr lang="zh-TW" altLang="en-US" dirty="0"/>
           </a:p>
         </p:txBody>
@@ -736,7 +1611,7 @@
           <a:p>
             <a:fld id="{B1FE10D1-250E-4CE1-BD13-6A9E8297BB86}" type="slidenum">
               <a:rPr lang="zh-TW" altLang="en-US" smtClean="0"/>
-              <a:t>4</a:t>
+              <a:t>9</a:t>
             </a:fld>
             <a:endParaRPr lang="zh-TW" altLang="en-US"/>
           </a:p>
@@ -745,7 +1620,7 @@
     </p:spTree>
     <p:extLst>
       <p:ext uri="{BB962C8B-B14F-4D97-AF65-F5344CB8AC3E}">
-        <p14:creationId xmlns:p14="http://schemas.microsoft.com/office/powerpoint/2010/main" val="4140920065"/>
+        <p14:creationId xmlns:p14="http://schemas.microsoft.com/office/powerpoint/2010/main" val="3372005757"/>
       </p:ext>
     </p:extLst>
   </p:cSld>
@@ -828,7 +1703,7 @@
           <a:p>
             <a:fld id="{B1FE10D1-250E-4CE1-BD13-6A9E8297BB86}" type="slidenum">
               <a:rPr lang="zh-TW" altLang="en-US" smtClean="0"/>
-              <a:t>5</a:t>
+              <a:t>11</a:t>
             </a:fld>
             <a:endParaRPr lang="zh-TW" altLang="en-US"/>
           </a:p>
@@ -924,7 +1799,7 @@
           <a:p>
             <a:fld id="{B1FE10D1-250E-4CE1-BD13-6A9E8297BB86}" type="slidenum">
               <a:rPr lang="zh-TW" altLang="en-US" smtClean="0"/>
-              <a:t>11</a:t>
+              <a:t>19</a:t>
             </a:fld>
             <a:endParaRPr lang="zh-TW" altLang="en-US"/>
           </a:p>
@@ -1026,7 +1901,7 @@
           <a:p>
             <a:fld id="{B1FE10D1-250E-4CE1-BD13-6A9E8297BB86}" type="slidenum">
               <a:rPr lang="zh-TW" altLang="en-US" smtClean="0"/>
-              <a:t>15</a:t>
+              <a:t>23</a:t>
             </a:fld>
             <a:endParaRPr lang="zh-TW" altLang="en-US"/>
           </a:p>
@@ -1226,7 +2101,7 @@
           <a:p>
             <a:fld id="{5BBEAD13-0566-4C6C-97E7-55F17F24B09F}" type="datetimeFigureOut">
               <a:rPr lang="zh-TW" altLang="en-US" smtClean="0"/>
-              <a:t>2017/7/11</a:t>
+              <a:t>2017/7/24</a:t>
             </a:fld>
             <a:endParaRPr lang="zh-TW" altLang="en-US"/>
           </a:p>
@@ -1391,7 +2266,7 @@
           <a:p>
             <a:fld id="{5BBEAD13-0566-4C6C-97E7-55F17F24B09F}" type="datetimeFigureOut">
               <a:rPr lang="zh-TW" altLang="en-US" smtClean="0"/>
-              <a:t>2017/7/11</a:t>
+              <a:t>2017/7/24</a:t>
             </a:fld>
             <a:endParaRPr lang="zh-TW" altLang="en-US"/>
           </a:p>
@@ -1566,7 +2441,7 @@
           <a:p>
             <a:fld id="{5BBEAD13-0566-4C6C-97E7-55F17F24B09F}" type="datetimeFigureOut">
               <a:rPr lang="zh-TW" altLang="en-US" smtClean="0"/>
-              <a:t>2017/7/11</a:t>
+              <a:t>2017/7/24</a:t>
             </a:fld>
             <a:endParaRPr lang="zh-TW" altLang="en-US"/>
           </a:p>
@@ -1731,7 +2606,7 @@
           <a:p>
             <a:fld id="{5BBEAD13-0566-4C6C-97E7-55F17F24B09F}" type="datetimeFigureOut">
               <a:rPr lang="zh-TW" altLang="en-US" smtClean="0"/>
-              <a:t>2017/7/11</a:t>
+              <a:t>2017/7/24</a:t>
             </a:fld>
             <a:endParaRPr lang="zh-TW" altLang="en-US"/>
           </a:p>
@@ -1972,7 +2847,7 @@
           <a:p>
             <a:fld id="{5BBEAD13-0566-4C6C-97E7-55F17F24B09F}" type="datetimeFigureOut">
               <a:rPr lang="zh-TW" altLang="en-US" smtClean="0"/>
-              <a:t>2017/7/11</a:t>
+              <a:t>2017/7/24</a:t>
             </a:fld>
             <a:endParaRPr lang="zh-TW" altLang="en-US"/>
           </a:p>
@@ -2255,7 +3130,7 @@
           <a:p>
             <a:fld id="{5BBEAD13-0566-4C6C-97E7-55F17F24B09F}" type="datetimeFigureOut">
               <a:rPr lang="zh-TW" altLang="en-US" smtClean="0"/>
-              <a:t>2017/7/11</a:t>
+              <a:t>2017/7/24</a:t>
             </a:fld>
             <a:endParaRPr lang="zh-TW" altLang="en-US"/>
           </a:p>
@@ -2672,7 +3547,7 @@
           <a:p>
             <a:fld id="{5BBEAD13-0566-4C6C-97E7-55F17F24B09F}" type="datetimeFigureOut">
               <a:rPr lang="zh-TW" altLang="en-US" smtClean="0"/>
-              <a:t>2017/7/11</a:t>
+              <a:t>2017/7/24</a:t>
             </a:fld>
             <a:endParaRPr lang="zh-TW" altLang="en-US"/>
           </a:p>
@@ -2785,7 +3660,7 @@
           <a:p>
             <a:fld id="{5BBEAD13-0566-4C6C-97E7-55F17F24B09F}" type="datetimeFigureOut">
               <a:rPr lang="zh-TW" altLang="en-US" smtClean="0"/>
-              <a:t>2017/7/11</a:t>
+              <a:t>2017/7/24</a:t>
             </a:fld>
             <a:endParaRPr lang="zh-TW" altLang="en-US"/>
           </a:p>
@@ -2875,7 +3750,7 @@
           <a:p>
             <a:fld id="{5BBEAD13-0566-4C6C-97E7-55F17F24B09F}" type="datetimeFigureOut">
               <a:rPr lang="zh-TW" altLang="en-US" smtClean="0"/>
-              <a:t>2017/7/11</a:t>
+              <a:t>2017/7/24</a:t>
             </a:fld>
             <a:endParaRPr lang="zh-TW" altLang="en-US"/>
           </a:p>
@@ -3147,7 +4022,7 @@
           <a:p>
             <a:fld id="{5BBEAD13-0566-4C6C-97E7-55F17F24B09F}" type="datetimeFigureOut">
               <a:rPr lang="zh-TW" altLang="en-US" smtClean="0"/>
-              <a:t>2017/7/11</a:t>
+              <a:t>2017/7/24</a:t>
             </a:fld>
             <a:endParaRPr lang="zh-TW" altLang="en-US"/>
           </a:p>
@@ -3395,7 +4270,7 @@
           <a:p>
             <a:fld id="{5BBEAD13-0566-4C6C-97E7-55F17F24B09F}" type="datetimeFigureOut">
               <a:rPr lang="zh-TW" altLang="en-US" smtClean="0"/>
-              <a:t>2017/7/11</a:t>
+              <a:t>2017/7/24</a:t>
             </a:fld>
             <a:endParaRPr lang="zh-TW" altLang="en-US"/>
           </a:p>
@@ -3603,7 +4478,7 @@
           <a:p>
             <a:fld id="{5BBEAD13-0566-4C6C-97E7-55F17F24B09F}" type="datetimeFigureOut">
               <a:rPr lang="zh-TW" altLang="en-US" smtClean="0"/>
-              <a:t>2017/7/11</a:t>
+              <a:t>2017/7/24</a:t>
             </a:fld>
             <a:endParaRPr lang="zh-TW" altLang="en-US"/>
           </a:p>
@@ -3973,44 +4848,47 @@
           <a:chExt cx="0" cy="0"/>
         </a:xfrm>
       </p:grpSpPr>
-      <p:sp>
-        <p:nvSpPr>
-          <p:cNvPr id="2" name="標題 1"/>
-          <p:cNvSpPr>
-            <a:spLocks noGrp="1"/>
-          </p:cNvSpPr>
-          <p:nvPr>
-            <p:ph type="title"/>
-          </p:nvPr>
-        </p:nvSpPr>
-        <p:spPr/>
-        <p:txBody>
-          <a:bodyPr/>
-          <a:lstStyle/>
-          <a:p>
-            <a:endParaRPr lang="zh-TW" altLang="en-US"/>
-          </a:p>
-        </p:txBody>
-      </p:sp>
-      <p:sp>
-        <p:nvSpPr>
-          <p:cNvPr id="3" name="內容版面配置區 2"/>
-          <p:cNvSpPr>
-            <a:spLocks noGrp="1"/>
-          </p:cNvSpPr>
-          <p:nvPr>
-            <p:ph idx="1"/>
-          </p:nvPr>
-        </p:nvSpPr>
-        <p:spPr/>
-        <p:txBody>
-          <a:bodyPr/>
-          <a:lstStyle/>
-          <a:p>
-            <a:endParaRPr lang="zh-TW" altLang="en-US"/>
-          </a:p>
-        </p:txBody>
-      </p:sp>
+      <p:pic>
+        <p:nvPicPr>
+          <p:cNvPr id="1026" name="Picture 2" descr="「時光機」的圖片搜尋結果"/>
+          <p:cNvPicPr>
+            <a:picLocks noChangeAspect="1" noChangeArrowheads="1"/>
+          </p:cNvPicPr>
+          <p:nvPr/>
+        </p:nvPicPr>
+        <p:blipFill>
+          <a:blip r:embed="rId3">
+            <a:extLst>
+              <a:ext uri="{28A0092B-C50C-407E-A947-70E740481C1C}">
+                <a14:useLocalDpi xmlns:a14="http://schemas.microsoft.com/office/drawing/2010/main" val="0"/>
+              </a:ext>
+            </a:extLst>
+          </a:blip>
+          <a:srcRect/>
+          <a:stretch>
+            <a:fillRect/>
+          </a:stretch>
+        </p:blipFill>
+        <p:spPr bwMode="auto">
+          <a:xfrm>
+            <a:off x="762000" y="620688"/>
+            <a:ext cx="7620000" cy="5715000"/>
+          </a:xfrm>
+          <a:prstGeom prst="rect">
+            <a:avLst/>
+          </a:prstGeom>
+          <a:noFill/>
+          <a:extLst>
+            <a:ext uri="{909E8E84-426E-40DD-AFC4-6F175D3DCCD1}">
+              <a14:hiddenFill xmlns:a14="http://schemas.microsoft.com/office/drawing/2010/main">
+                <a:solidFill>
+                  <a:srgbClr val="FFFFFF"/>
+                </a:solidFill>
+              </a14:hiddenFill>
+            </a:ext>
+          </a:extLst>
+        </p:spPr>
+      </p:pic>
     </p:spTree>
     <p:extLst>
       <p:ext uri="{BB962C8B-B14F-4D97-AF65-F5344CB8AC3E}">
@@ -4021,10 +4899,1233 @@
   <p:clrMapOvr>
     <a:masterClrMapping/>
   </p:clrMapOvr>
+  <p:timing>
+    <p:tnLst>
+      <p:par>
+        <p:cTn id="1" dur="indefinite" restart="never" nodeType="tmRoot"/>
+      </p:par>
+    </p:tnLst>
+  </p:timing>
 </p:sld>
 </file>
 
 <file path=ppt/slides/slide10.xml><?xml version="1.0" encoding="utf-8"?>
+<p:sld xmlns:a="http://schemas.openxmlformats.org/drawingml/2006/main" xmlns:r="http://schemas.openxmlformats.org/officeDocument/2006/relationships" xmlns:p="http://schemas.openxmlformats.org/presentationml/2006/main" show="0">
+  <p:cSld>
+    <p:spTree>
+      <p:nvGrpSpPr>
+        <p:cNvPr id="1" name=""/>
+        <p:cNvGrpSpPr/>
+        <p:nvPr/>
+      </p:nvGrpSpPr>
+      <p:grpSpPr>
+        <a:xfrm>
+          <a:off x="0" y="0"/>
+          <a:ext cx="0" cy="0"/>
+          <a:chOff x="0" y="0"/>
+          <a:chExt cx="0" cy="0"/>
+        </a:xfrm>
+      </p:grpSpPr>
+      <p:sp>
+        <p:nvSpPr>
+          <p:cNvPr id="4" name="文字方塊 3"/>
+          <p:cNvSpPr txBox="1"/>
+          <p:nvPr/>
+        </p:nvSpPr>
+        <p:spPr>
+          <a:xfrm>
+            <a:off x="1583668" y="2967335"/>
+            <a:ext cx="5976664" cy="923330"/>
+          </a:xfrm>
+          <a:prstGeom prst="rect">
+            <a:avLst/>
+          </a:prstGeom>
+          <a:noFill/>
+        </p:spPr>
+        <p:txBody>
+          <a:bodyPr wrap="square" rtlCol="0">
+            <a:spAutoFit/>
+          </a:bodyPr>
+          <a:lstStyle/>
+          <a:p>
+            <a:r>
+              <a:rPr lang="en-US" altLang="zh-TW" sz="5400" dirty="0" smtClean="0"/>
+              <a:t>25</a:t>
+            </a:r>
+            <a:r>
+              <a:rPr lang="zh-TW" altLang="en-US" sz="5400" dirty="0" smtClean="0"/>
+              <a:t>美金 </a:t>
+            </a:r>
+            <a:r>
+              <a:rPr lang="en-US" altLang="zh-TW" sz="5400" dirty="0" smtClean="0"/>
+              <a:t>=</a:t>
+            </a:r>
+            <a:r>
+              <a:rPr lang="zh-TW" altLang="en-US" sz="5400" dirty="0" smtClean="0"/>
+              <a:t> </a:t>
+            </a:r>
+            <a:r>
+              <a:rPr lang="en-US" altLang="zh-TW" sz="5400" dirty="0" smtClean="0"/>
+              <a:t>13000</a:t>
+            </a:r>
+            <a:r>
+              <a:rPr lang="zh-TW" altLang="en-US" sz="5400" dirty="0" smtClean="0"/>
+              <a:t>顆</a:t>
+            </a:r>
+            <a:endParaRPr lang="zh-TW" altLang="en-US" sz="5400" dirty="0"/>
+          </a:p>
+        </p:txBody>
+      </p:sp>
+    </p:spTree>
+    <p:extLst>
+      <p:ext uri="{BB962C8B-B14F-4D97-AF65-F5344CB8AC3E}">
+        <p14:creationId xmlns:p14="http://schemas.microsoft.com/office/powerpoint/2010/main" val="1614601616"/>
+      </p:ext>
+    </p:extLst>
+  </p:cSld>
+  <p:clrMapOvr>
+    <a:masterClrMapping/>
+  </p:clrMapOvr>
+  <mc:AlternateContent xmlns:mc="http://schemas.openxmlformats.org/markup-compatibility/2006" xmlns:p14="http://schemas.microsoft.com/office/powerpoint/2010/main">
+    <mc:Choice Requires="p14">
+      <p:transition spd="slow" p14:dur="2000"/>
+    </mc:Choice>
+    <mc:Fallback xmlns="">
+      <p:transition spd="slow"/>
+    </mc:Fallback>
+  </mc:AlternateContent>
+  <p:timing>
+    <p:tnLst>
+      <p:par>
+        <p:cTn id="1" dur="indefinite" restart="never" nodeType="tmRoot"/>
+      </p:par>
+    </p:tnLst>
+  </p:timing>
+</p:sld>
+</file>
+
+<file path=ppt/slides/slide11.xml><?xml version="1.0" encoding="utf-8"?>
+<p:sld xmlns:a="http://schemas.openxmlformats.org/drawingml/2006/main" xmlns:r="http://schemas.openxmlformats.org/officeDocument/2006/relationships" xmlns:p="http://schemas.openxmlformats.org/presentationml/2006/main">
+  <p:cSld>
+    <p:spTree>
+      <p:nvGrpSpPr>
+        <p:cNvPr id="1" name=""/>
+        <p:cNvGrpSpPr/>
+        <p:nvPr/>
+      </p:nvGrpSpPr>
+      <p:grpSpPr>
+        <a:xfrm>
+          <a:off x="0" y="0"/>
+          <a:ext cx="0" cy="0"/>
+          <a:chOff x="0" y="0"/>
+          <a:chExt cx="0" cy="0"/>
+        </a:xfrm>
+      </p:grpSpPr>
+      <p:sp>
+        <p:nvSpPr>
+          <p:cNvPr id="2" name="標題 1"/>
+          <p:cNvSpPr>
+            <a:spLocks noGrp="1"/>
+          </p:cNvSpPr>
+          <p:nvPr>
+            <p:ph type="title"/>
+          </p:nvPr>
+        </p:nvSpPr>
+        <p:spPr/>
+        <p:txBody>
+          <a:bodyPr>
+            <a:normAutofit/>
+          </a:bodyPr>
+          <a:lstStyle/>
+          <a:p>
+            <a:r>
+              <a:rPr lang="zh-TW" altLang="en-US" dirty="0" smtClean="0"/>
+              <a:t>如何獲得比</a:t>
+            </a:r>
+            <a:r>
+              <a:rPr lang="zh-TW" altLang="en-US" dirty="0"/>
+              <a:t>特</a:t>
+            </a:r>
+            <a:r>
+              <a:rPr lang="zh-TW" altLang="en-US" dirty="0" smtClean="0"/>
+              <a:t>幣</a:t>
+            </a:r>
+            <a:r>
+              <a:rPr lang="en-US" altLang="zh-TW" dirty="0"/>
+              <a:t>?</a:t>
+            </a:r>
+            <a:r>
+              <a:rPr lang="en-US" altLang="zh-TW" dirty="0" smtClean="0"/>
+              <a:t> </a:t>
+            </a:r>
+            <a:endParaRPr lang="zh-TW" altLang="en-US" dirty="0"/>
+          </a:p>
+        </p:txBody>
+      </p:sp>
+      <p:sp>
+        <p:nvSpPr>
+          <p:cNvPr id="3" name="內容版面配置區 2"/>
+          <p:cNvSpPr>
+            <a:spLocks noGrp="1"/>
+          </p:cNvSpPr>
+          <p:nvPr>
+            <p:ph idx="1"/>
+          </p:nvPr>
+        </p:nvSpPr>
+        <p:spPr/>
+        <p:txBody>
+          <a:bodyPr>
+            <a:normAutofit fontScale="85000" lnSpcReduction="20000"/>
+          </a:bodyPr>
+          <a:lstStyle/>
+          <a:p>
+            <a:r>
+              <a:rPr lang="zh-TW" altLang="en-US" dirty="0" smtClean="0"/>
+              <a:t>國內交易平台</a:t>
+            </a:r>
+            <a:endParaRPr lang="en-US" altLang="zh-TW" dirty="0" smtClean="0"/>
+          </a:p>
+          <a:p>
+            <a:pPr lvl="1"/>
+            <a:r>
+              <a:rPr lang="en-US" altLang="zh-TW" dirty="0" err="1" smtClean="0"/>
+              <a:t>Maicoin</a:t>
+            </a:r>
+            <a:r>
+              <a:rPr lang="zh-TW" altLang="en-US" dirty="0" smtClean="0"/>
+              <a:t> </a:t>
+            </a:r>
+            <a:endParaRPr lang="en-US" altLang="zh-TW" dirty="0" smtClean="0"/>
+          </a:p>
+          <a:p>
+            <a:pPr lvl="1"/>
+            <a:r>
+              <a:rPr lang="en-US" altLang="zh-TW" dirty="0" err="1" smtClean="0"/>
+              <a:t>Bitoex</a:t>
+            </a:r>
+            <a:r>
+              <a:rPr lang="en-US" altLang="zh-TW" dirty="0"/>
+              <a:t> </a:t>
+            </a:r>
+            <a:endParaRPr lang="en-US" altLang="zh-TW" dirty="0" smtClean="0"/>
+          </a:p>
+          <a:p>
+            <a:r>
+              <a:rPr lang="zh-TW" altLang="en-US" dirty="0" smtClean="0"/>
+              <a:t>國外交易所</a:t>
+            </a:r>
+            <a:endParaRPr lang="en-US" altLang="zh-TW" dirty="0" smtClean="0"/>
+          </a:p>
+          <a:p>
+            <a:pPr lvl="1"/>
+            <a:r>
+              <a:rPr lang="en-US" altLang="zh-TW" dirty="0" smtClean="0"/>
+              <a:t>CEX.IO</a:t>
+            </a:r>
+            <a:endParaRPr lang="en-US" altLang="zh-TW" dirty="0"/>
+          </a:p>
+          <a:p>
+            <a:pPr lvl="1"/>
+            <a:r>
+              <a:rPr lang="en-US" altLang="zh-TW" dirty="0" err="1" smtClean="0"/>
+              <a:t>Bitfinex</a:t>
+            </a:r>
+            <a:endParaRPr lang="en-US" altLang="zh-TW" dirty="0" smtClean="0"/>
+          </a:p>
+          <a:p>
+            <a:pPr lvl="1"/>
+            <a:r>
+              <a:rPr lang="en-US" altLang="zh-TW" dirty="0" err="1" smtClean="0"/>
+              <a:t>Coinbase</a:t>
+            </a:r>
+            <a:endParaRPr lang="en-US" altLang="zh-TW" dirty="0" smtClean="0"/>
+          </a:p>
+          <a:p>
+            <a:pPr lvl="1"/>
+            <a:r>
+              <a:rPr lang="en-US" altLang="zh-TW" dirty="0" smtClean="0"/>
+              <a:t>OKCOIN</a:t>
+            </a:r>
+            <a:endParaRPr lang="en-US" altLang="zh-TW" dirty="0"/>
+          </a:p>
+          <a:p>
+            <a:r>
+              <a:rPr lang="zh-TW" altLang="en-US" dirty="0" smtClean="0"/>
+              <a:t>挖礦</a:t>
+            </a:r>
+            <a:endParaRPr lang="en-US" altLang="zh-TW" dirty="0" smtClean="0"/>
+          </a:p>
+          <a:p>
+            <a:pPr lvl="1"/>
+            <a:r>
+              <a:rPr lang="zh-TW" altLang="en-US" dirty="0" smtClean="0"/>
+              <a:t>個人</a:t>
+            </a:r>
+            <a:endParaRPr lang="en-US" altLang="zh-TW" dirty="0" smtClean="0"/>
+          </a:p>
+          <a:p>
+            <a:pPr lvl="1"/>
+            <a:r>
+              <a:rPr lang="zh-TW" altLang="en-US" dirty="0" smtClean="0"/>
+              <a:t>礦池</a:t>
+            </a:r>
+            <a:endParaRPr lang="en-US" altLang="zh-TW" dirty="0" smtClean="0"/>
+          </a:p>
+          <a:p>
+            <a:pPr lvl="1"/>
+            <a:endParaRPr lang="en-US" altLang="zh-TW" dirty="0" smtClean="0"/>
+          </a:p>
+        </p:txBody>
+      </p:sp>
+      <p:pic>
+        <p:nvPicPr>
+          <p:cNvPr id="1026" name="Picture 2"/>
+          <p:cNvPicPr>
+            <a:picLocks noChangeAspect="1" noChangeArrowheads="1"/>
+          </p:cNvPicPr>
+          <p:nvPr/>
+        </p:nvPicPr>
+        <p:blipFill>
+          <a:blip r:embed="rId3">
+            <a:extLst>
+              <a:ext uri="{28A0092B-C50C-407E-A947-70E740481C1C}">
+                <a14:useLocalDpi xmlns:a14="http://schemas.microsoft.com/office/drawing/2010/main" val="0"/>
+              </a:ext>
+            </a:extLst>
+          </a:blip>
+          <a:srcRect/>
+          <a:stretch>
+            <a:fillRect/>
+          </a:stretch>
+        </p:blipFill>
+        <p:spPr bwMode="auto">
+          <a:xfrm>
+            <a:off x="4707260" y="1563270"/>
+            <a:ext cx="1704975" cy="552450"/>
+          </a:xfrm>
+          <a:prstGeom prst="rect">
+            <a:avLst/>
+          </a:prstGeom>
+          <a:noFill/>
+          <a:ln>
+            <a:noFill/>
+          </a:ln>
+          <a:extLst>
+            <a:ext uri="{909E8E84-426E-40DD-AFC4-6F175D3DCCD1}">
+              <a14:hiddenFill xmlns:a14="http://schemas.microsoft.com/office/drawing/2010/main">
+                <a:solidFill>
+                  <a:schemeClr val="accent1"/>
+                </a:solidFill>
+              </a14:hiddenFill>
+            </a:ext>
+            <a:ext uri="{91240B29-F687-4F45-9708-019B960494DF}">
+              <a14:hiddenLine xmlns:a14="http://schemas.microsoft.com/office/drawing/2010/main" w="9525">
+                <a:solidFill>
+                  <a:schemeClr val="tx1"/>
+                </a:solidFill>
+                <a:miter lim="800000"/>
+                <a:headEnd/>
+                <a:tailEnd/>
+              </a14:hiddenLine>
+            </a:ext>
+          </a:extLst>
+        </p:spPr>
+      </p:pic>
+      <p:pic>
+        <p:nvPicPr>
+          <p:cNvPr id="1027" name="Picture 3"/>
+          <p:cNvPicPr>
+            <a:picLocks noChangeAspect="1" noChangeArrowheads="1"/>
+          </p:cNvPicPr>
+          <p:nvPr/>
+        </p:nvPicPr>
+        <p:blipFill>
+          <a:blip r:embed="rId4">
+            <a:extLst>
+              <a:ext uri="{28A0092B-C50C-407E-A947-70E740481C1C}">
+                <a14:useLocalDpi xmlns:a14="http://schemas.microsoft.com/office/drawing/2010/main" val="0"/>
+              </a:ext>
+            </a:extLst>
+          </a:blip>
+          <a:srcRect/>
+          <a:stretch>
+            <a:fillRect/>
+          </a:stretch>
+        </p:blipFill>
+        <p:spPr bwMode="auto">
+          <a:xfrm>
+            <a:off x="4707260" y="2211342"/>
+            <a:ext cx="1828800" cy="533400"/>
+          </a:xfrm>
+          <a:prstGeom prst="rect">
+            <a:avLst/>
+          </a:prstGeom>
+          <a:noFill/>
+          <a:ln>
+            <a:noFill/>
+          </a:ln>
+          <a:extLst>
+            <a:ext uri="{909E8E84-426E-40DD-AFC4-6F175D3DCCD1}">
+              <a14:hiddenFill xmlns:a14="http://schemas.microsoft.com/office/drawing/2010/main">
+                <a:solidFill>
+                  <a:schemeClr val="accent1"/>
+                </a:solidFill>
+              </a14:hiddenFill>
+            </a:ext>
+            <a:ext uri="{91240B29-F687-4F45-9708-019B960494DF}">
+              <a14:hiddenLine xmlns:a14="http://schemas.microsoft.com/office/drawing/2010/main" w="9525">
+                <a:solidFill>
+                  <a:schemeClr val="tx1"/>
+                </a:solidFill>
+                <a:miter lim="800000"/>
+                <a:headEnd/>
+                <a:tailEnd/>
+              </a14:hiddenLine>
+            </a:ext>
+          </a:extLst>
+        </p:spPr>
+      </p:pic>
+      <p:pic>
+        <p:nvPicPr>
+          <p:cNvPr id="1028" name="Picture 4"/>
+          <p:cNvPicPr>
+            <a:picLocks noChangeAspect="1" noChangeArrowheads="1"/>
+          </p:cNvPicPr>
+          <p:nvPr/>
+        </p:nvPicPr>
+        <p:blipFill>
+          <a:blip r:embed="rId5">
+            <a:extLst>
+              <a:ext uri="{28A0092B-C50C-407E-A947-70E740481C1C}">
+                <a14:useLocalDpi xmlns:a14="http://schemas.microsoft.com/office/drawing/2010/main" val="0"/>
+              </a:ext>
+            </a:extLst>
+          </a:blip>
+          <a:srcRect/>
+          <a:stretch>
+            <a:fillRect/>
+          </a:stretch>
+        </p:blipFill>
+        <p:spPr bwMode="auto">
+          <a:xfrm>
+            <a:off x="4707260" y="2823228"/>
+            <a:ext cx="1409700" cy="457200"/>
+          </a:xfrm>
+          <a:prstGeom prst="rect">
+            <a:avLst/>
+          </a:prstGeom>
+          <a:noFill/>
+          <a:ln>
+            <a:noFill/>
+          </a:ln>
+          <a:extLst>
+            <a:ext uri="{909E8E84-426E-40DD-AFC4-6F175D3DCCD1}">
+              <a14:hiddenFill xmlns:a14="http://schemas.microsoft.com/office/drawing/2010/main">
+                <a:solidFill>
+                  <a:schemeClr val="accent1"/>
+                </a:solidFill>
+              </a14:hiddenFill>
+            </a:ext>
+            <a:ext uri="{91240B29-F687-4F45-9708-019B960494DF}">
+              <a14:hiddenLine xmlns:a14="http://schemas.microsoft.com/office/drawing/2010/main" w="9525">
+                <a:solidFill>
+                  <a:schemeClr val="tx1"/>
+                </a:solidFill>
+                <a:miter lim="800000"/>
+                <a:headEnd/>
+                <a:tailEnd/>
+              </a14:hiddenLine>
+            </a:ext>
+          </a:extLst>
+        </p:spPr>
+      </p:pic>
+      <p:pic>
+        <p:nvPicPr>
+          <p:cNvPr id="1029" name="Picture 5"/>
+          <p:cNvPicPr>
+            <a:picLocks noChangeAspect="1" noChangeArrowheads="1"/>
+          </p:cNvPicPr>
+          <p:nvPr/>
+        </p:nvPicPr>
+        <p:blipFill>
+          <a:blip r:embed="rId6">
+            <a:extLst>
+              <a:ext uri="{28A0092B-C50C-407E-A947-70E740481C1C}">
+                <a14:useLocalDpi xmlns:a14="http://schemas.microsoft.com/office/drawing/2010/main" val="0"/>
+              </a:ext>
+            </a:extLst>
+          </a:blip>
+          <a:srcRect/>
+          <a:stretch>
+            <a:fillRect/>
+          </a:stretch>
+        </p:blipFill>
+        <p:spPr bwMode="auto">
+          <a:xfrm>
+            <a:off x="4692696" y="3397949"/>
+            <a:ext cx="1670748" cy="240170"/>
+          </a:xfrm>
+          <a:prstGeom prst="rect">
+            <a:avLst/>
+          </a:prstGeom>
+          <a:noFill/>
+          <a:ln>
+            <a:noFill/>
+          </a:ln>
+          <a:extLst>
+            <a:ext uri="{909E8E84-426E-40DD-AFC4-6F175D3DCCD1}">
+              <a14:hiddenFill xmlns:a14="http://schemas.microsoft.com/office/drawing/2010/main">
+                <a:solidFill>
+                  <a:schemeClr val="accent1"/>
+                </a:solidFill>
+              </a14:hiddenFill>
+            </a:ext>
+            <a:ext uri="{91240B29-F687-4F45-9708-019B960494DF}">
+              <a14:hiddenLine xmlns:a14="http://schemas.microsoft.com/office/drawing/2010/main" w="9525">
+                <a:solidFill>
+                  <a:schemeClr val="tx1"/>
+                </a:solidFill>
+                <a:miter lim="800000"/>
+                <a:headEnd/>
+                <a:tailEnd/>
+              </a14:hiddenLine>
+            </a:ext>
+          </a:extLst>
+        </p:spPr>
+      </p:pic>
+      <p:pic>
+        <p:nvPicPr>
+          <p:cNvPr id="1030" name="Picture 6"/>
+          <p:cNvPicPr>
+            <a:picLocks noChangeAspect="1" noChangeArrowheads="1"/>
+          </p:cNvPicPr>
+          <p:nvPr/>
+        </p:nvPicPr>
+        <p:blipFill>
+          <a:blip r:embed="rId7">
+            <a:extLst>
+              <a:ext uri="{28A0092B-C50C-407E-A947-70E740481C1C}">
+                <a14:useLocalDpi xmlns:a14="http://schemas.microsoft.com/office/drawing/2010/main" val="0"/>
+              </a:ext>
+            </a:extLst>
+          </a:blip>
+          <a:srcRect/>
+          <a:stretch>
+            <a:fillRect/>
+          </a:stretch>
+        </p:blipFill>
+        <p:spPr bwMode="auto">
+          <a:xfrm>
+            <a:off x="4692696" y="3785947"/>
+            <a:ext cx="1057275" cy="295275"/>
+          </a:xfrm>
+          <a:prstGeom prst="rect">
+            <a:avLst/>
+          </a:prstGeom>
+          <a:noFill/>
+          <a:ln>
+            <a:noFill/>
+          </a:ln>
+          <a:extLst>
+            <a:ext uri="{909E8E84-426E-40DD-AFC4-6F175D3DCCD1}">
+              <a14:hiddenFill xmlns:a14="http://schemas.microsoft.com/office/drawing/2010/main">
+                <a:solidFill>
+                  <a:schemeClr val="accent1"/>
+                </a:solidFill>
+              </a14:hiddenFill>
+            </a:ext>
+            <a:ext uri="{91240B29-F687-4F45-9708-019B960494DF}">
+              <a14:hiddenLine xmlns:a14="http://schemas.microsoft.com/office/drawing/2010/main" w="9525">
+                <a:solidFill>
+                  <a:schemeClr val="tx1"/>
+                </a:solidFill>
+                <a:miter lim="800000"/>
+                <a:headEnd/>
+                <a:tailEnd/>
+              </a14:hiddenLine>
+            </a:ext>
+          </a:extLst>
+        </p:spPr>
+      </p:pic>
+      <p:pic>
+        <p:nvPicPr>
+          <p:cNvPr id="1031" name="Picture 7"/>
+          <p:cNvPicPr>
+            <a:picLocks noChangeAspect="1" noChangeArrowheads="1"/>
+          </p:cNvPicPr>
+          <p:nvPr/>
+        </p:nvPicPr>
+        <p:blipFill>
+          <a:blip r:embed="rId8">
+            <a:extLst>
+              <a:ext uri="{28A0092B-C50C-407E-A947-70E740481C1C}">
+                <a14:useLocalDpi xmlns:a14="http://schemas.microsoft.com/office/drawing/2010/main" val="0"/>
+              </a:ext>
+            </a:extLst>
+          </a:blip>
+          <a:srcRect/>
+          <a:stretch>
+            <a:fillRect/>
+          </a:stretch>
+        </p:blipFill>
+        <p:spPr bwMode="auto">
+          <a:xfrm>
+            <a:off x="4695600" y="4155558"/>
+            <a:ext cx="1114425" cy="419100"/>
+          </a:xfrm>
+          <a:prstGeom prst="rect">
+            <a:avLst/>
+          </a:prstGeom>
+          <a:noFill/>
+          <a:ln>
+            <a:noFill/>
+          </a:ln>
+          <a:extLst>
+            <a:ext uri="{909E8E84-426E-40DD-AFC4-6F175D3DCCD1}">
+              <a14:hiddenFill xmlns:a14="http://schemas.microsoft.com/office/drawing/2010/main">
+                <a:solidFill>
+                  <a:schemeClr val="accent1"/>
+                </a:solidFill>
+              </a14:hiddenFill>
+            </a:ext>
+            <a:ext uri="{91240B29-F687-4F45-9708-019B960494DF}">
+              <a14:hiddenLine xmlns:a14="http://schemas.microsoft.com/office/drawing/2010/main" w="9525">
+                <a:solidFill>
+                  <a:schemeClr val="tx1"/>
+                </a:solidFill>
+                <a:miter lim="800000"/>
+                <a:headEnd/>
+                <a:tailEnd/>
+              </a14:hiddenLine>
+            </a:ext>
+          </a:extLst>
+        </p:spPr>
+      </p:pic>
+      <p:pic>
+        <p:nvPicPr>
+          <p:cNvPr id="1032" name="Picture 8"/>
+          <p:cNvPicPr>
+            <a:picLocks noChangeAspect="1" noChangeArrowheads="1"/>
+          </p:cNvPicPr>
+          <p:nvPr/>
+        </p:nvPicPr>
+        <p:blipFill>
+          <a:blip r:embed="rId9">
+            <a:extLst>
+              <a:ext uri="{28A0092B-C50C-407E-A947-70E740481C1C}">
+                <a14:useLocalDpi xmlns:a14="http://schemas.microsoft.com/office/drawing/2010/main" val="0"/>
+              </a:ext>
+            </a:extLst>
+          </a:blip>
+          <a:srcRect/>
+          <a:stretch>
+            <a:fillRect/>
+          </a:stretch>
+        </p:blipFill>
+        <p:spPr bwMode="auto">
+          <a:xfrm>
+            <a:off x="4692972" y="4653136"/>
+            <a:ext cx="1733550" cy="438150"/>
+          </a:xfrm>
+          <a:prstGeom prst="rect">
+            <a:avLst/>
+          </a:prstGeom>
+          <a:noFill/>
+          <a:ln>
+            <a:noFill/>
+          </a:ln>
+          <a:extLst>
+            <a:ext uri="{909E8E84-426E-40DD-AFC4-6F175D3DCCD1}">
+              <a14:hiddenFill xmlns:a14="http://schemas.microsoft.com/office/drawing/2010/main">
+                <a:solidFill>
+                  <a:schemeClr val="accent1"/>
+                </a:solidFill>
+              </a14:hiddenFill>
+            </a:ext>
+            <a:ext uri="{91240B29-F687-4F45-9708-019B960494DF}">
+              <a14:hiddenLine xmlns:a14="http://schemas.microsoft.com/office/drawing/2010/main" w="9525">
+                <a:solidFill>
+                  <a:schemeClr val="tx1"/>
+                </a:solidFill>
+                <a:miter lim="800000"/>
+                <a:headEnd/>
+                <a:tailEnd/>
+              </a14:hiddenLine>
+            </a:ext>
+          </a:extLst>
+        </p:spPr>
+      </p:pic>
+    </p:spTree>
+    <p:extLst>
+      <p:ext uri="{BB962C8B-B14F-4D97-AF65-F5344CB8AC3E}">
+        <p14:creationId xmlns:p14="http://schemas.microsoft.com/office/powerpoint/2010/main" val="133360995"/>
+      </p:ext>
+    </p:extLst>
+  </p:cSld>
+  <p:clrMapOvr>
+    <a:masterClrMapping/>
+  </p:clrMapOvr>
+  <p:timing>
+    <p:tnLst>
+      <p:par>
+        <p:cTn id="1" dur="indefinite" restart="never" nodeType="tmRoot"/>
+      </p:par>
+    </p:tnLst>
+  </p:timing>
+</p:sld>
+</file>
+
+<file path=ppt/slides/slide12.xml><?xml version="1.0" encoding="utf-8"?>
+<p:sld xmlns:a="http://schemas.openxmlformats.org/drawingml/2006/main" xmlns:r="http://schemas.openxmlformats.org/officeDocument/2006/relationships" xmlns:p="http://schemas.openxmlformats.org/presentationml/2006/main">
+  <p:cSld>
+    <p:spTree>
+      <p:nvGrpSpPr>
+        <p:cNvPr id="1" name=""/>
+        <p:cNvGrpSpPr/>
+        <p:nvPr/>
+      </p:nvGrpSpPr>
+      <p:grpSpPr>
+        <a:xfrm>
+          <a:off x="0" y="0"/>
+          <a:ext cx="0" cy="0"/>
+          <a:chOff x="0" y="0"/>
+          <a:chExt cx="0" cy="0"/>
+        </a:xfrm>
+      </p:grpSpPr>
+      <p:sp>
+        <p:nvSpPr>
+          <p:cNvPr id="2" name="標題 1"/>
+          <p:cNvSpPr>
+            <a:spLocks noGrp="1"/>
+          </p:cNvSpPr>
+          <p:nvPr>
+            <p:ph type="title"/>
+          </p:nvPr>
+        </p:nvSpPr>
+        <p:spPr/>
+        <p:txBody>
+          <a:bodyPr/>
+          <a:lstStyle/>
+          <a:p>
+            <a:r>
+              <a:rPr lang="zh-TW" altLang="en-US" dirty="0" smtClean="0"/>
+              <a:t>自己的錢，自己賺</a:t>
+            </a:r>
+            <a:endParaRPr lang="zh-TW" altLang="en-US" dirty="0"/>
+          </a:p>
+        </p:txBody>
+      </p:sp>
+      <p:sp>
+        <p:nvSpPr>
+          <p:cNvPr id="3" name="內容版面配置區 2"/>
+          <p:cNvSpPr>
+            <a:spLocks noGrp="1"/>
+          </p:cNvSpPr>
+          <p:nvPr>
+            <p:ph idx="1"/>
+          </p:nvPr>
+        </p:nvSpPr>
+        <p:spPr/>
+        <p:txBody>
+          <a:bodyPr anchor="ctr"/>
+          <a:lstStyle/>
+          <a:p>
+            <a:pPr marL="0" indent="0" algn="ctr">
+              <a:buNone/>
+            </a:pPr>
+            <a:r>
+              <a:rPr lang="zh-TW" altLang="en-US" dirty="0" smtClean="0"/>
+              <a:t>成為礦工的一員</a:t>
+            </a:r>
+            <a:r>
+              <a:rPr lang="en-US" altLang="zh-TW" dirty="0" smtClean="0"/>
+              <a:t>…</a:t>
+            </a:r>
+            <a:endParaRPr lang="zh-TW" altLang="en-US" dirty="0"/>
+          </a:p>
+        </p:txBody>
+      </p:sp>
+    </p:spTree>
+    <p:extLst>
+      <p:ext uri="{BB962C8B-B14F-4D97-AF65-F5344CB8AC3E}">
+        <p14:creationId xmlns:p14="http://schemas.microsoft.com/office/powerpoint/2010/main" val="3795940635"/>
+      </p:ext>
+    </p:extLst>
+  </p:cSld>
+  <p:clrMapOvr>
+    <a:masterClrMapping/>
+  </p:clrMapOvr>
+  <p:timing>
+    <p:tnLst>
+      <p:par>
+        <p:cTn id="1" dur="indefinite" restart="never" nodeType="tmRoot"/>
+      </p:par>
+    </p:tnLst>
+  </p:timing>
+</p:sld>
+</file>
+
+<file path=ppt/slides/slide13.xml><?xml version="1.0" encoding="utf-8"?>
+<p:sld xmlns:a="http://schemas.openxmlformats.org/drawingml/2006/main" xmlns:r="http://schemas.openxmlformats.org/officeDocument/2006/relationships" xmlns:p="http://schemas.openxmlformats.org/presentationml/2006/main">
+  <p:cSld>
+    <p:spTree>
+      <p:nvGrpSpPr>
+        <p:cNvPr id="1" name=""/>
+        <p:cNvGrpSpPr/>
+        <p:nvPr/>
+      </p:nvGrpSpPr>
+      <p:grpSpPr>
+        <a:xfrm>
+          <a:off x="0" y="0"/>
+          <a:ext cx="0" cy="0"/>
+          <a:chOff x="0" y="0"/>
+          <a:chExt cx="0" cy="0"/>
+        </a:xfrm>
+      </p:grpSpPr>
+      <p:pic>
+        <p:nvPicPr>
+          <p:cNvPr id="2050" name="Picture 2"/>
+          <p:cNvPicPr>
+            <a:picLocks noChangeAspect="1" noChangeArrowheads="1"/>
+          </p:cNvPicPr>
+          <p:nvPr/>
+        </p:nvPicPr>
+        <p:blipFill>
+          <a:blip r:embed="rId2">
+            <a:extLst>
+              <a:ext uri="{28A0092B-C50C-407E-A947-70E740481C1C}">
+                <a14:useLocalDpi xmlns:a14="http://schemas.microsoft.com/office/drawing/2010/main" val="0"/>
+              </a:ext>
+            </a:extLst>
+          </a:blip>
+          <a:srcRect/>
+          <a:stretch>
+            <a:fillRect/>
+          </a:stretch>
+        </p:blipFill>
+        <p:spPr bwMode="auto">
+          <a:xfrm>
+            <a:off x="1390650" y="590550"/>
+            <a:ext cx="6362700" cy="5676900"/>
+          </a:xfrm>
+          <a:prstGeom prst="rect">
+            <a:avLst/>
+          </a:prstGeom>
+          <a:noFill/>
+          <a:ln>
+            <a:noFill/>
+          </a:ln>
+          <a:extLst>
+            <a:ext uri="{909E8E84-426E-40DD-AFC4-6F175D3DCCD1}">
+              <a14:hiddenFill xmlns:a14="http://schemas.microsoft.com/office/drawing/2010/main">
+                <a:solidFill>
+                  <a:schemeClr val="accent1"/>
+                </a:solidFill>
+              </a14:hiddenFill>
+            </a:ext>
+            <a:ext uri="{91240B29-F687-4F45-9708-019B960494DF}">
+              <a14:hiddenLine xmlns:a14="http://schemas.microsoft.com/office/drawing/2010/main" w="9525">
+                <a:solidFill>
+                  <a:schemeClr val="tx1"/>
+                </a:solidFill>
+                <a:miter lim="800000"/>
+                <a:headEnd/>
+                <a:tailEnd/>
+              </a14:hiddenLine>
+            </a:ext>
+          </a:extLst>
+        </p:spPr>
+      </p:pic>
+      <p:grpSp>
+        <p:nvGrpSpPr>
+          <p:cNvPr id="7" name="群組 6"/>
+          <p:cNvGrpSpPr/>
+          <p:nvPr/>
+        </p:nvGrpSpPr>
+        <p:grpSpPr>
+          <a:xfrm>
+            <a:off x="3542490" y="1916832"/>
+            <a:ext cx="2954655" cy="2664296"/>
+            <a:chOff x="3542490" y="1916832"/>
+            <a:chExt cx="2954655" cy="2664296"/>
+          </a:xfrm>
+        </p:grpSpPr>
+        <p:sp>
+          <p:nvSpPr>
+            <p:cNvPr id="5" name="文字方塊 4"/>
+            <p:cNvSpPr txBox="1"/>
+            <p:nvPr/>
+          </p:nvSpPr>
+          <p:spPr>
+            <a:xfrm rot="5400000">
+              <a:off x="4152434" y="1999387"/>
+              <a:ext cx="1734770" cy="1569660"/>
+            </a:xfrm>
+            <a:prstGeom prst="rect">
+              <a:avLst/>
+            </a:prstGeom>
+            <a:noFill/>
+          </p:spPr>
+          <p:txBody>
+            <a:bodyPr wrap="none" rtlCol="0">
+              <a:spAutoFit/>
+            </a:bodyPr>
+            <a:lstStyle/>
+            <a:p>
+              <a:r>
+                <a:rPr lang="en-US" altLang="zh-TW" sz="9600" dirty="0" smtClean="0">
+                  <a:solidFill>
+                    <a:srgbClr val="FF0000"/>
+                  </a:solidFill>
+                </a:rPr>
+                <a:t>XD</a:t>
+              </a:r>
+              <a:endParaRPr lang="zh-TW" altLang="en-US" sz="9600" dirty="0">
+                <a:solidFill>
+                  <a:srgbClr val="FF0000"/>
+                </a:solidFill>
+              </a:endParaRPr>
+            </a:p>
+          </p:txBody>
+        </p:sp>
+        <p:sp>
+          <p:nvSpPr>
+            <p:cNvPr id="6" name="文字方塊 5"/>
+            <p:cNvSpPr txBox="1"/>
+            <p:nvPr/>
+          </p:nvSpPr>
+          <p:spPr>
+            <a:xfrm>
+              <a:off x="3542490" y="3657798"/>
+              <a:ext cx="2954655" cy="923330"/>
+            </a:xfrm>
+            <a:prstGeom prst="rect">
+              <a:avLst/>
+            </a:prstGeom>
+            <a:noFill/>
+          </p:spPr>
+          <p:txBody>
+            <a:bodyPr wrap="none" rtlCol="0">
+              <a:spAutoFit/>
+            </a:bodyPr>
+            <a:lstStyle/>
+            <a:p>
+              <a:r>
+                <a:rPr lang="zh-TW" altLang="en-US" sz="5400" dirty="0">
+                  <a:solidFill>
+                    <a:srgbClr val="FF0000"/>
+                  </a:solidFill>
+                </a:rPr>
+                <a:t>走</a:t>
+              </a:r>
+              <a:r>
+                <a:rPr lang="zh-TW" altLang="en-US" sz="5400" dirty="0" smtClean="0">
+                  <a:solidFill>
+                    <a:srgbClr val="FF0000"/>
+                  </a:solidFill>
+                </a:rPr>
+                <a:t>錯棚了</a:t>
+              </a:r>
+              <a:endParaRPr lang="zh-TW" altLang="en-US" sz="5400" dirty="0">
+                <a:solidFill>
+                  <a:srgbClr val="FF0000"/>
+                </a:solidFill>
+              </a:endParaRPr>
+            </a:p>
+          </p:txBody>
+        </p:sp>
+      </p:grpSp>
+    </p:spTree>
+    <p:extLst>
+      <p:ext uri="{BB962C8B-B14F-4D97-AF65-F5344CB8AC3E}">
+        <p14:creationId xmlns:p14="http://schemas.microsoft.com/office/powerpoint/2010/main" val="3548273032"/>
+      </p:ext>
+    </p:extLst>
+  </p:cSld>
+  <p:clrMapOvr>
+    <a:masterClrMapping/>
+  </p:clrMapOvr>
+  <p:timing>
+    <p:tnLst>
+      <p:par>
+        <p:cTn id="1" dur="indefinite" restart="never" nodeType="tmRoot">
+          <p:childTnLst>
+            <p:seq concurrent="1" nextAc="seek">
+              <p:cTn id="2" dur="indefinite" nodeType="mainSeq">
+                <p:childTnLst>
+                  <p:par>
+                    <p:cTn id="3" fill="hold">
+                      <p:stCondLst>
+                        <p:cond delay="indefinite"/>
+                      </p:stCondLst>
+                      <p:childTnLst>
+                        <p:par>
+                          <p:cTn id="4" fill="hold">
+                            <p:stCondLst>
+                              <p:cond delay="0"/>
+                            </p:stCondLst>
+                            <p:childTnLst>
+                              <p:par>
+                                <p:cTn id="5" presetID="1" presetClass="entr" presetSubtype="0" fill="hold" nodeType="clickEffect">
+                                  <p:stCondLst>
+                                    <p:cond delay="0"/>
+                                  </p:stCondLst>
+                                  <p:childTnLst>
+                                    <p:set>
+                                      <p:cBhvr>
+                                        <p:cTn id="6" dur="1" fill="hold">
+                                          <p:stCondLst>
+                                            <p:cond delay="0"/>
+                                          </p:stCondLst>
+                                        </p:cTn>
+                                        <p:tgtEl>
+                                          <p:spTgt spid="7"/>
+                                        </p:tgtEl>
+                                        <p:attrNameLst>
+                                          <p:attrName>style.visibility</p:attrName>
+                                        </p:attrNameLst>
+                                      </p:cBhvr>
+                                      <p:to>
+                                        <p:strVal val="visible"/>
+                                      </p:to>
+                                    </p:set>
+                                  </p:childTnLst>
+                                </p:cTn>
+                              </p:par>
+                            </p:childTnLst>
+                          </p:cTn>
+                        </p:par>
+                      </p:childTnLst>
+                    </p:cTn>
+                  </p:par>
+                </p:childTnLst>
+              </p:cTn>
+              <p:prevCondLst>
+                <p:cond evt="onPrev" delay="0">
+                  <p:tgtEl>
+                    <p:sldTgt/>
+                  </p:tgtEl>
+                </p:cond>
+              </p:prevCondLst>
+              <p:nextCondLst>
+                <p:cond evt="onNext" delay="0">
+                  <p:tgtEl>
+                    <p:sldTgt/>
+                  </p:tgtEl>
+                </p:cond>
+              </p:nextCondLst>
+            </p:seq>
+          </p:childTnLst>
+        </p:cTn>
+      </p:par>
+    </p:tnLst>
+  </p:timing>
+</p:sld>
+</file>
+
+<file path=ppt/slides/slide14.xml><?xml version="1.0" encoding="utf-8"?>
+<p:sld xmlns:a="http://schemas.openxmlformats.org/drawingml/2006/main" xmlns:r="http://schemas.openxmlformats.org/officeDocument/2006/relationships" xmlns:p="http://schemas.openxmlformats.org/presentationml/2006/main">
+  <p:cSld>
+    <p:spTree>
+      <p:nvGrpSpPr>
+        <p:cNvPr id="1" name=""/>
+        <p:cNvGrpSpPr/>
+        <p:nvPr/>
+      </p:nvGrpSpPr>
+      <p:grpSpPr>
+        <a:xfrm>
+          <a:off x="0" y="0"/>
+          <a:ext cx="0" cy="0"/>
+          <a:chOff x="0" y="0"/>
+          <a:chExt cx="0" cy="0"/>
+        </a:xfrm>
+      </p:grpSpPr>
+      <p:sp>
+        <p:nvSpPr>
+          <p:cNvPr id="2" name="標題 1"/>
+          <p:cNvSpPr>
+            <a:spLocks noGrp="1"/>
+          </p:cNvSpPr>
+          <p:nvPr>
+            <p:ph type="title"/>
+          </p:nvPr>
+        </p:nvSpPr>
+        <p:spPr/>
+        <p:txBody>
+          <a:bodyPr/>
+          <a:lstStyle/>
+          <a:p>
+            <a:endParaRPr lang="zh-TW" altLang="en-US"/>
+          </a:p>
+        </p:txBody>
+      </p:sp>
+      <p:sp>
+        <p:nvSpPr>
+          <p:cNvPr id="3" name="內容版面配置區 2"/>
+          <p:cNvSpPr>
+            <a:spLocks noGrp="1"/>
+          </p:cNvSpPr>
+          <p:nvPr>
+            <p:ph idx="1"/>
+          </p:nvPr>
+        </p:nvSpPr>
+        <p:spPr/>
+        <p:txBody>
+          <a:bodyPr/>
+          <a:lstStyle/>
+          <a:p>
+            <a:endParaRPr lang="zh-TW" altLang="en-US"/>
+          </a:p>
+        </p:txBody>
+      </p:sp>
+      <p:pic>
+        <p:nvPicPr>
+          <p:cNvPr id="2052" name="Picture 4" descr="「bitcoin pool personal mining」的圖片搜尋結果"/>
+          <p:cNvPicPr>
+            <a:picLocks noChangeAspect="1" noChangeArrowheads="1"/>
+          </p:cNvPicPr>
+          <p:nvPr/>
+        </p:nvPicPr>
+        <p:blipFill>
+          <a:blip r:embed="rId2">
+            <a:extLst>
+              <a:ext uri="{28A0092B-C50C-407E-A947-70E740481C1C}">
+                <a14:useLocalDpi xmlns:a14="http://schemas.microsoft.com/office/drawing/2010/main" val="0"/>
+              </a:ext>
+            </a:extLst>
+          </a:blip>
+          <a:srcRect/>
+          <a:stretch>
+            <a:fillRect/>
+          </a:stretch>
+        </p:blipFill>
+        <p:spPr bwMode="auto">
+          <a:xfrm>
+            <a:off x="8560" y="240746"/>
+            <a:ext cx="9135440" cy="6650601"/>
+          </a:xfrm>
+          <a:prstGeom prst="rect">
+            <a:avLst/>
+          </a:prstGeom>
+          <a:noFill/>
+          <a:extLst>
+            <a:ext uri="{909E8E84-426E-40DD-AFC4-6F175D3DCCD1}">
+              <a14:hiddenFill xmlns:a14="http://schemas.microsoft.com/office/drawing/2010/main">
+                <a:solidFill>
+                  <a:srgbClr val="FFFFFF"/>
+                </a:solidFill>
+              </a14:hiddenFill>
+            </a:ext>
+          </a:extLst>
+        </p:spPr>
+      </p:pic>
+    </p:spTree>
+    <p:extLst>
+      <p:ext uri="{BB962C8B-B14F-4D97-AF65-F5344CB8AC3E}">
+        <p14:creationId xmlns:p14="http://schemas.microsoft.com/office/powerpoint/2010/main" val="2121711375"/>
+      </p:ext>
+    </p:extLst>
+  </p:cSld>
+  <p:clrMapOvr>
+    <a:masterClrMapping/>
+  </p:clrMapOvr>
+  <p:timing>
+    <p:tnLst>
+      <p:par>
+        <p:cTn id="1" dur="indefinite" restart="never" nodeType="tmRoot"/>
+      </p:par>
+    </p:tnLst>
+  </p:timing>
+</p:sld>
+</file>
+
+<file path=ppt/slides/slide15.xml><?xml version="1.0" encoding="utf-8"?>
+<p:sld xmlns:a="http://schemas.openxmlformats.org/drawingml/2006/main" xmlns:r="http://schemas.openxmlformats.org/officeDocument/2006/relationships" xmlns:p="http://schemas.openxmlformats.org/presentationml/2006/main">
+  <p:cSld>
+    <p:spTree>
+      <p:nvGrpSpPr>
+        <p:cNvPr id="1" name=""/>
+        <p:cNvGrpSpPr/>
+        <p:nvPr/>
+      </p:nvGrpSpPr>
+      <p:grpSpPr>
+        <a:xfrm>
+          <a:off x="0" y="0"/>
+          <a:ext cx="0" cy="0"/>
+          <a:chOff x="0" y="0"/>
+          <a:chExt cx="0" cy="0"/>
+        </a:xfrm>
+      </p:grpSpPr>
+      <p:sp>
+        <p:nvSpPr>
+          <p:cNvPr id="4" name="標題 3"/>
+          <p:cNvSpPr>
+            <a:spLocks noGrp="1"/>
+          </p:cNvSpPr>
+          <p:nvPr>
+            <p:ph type="title"/>
+          </p:nvPr>
+        </p:nvSpPr>
+        <p:spPr/>
+        <p:txBody>
+          <a:bodyPr/>
+          <a:lstStyle/>
+          <a:p>
+            <a:r>
+              <a:rPr lang="zh-TW" altLang="en-US" dirty="0" smtClean="0"/>
+              <a:t>沒你想的這麼簡單</a:t>
+            </a:r>
+            <a:endParaRPr lang="zh-TW" altLang="en-US" dirty="0"/>
+          </a:p>
+        </p:txBody>
+      </p:sp>
+      <p:sp>
+        <p:nvSpPr>
+          <p:cNvPr id="3" name="內容版面配置區 2"/>
+          <p:cNvSpPr>
+            <a:spLocks noGrp="1"/>
+          </p:cNvSpPr>
+          <p:nvPr>
+            <p:ph idx="1"/>
+          </p:nvPr>
+        </p:nvSpPr>
+        <p:spPr/>
+        <p:txBody>
+          <a:bodyPr anchor="ctr"/>
+          <a:lstStyle/>
+          <a:p>
+            <a:pPr marL="0" indent="0" algn="ctr">
+              <a:buNone/>
+            </a:pPr>
+            <a:r>
+              <a:rPr lang="zh-TW" altLang="en-US" dirty="0" smtClean="0"/>
+              <a:t>人外有人，天外有天。</a:t>
+            </a:r>
+            <a:endParaRPr lang="zh-TW" altLang="en-US" dirty="0"/>
+          </a:p>
+        </p:txBody>
+      </p:sp>
+    </p:spTree>
+    <p:extLst>
+      <p:ext uri="{BB962C8B-B14F-4D97-AF65-F5344CB8AC3E}">
+        <p14:creationId xmlns:p14="http://schemas.microsoft.com/office/powerpoint/2010/main" val="1380681213"/>
+      </p:ext>
+    </p:extLst>
+  </p:cSld>
+  <p:clrMapOvr>
+    <a:masterClrMapping/>
+  </p:clrMapOvr>
+  <p:timing>
+    <p:tnLst>
+      <p:par>
+        <p:cTn id="1" dur="indefinite" restart="never" nodeType="tmRoot"/>
+      </p:par>
+    </p:tnLst>
+  </p:timing>
+</p:sld>
+</file>
+
+<file path=ppt/slides/slide16.xml><?xml version="1.0" encoding="utf-8"?>
 <p:sld xmlns:a="http://schemas.openxmlformats.org/drawingml/2006/main" xmlns:r="http://schemas.openxmlformats.org/officeDocument/2006/relationships" xmlns:p="http://schemas.openxmlformats.org/presentationml/2006/main">
   <p:cSld>
     <p:spTree>
@@ -4082,9 +6183,243 @@
           </a:extLst>
         </p:spPr>
       </p:pic>
+    </p:spTree>
+    <p:extLst>
+      <p:ext uri="{BB962C8B-B14F-4D97-AF65-F5344CB8AC3E}">
+        <p14:creationId xmlns:p14="http://schemas.microsoft.com/office/powerpoint/2010/main" val="154868253"/>
+      </p:ext>
+    </p:extLst>
+  </p:cSld>
+  <p:clrMapOvr>
+    <a:masterClrMapping/>
+  </p:clrMapOvr>
+  <p:timing>
+    <p:tnLst>
+      <p:par>
+        <p:cTn id="1" dur="indefinite" restart="never" nodeType="tmRoot"/>
+      </p:par>
+    </p:tnLst>
+  </p:timing>
+</p:sld>
+</file>
+
+<file path=ppt/slides/slide17.xml><?xml version="1.0" encoding="utf-8"?>
+<p:sld xmlns:a="http://schemas.openxmlformats.org/drawingml/2006/main" xmlns:r="http://schemas.openxmlformats.org/officeDocument/2006/relationships" xmlns:p="http://schemas.openxmlformats.org/presentationml/2006/main">
+  <p:cSld>
+    <p:spTree>
+      <p:nvGrpSpPr>
+        <p:cNvPr id="1" name=""/>
+        <p:cNvGrpSpPr/>
+        <p:nvPr/>
+      </p:nvGrpSpPr>
+      <p:grpSpPr>
+        <a:xfrm>
+          <a:off x="0" y="0"/>
+          <a:ext cx="0" cy="0"/>
+          <a:chOff x="0" y="0"/>
+          <a:chExt cx="0" cy="0"/>
+        </a:xfrm>
+      </p:grpSpPr>
       <p:pic>
         <p:nvPicPr>
-          <p:cNvPr id="3" name="Picture 2" descr="相關圖片"/>
+          <p:cNvPr id="6146" name="Picture 2" descr="相關圖片"/>
+          <p:cNvPicPr>
+            <a:picLocks noChangeAspect="1" noChangeArrowheads="1"/>
+          </p:cNvPicPr>
+          <p:nvPr/>
+        </p:nvPicPr>
+        <p:blipFill>
+          <a:blip r:embed="rId2">
+            <a:extLst>
+              <a:ext uri="{28A0092B-C50C-407E-A947-70E740481C1C}">
+                <a14:useLocalDpi xmlns:a14="http://schemas.microsoft.com/office/drawing/2010/main" val="0"/>
+              </a:ext>
+            </a:extLst>
+          </a:blip>
+          <a:srcRect/>
+          <a:stretch>
+            <a:fillRect/>
+          </a:stretch>
+        </p:blipFill>
+        <p:spPr bwMode="auto">
+          <a:xfrm>
+            <a:off x="1547664" y="1700808"/>
+            <a:ext cx="5981700" cy="3429001"/>
+          </a:xfrm>
+          <a:prstGeom prst="rect">
+            <a:avLst/>
+          </a:prstGeom>
+          <a:noFill/>
+          <a:extLst>
+            <a:ext uri="{909E8E84-426E-40DD-AFC4-6F175D3DCCD1}">
+              <a14:hiddenFill xmlns:a14="http://schemas.microsoft.com/office/drawing/2010/main">
+                <a:solidFill>
+                  <a:srgbClr val="FFFFFF"/>
+                </a:solidFill>
+              </a14:hiddenFill>
+            </a:ext>
+          </a:extLst>
+        </p:spPr>
+      </p:pic>
+      <p:sp>
+        <p:nvSpPr>
+          <p:cNvPr id="5" name="標題 8"/>
+          <p:cNvSpPr>
+            <a:spLocks noGrp="1"/>
+          </p:cNvSpPr>
+          <p:nvPr>
+            <p:ph type="title"/>
+          </p:nvPr>
+        </p:nvSpPr>
+        <p:spPr>
+          <a:xfrm>
+            <a:off x="457200" y="274638"/>
+            <a:ext cx="8229600" cy="1143000"/>
+          </a:xfrm>
+        </p:spPr>
+        <p:txBody>
+          <a:bodyPr/>
+          <a:lstStyle/>
+          <a:p>
+            <a:r>
+              <a:rPr lang="en-US" altLang="zh-TW" dirty="0" smtClean="0"/>
+              <a:t>What the fuck?</a:t>
+            </a:r>
+            <a:endParaRPr lang="zh-TW" altLang="en-US" dirty="0"/>
+          </a:p>
+        </p:txBody>
+      </p:sp>
+    </p:spTree>
+    <p:extLst>
+      <p:ext uri="{BB962C8B-B14F-4D97-AF65-F5344CB8AC3E}">
+        <p14:creationId xmlns:p14="http://schemas.microsoft.com/office/powerpoint/2010/main" val="2601617747"/>
+      </p:ext>
+    </p:extLst>
+  </p:cSld>
+  <p:clrMapOvr>
+    <a:masterClrMapping/>
+  </p:clrMapOvr>
+  <p:timing>
+    <p:tnLst>
+      <p:par>
+        <p:cTn id="1" dur="indefinite" restart="never" nodeType="tmRoot"/>
+      </p:par>
+    </p:tnLst>
+  </p:timing>
+</p:sld>
+</file>
+
+<file path=ppt/slides/slide18.xml><?xml version="1.0" encoding="utf-8"?>
+<p:sld xmlns:a="http://schemas.openxmlformats.org/drawingml/2006/main" xmlns:r="http://schemas.openxmlformats.org/officeDocument/2006/relationships" xmlns:p="http://schemas.openxmlformats.org/presentationml/2006/main">
+  <p:cSld>
+    <p:spTree>
+      <p:nvGrpSpPr>
+        <p:cNvPr id="1" name=""/>
+        <p:cNvGrpSpPr/>
+        <p:nvPr/>
+      </p:nvGrpSpPr>
+      <p:grpSpPr>
+        <a:xfrm>
+          <a:off x="0" y="0"/>
+          <a:ext cx="0" cy="0"/>
+          <a:chOff x="0" y="0"/>
+          <a:chExt cx="0" cy="0"/>
+        </a:xfrm>
+      </p:grpSpPr>
+      <p:pic>
+        <p:nvPicPr>
+          <p:cNvPr id="2050" name="Picture 2"/>
+          <p:cNvPicPr>
+            <a:picLocks noChangeAspect="1" noChangeArrowheads="1"/>
+          </p:cNvPicPr>
+          <p:nvPr/>
+        </p:nvPicPr>
+        <p:blipFill>
+          <a:blip r:embed="rId2">
+            <a:extLst>
+              <a:ext uri="{28A0092B-C50C-407E-A947-70E740481C1C}">
+                <a14:useLocalDpi xmlns:a14="http://schemas.microsoft.com/office/drawing/2010/main" val="0"/>
+              </a:ext>
+            </a:extLst>
+          </a:blip>
+          <a:srcRect/>
+          <a:stretch>
+            <a:fillRect/>
+          </a:stretch>
+        </p:blipFill>
+        <p:spPr bwMode="auto">
+          <a:xfrm>
+            <a:off x="762000" y="188640"/>
+            <a:ext cx="7620000" cy="6048375"/>
+          </a:xfrm>
+          <a:prstGeom prst="rect">
+            <a:avLst/>
+          </a:prstGeom>
+          <a:noFill/>
+          <a:ln>
+            <a:noFill/>
+          </a:ln>
+          <a:extLst>
+            <a:ext uri="{909E8E84-426E-40DD-AFC4-6F175D3DCCD1}">
+              <a14:hiddenFill xmlns:a14="http://schemas.microsoft.com/office/drawing/2010/main">
+                <a:solidFill>
+                  <a:schemeClr val="accent1"/>
+                </a:solidFill>
+              </a14:hiddenFill>
+            </a:ext>
+            <a:ext uri="{91240B29-F687-4F45-9708-019B960494DF}">
+              <a14:hiddenLine xmlns:a14="http://schemas.microsoft.com/office/drawing/2010/main" w="9525">
+                <a:solidFill>
+                  <a:schemeClr val="tx1"/>
+                </a:solidFill>
+                <a:miter lim="800000"/>
+                <a:headEnd/>
+                <a:tailEnd/>
+              </a14:hiddenLine>
+            </a:ext>
+          </a:extLst>
+        </p:spPr>
+      </p:pic>
+      <p:sp>
+        <p:nvSpPr>
+          <p:cNvPr id="4" name="矩形 3"/>
+          <p:cNvSpPr/>
+          <p:nvPr/>
+        </p:nvSpPr>
+        <p:spPr>
+          <a:xfrm>
+            <a:off x="7093338" y="6608385"/>
+            <a:ext cx="2087174" cy="276999"/>
+          </a:xfrm>
+          <a:prstGeom prst="rect">
+            <a:avLst/>
+          </a:prstGeom>
+        </p:spPr>
+        <p:txBody>
+          <a:bodyPr wrap="none">
+            <a:spAutoFit/>
+          </a:bodyPr>
+          <a:lstStyle/>
+          <a:p>
+            <a:r>
+              <a:rPr lang="zh-TW" altLang="en-US" sz="1200" dirty="0" smtClean="0"/>
+              <a:t>參考</a:t>
+            </a:r>
+            <a:r>
+              <a:rPr lang="en-US" altLang="zh-TW" sz="1200" dirty="0" smtClean="0"/>
+              <a:t>:https</a:t>
+            </a:r>
+            <a:r>
+              <a:rPr lang="en-US" altLang="zh-TW" sz="1200" dirty="0"/>
+              <a:t>://goo.gl/8RTmfD</a:t>
+            </a:r>
+            <a:endParaRPr lang="zh-TW" altLang="en-US" sz="1200" dirty="0"/>
+          </a:p>
+        </p:txBody>
+      </p:sp>
+      <p:pic>
+        <p:nvPicPr>
+          <p:cNvPr id="2051" name="Picture 3"/>
           <p:cNvPicPr>
             <a:picLocks noChangeAspect="1" noChangeArrowheads="1"/>
           </p:cNvPicPr>
@@ -4105,20 +6440,33 @@
         </p:blipFill>
         <p:spPr bwMode="auto">
           <a:xfrm>
-            <a:off x="9144000" y="6111427"/>
-            <a:ext cx="3535530" cy="1985790"/>
+            <a:off x="6516216" y="5914201"/>
+            <a:ext cx="2590800" cy="704850"/>
           </a:xfrm>
           <a:prstGeom prst="rect">
             <a:avLst/>
           </a:prstGeom>
           <a:noFill/>
+          <a:ln>
+            <a:noFill/>
+          </a:ln>
           <a:extLst>
             <a:ext uri="{909E8E84-426E-40DD-AFC4-6F175D3DCCD1}">
               <a14:hiddenFill xmlns:a14="http://schemas.microsoft.com/office/drawing/2010/main">
                 <a:solidFill>
-                  <a:srgbClr val="FFFFFF"/>
+                  <a:schemeClr val="accent1"/>
                 </a:solidFill>
               </a14:hiddenFill>
+            </a:ext>
+            <a:ext uri="{91240B29-F687-4F45-9708-019B960494DF}">
+              <a14:hiddenLine xmlns:a14="http://schemas.microsoft.com/office/drawing/2010/main" w="9525">
+                <a:solidFill>
+                  <a:schemeClr val="tx1"/>
+                </a:solidFill>
+                <a:miter lim="800000"/>
+                <a:headEnd/>
+                <a:tailEnd/>
+              </a14:hiddenLine>
             </a:ext>
           </a:extLst>
         </p:spPr>
@@ -4126,7 +6474,320 @@
     </p:spTree>
     <p:extLst>
       <p:ext uri="{BB962C8B-B14F-4D97-AF65-F5344CB8AC3E}">
-        <p14:creationId xmlns:p14="http://schemas.microsoft.com/office/powerpoint/2010/main" val="154868253"/>
+        <p14:creationId xmlns:p14="http://schemas.microsoft.com/office/powerpoint/2010/main" val="3412787126"/>
+      </p:ext>
+    </p:extLst>
+  </p:cSld>
+  <p:clrMapOvr>
+    <a:masterClrMapping/>
+  </p:clrMapOvr>
+</p:sld>
+</file>
+
+<file path=ppt/slides/slide19.xml><?xml version="1.0" encoding="utf-8"?>
+<p:sld xmlns:a="http://schemas.openxmlformats.org/drawingml/2006/main" xmlns:r="http://schemas.openxmlformats.org/officeDocument/2006/relationships" xmlns:p="http://schemas.openxmlformats.org/presentationml/2006/main">
+  <p:cSld>
+    <p:spTree>
+      <p:nvGrpSpPr>
+        <p:cNvPr id="1" name=""/>
+        <p:cNvGrpSpPr/>
+        <p:nvPr/>
+      </p:nvGrpSpPr>
+      <p:grpSpPr>
+        <a:xfrm>
+          <a:off x="0" y="0"/>
+          <a:ext cx="0" cy="0"/>
+          <a:chOff x="0" y="0"/>
+          <a:chExt cx="0" cy="0"/>
+        </a:xfrm>
+      </p:grpSpPr>
+      <p:sp>
+        <p:nvSpPr>
+          <p:cNvPr id="2" name="標題 1"/>
+          <p:cNvSpPr>
+            <a:spLocks noGrp="1"/>
+          </p:cNvSpPr>
+          <p:nvPr>
+            <p:ph type="title"/>
+          </p:nvPr>
+        </p:nvSpPr>
+        <p:spPr/>
+        <p:txBody>
+          <a:bodyPr/>
+          <a:lstStyle/>
+          <a:p>
+            <a:r>
+              <a:rPr lang="zh-TW" altLang="en-US" dirty="0" smtClean="0"/>
+              <a:t>投資</a:t>
+            </a:r>
+            <a:endParaRPr lang="zh-TW" altLang="en-US" dirty="0"/>
+          </a:p>
+        </p:txBody>
+      </p:sp>
+      <p:sp>
+        <p:nvSpPr>
+          <p:cNvPr id="3" name="內容版面配置區 2"/>
+          <p:cNvSpPr>
+            <a:spLocks noGrp="1"/>
+          </p:cNvSpPr>
+          <p:nvPr>
+            <p:ph idx="1"/>
+          </p:nvPr>
+        </p:nvSpPr>
+        <p:spPr/>
+        <p:txBody>
+          <a:bodyPr>
+            <a:normAutofit fontScale="92500" lnSpcReduction="10000"/>
+          </a:bodyPr>
+          <a:lstStyle/>
+          <a:p>
+            <a:r>
+              <a:rPr lang="zh-TW" altLang="en-US" dirty="0" smtClean="0"/>
+              <a:t>逢低買進，逢高賣出</a:t>
+            </a:r>
+            <a:endParaRPr lang="en-US" altLang="zh-TW" dirty="0" smtClean="0"/>
+          </a:p>
+          <a:p>
+            <a:r>
+              <a:rPr lang="zh-TW" altLang="en-US" dirty="0" smtClean="0"/>
+              <a:t>長期持有</a:t>
+            </a:r>
+            <a:endParaRPr lang="en-US" altLang="zh-TW" dirty="0" smtClean="0"/>
+          </a:p>
+          <a:p>
+            <a:endParaRPr lang="en-US" altLang="zh-TW" dirty="0"/>
+          </a:p>
+          <a:p>
+            <a:r>
+              <a:rPr lang="zh-TW" altLang="en-US" dirty="0" smtClean="0"/>
+              <a:t>波動度大，不建議短進短出</a:t>
+            </a:r>
+            <a:endParaRPr lang="en-US" altLang="zh-TW" dirty="0" smtClean="0"/>
+          </a:p>
+          <a:p>
+            <a:r>
+              <a:rPr lang="zh-TW" altLang="en-US" dirty="0"/>
+              <a:t>最重要的</a:t>
+            </a:r>
+            <a:r>
+              <a:rPr lang="zh-TW" altLang="en-US" dirty="0" smtClean="0"/>
+              <a:t>還是賺波段</a:t>
+            </a:r>
+            <a:endParaRPr lang="en-US" altLang="zh-TW" dirty="0" smtClean="0"/>
+          </a:p>
+          <a:p>
+            <a:endParaRPr lang="en-US" altLang="zh-TW" dirty="0" smtClean="0"/>
+          </a:p>
+          <a:p>
+            <a:r>
+              <a:rPr lang="zh-TW" altLang="en-US" dirty="0"/>
+              <a:t>比特幣</a:t>
+            </a:r>
+            <a:r>
+              <a:rPr lang="zh-TW" altLang="en-US" dirty="0" smtClean="0"/>
+              <a:t>泡沫</a:t>
+            </a:r>
+            <a:r>
+              <a:rPr lang="zh-TW" altLang="en-US" dirty="0"/>
+              <a:t>化</a:t>
+            </a:r>
+            <a:r>
+              <a:rPr lang="en-US" altLang="zh-TW" dirty="0" smtClean="0"/>
+              <a:t>?</a:t>
+            </a:r>
+          </a:p>
+          <a:p>
+            <a:pPr lvl="1"/>
+            <a:r>
+              <a:rPr lang="zh-TW" altLang="en-US" dirty="0" smtClean="0"/>
+              <a:t>價值由人們決定</a:t>
+            </a:r>
+            <a:endParaRPr lang="en-US" altLang="zh-TW" dirty="0" smtClean="0"/>
+          </a:p>
+          <a:p>
+            <a:pPr lvl="1"/>
+            <a:r>
+              <a:rPr lang="zh-TW" altLang="en-US" dirty="0" smtClean="0"/>
+              <a:t>價格低，不一定就有價值</a:t>
+            </a:r>
+            <a:endParaRPr lang="zh-TW" altLang="en-US" dirty="0"/>
+          </a:p>
+        </p:txBody>
+      </p:sp>
+    </p:spTree>
+    <p:extLst>
+      <p:ext uri="{BB962C8B-B14F-4D97-AF65-F5344CB8AC3E}">
+        <p14:creationId xmlns:p14="http://schemas.microsoft.com/office/powerpoint/2010/main" val="797949622"/>
+      </p:ext>
+    </p:extLst>
+  </p:cSld>
+  <p:clrMapOvr>
+    <a:masterClrMapping/>
+  </p:clrMapOvr>
+  <p:timing>
+    <p:tnLst>
+      <p:par>
+        <p:cTn id="1" dur="indefinite" restart="never" nodeType="tmRoot"/>
+      </p:par>
+    </p:tnLst>
+  </p:timing>
+</p:sld>
+</file>
+
+<file path=ppt/slides/slide2.xml><?xml version="1.0" encoding="utf-8"?>
+<p:sld xmlns:a="http://schemas.openxmlformats.org/drawingml/2006/main" xmlns:r="http://schemas.openxmlformats.org/officeDocument/2006/relationships" xmlns:p="http://schemas.openxmlformats.org/presentationml/2006/main">
+  <p:cSld>
+    <p:spTree>
+      <p:nvGrpSpPr>
+        <p:cNvPr id="1" name=""/>
+        <p:cNvGrpSpPr/>
+        <p:nvPr/>
+      </p:nvGrpSpPr>
+      <p:grpSpPr>
+        <a:xfrm>
+          <a:off x="0" y="0"/>
+          <a:ext cx="0" cy="0"/>
+          <a:chOff x="0" y="0"/>
+          <a:chExt cx="0" cy="0"/>
+        </a:xfrm>
+      </p:grpSpPr>
+      <p:pic>
+        <p:nvPicPr>
+          <p:cNvPr id="2051" name="Picture 3"/>
+          <p:cNvPicPr>
+            <a:picLocks noChangeAspect="1" noChangeArrowheads="1"/>
+          </p:cNvPicPr>
+          <p:nvPr/>
+        </p:nvPicPr>
+        <p:blipFill>
+          <a:blip r:embed="rId3">
+            <a:extLst>
+              <a:ext uri="{28A0092B-C50C-407E-A947-70E740481C1C}">
+                <a14:useLocalDpi xmlns:a14="http://schemas.microsoft.com/office/drawing/2010/main" val="0"/>
+              </a:ext>
+            </a:extLst>
+          </a:blip>
+          <a:srcRect/>
+          <a:stretch>
+            <a:fillRect/>
+          </a:stretch>
+        </p:blipFill>
+        <p:spPr bwMode="auto">
+          <a:xfrm>
+            <a:off x="197768" y="2204864"/>
+            <a:ext cx="8766720" cy="3076360"/>
+          </a:xfrm>
+          <a:prstGeom prst="rect">
+            <a:avLst/>
+          </a:prstGeom>
+          <a:noFill/>
+          <a:ln>
+            <a:noFill/>
+          </a:ln>
+          <a:extLst>
+            <a:ext uri="{909E8E84-426E-40DD-AFC4-6F175D3DCCD1}">
+              <a14:hiddenFill xmlns:a14="http://schemas.microsoft.com/office/drawing/2010/main">
+                <a:solidFill>
+                  <a:schemeClr val="accent1"/>
+                </a:solidFill>
+              </a14:hiddenFill>
+            </a:ext>
+            <a:ext uri="{91240B29-F687-4F45-9708-019B960494DF}">
+              <a14:hiddenLine xmlns:a14="http://schemas.microsoft.com/office/drawing/2010/main" w="9525">
+                <a:solidFill>
+                  <a:schemeClr val="tx1"/>
+                </a:solidFill>
+                <a:miter lim="800000"/>
+                <a:headEnd/>
+                <a:tailEnd/>
+              </a14:hiddenLine>
+            </a:ext>
+          </a:extLst>
+        </p:spPr>
+      </p:pic>
+      <p:sp>
+        <p:nvSpPr>
+          <p:cNvPr id="2" name="標題 1"/>
+          <p:cNvSpPr>
+            <a:spLocks noGrp="1"/>
+          </p:cNvSpPr>
+          <p:nvPr>
+            <p:ph type="title"/>
+          </p:nvPr>
+        </p:nvSpPr>
+        <p:spPr/>
+        <p:txBody>
+          <a:bodyPr/>
+          <a:lstStyle/>
+          <a:p>
+            <a:r>
+              <a:rPr lang="zh-TW" altLang="en-US" dirty="0" smtClean="0"/>
+              <a:t>這是一個升值最快的貨幣</a:t>
+            </a:r>
+            <a:r>
+              <a:rPr lang="en-US" altLang="zh-TW" dirty="0" smtClean="0"/>
+              <a:t>?</a:t>
+            </a:r>
+            <a:endParaRPr lang="zh-TW" altLang="en-US" dirty="0"/>
+          </a:p>
+        </p:txBody>
+      </p:sp>
+      <p:pic>
+        <p:nvPicPr>
+          <p:cNvPr id="2050" name="Picture 2"/>
+          <p:cNvPicPr>
+            <a:picLocks noChangeAspect="1" noChangeArrowheads="1"/>
+          </p:cNvPicPr>
+          <p:nvPr/>
+        </p:nvPicPr>
+        <p:blipFill rotWithShape="1">
+          <a:blip r:embed="rId3">
+            <a:extLst>
+              <a:ext uri="{28A0092B-C50C-407E-A947-70E740481C1C}">
+                <a14:useLocalDpi xmlns:a14="http://schemas.microsoft.com/office/drawing/2010/main" val="0"/>
+              </a:ext>
+            </a:extLst>
+          </a:blip>
+          <a:srcRect r="2965"/>
+          <a:stretch/>
+        </p:blipFill>
+        <p:spPr bwMode="auto">
+          <a:xfrm>
+            <a:off x="197768" y="2204864"/>
+            <a:ext cx="8489032" cy="3076360"/>
+          </a:xfrm>
+          <a:prstGeom prst="rect">
+            <a:avLst/>
+          </a:prstGeom>
+          <a:noFill/>
+          <a:ln>
+            <a:noFill/>
+          </a:ln>
+          <a:extLst>
+            <a:ext uri="{909E8E84-426E-40DD-AFC4-6F175D3DCCD1}">
+              <a14:hiddenFill xmlns:a14="http://schemas.microsoft.com/office/drawing/2010/main">
+                <a:solidFill>
+                  <a:schemeClr val="accent1"/>
+                </a:solidFill>
+              </a14:hiddenFill>
+            </a:ext>
+            <a:ext uri="{91240B29-F687-4F45-9708-019B960494DF}">
+              <a14:hiddenLine xmlns:a14="http://schemas.microsoft.com/office/drawing/2010/main" w="9525">
+                <a:solidFill>
+                  <a:schemeClr val="tx1"/>
+                </a:solidFill>
+                <a:miter lim="800000"/>
+                <a:headEnd/>
+                <a:tailEnd/>
+              </a14:hiddenLine>
+            </a:ext>
+          </a:extLst>
+        </p:spPr>
+      </p:pic>
+    </p:spTree>
+    <p:extLst>
+      <p:ext uri="{BB962C8B-B14F-4D97-AF65-F5344CB8AC3E}">
+        <p14:creationId xmlns:p14="http://schemas.microsoft.com/office/powerpoint/2010/main" val="3970943707"/>
       </p:ext>
     </p:extLst>
   </p:cSld>
@@ -4154,24 +6815,29 @@
                             </p:stCondLst>
                             <p:childTnLst>
                               <p:par>
-                                <p:cTn id="5" presetID="42" presetClass="path" presetSubtype="0" accel="50000" decel="50000" fill="hold" nodeType="clickEffect">
+                                <p:cTn id="5" presetID="1" presetClass="entr" presetSubtype="0" fill="hold" nodeType="clickEffect">
                                   <p:stCondLst>
                                     <p:cond delay="0"/>
                                   </p:stCondLst>
                                   <p:childTnLst>
-                                    <p:animMotion origin="layout" path="M 8.33333E-7 -7.67985E-7 L -0.42552 -0.40967 " pathEditMode="relative" rAng="0" ptsTypes="AA">
+                                    <p:set>
                                       <p:cBhvr>
-                                        <p:cTn id="6" dur="500" fill="hold"/>
+                                        <p:cTn id="6" dur="1" fill="hold">
+                                          <p:stCondLst>
+                                            <p:cond delay="0"/>
+                                          </p:stCondLst>
+                                        </p:cTn>
                                         <p:tgtEl>
-                                          <p:spTgt spid="3"/>
+                                          <p:spTgt spid="2051"/>
                                         </p:tgtEl>
                                         <p:attrNameLst>
-                                          <p:attrName>ppt_x</p:attrName>
-                                          <p:attrName>ppt_y</p:attrName>
+                                          <p:attrName>style.visibility</p:attrName>
                                         </p:attrNameLst>
                                       </p:cBhvr>
-                                      <p:rCtr x="-21285" y="-20495"/>
-                                    </p:animMotion>
+                                      <p:to>
+                                        <p:strVal val="visible"/>
+                                      </p:to>
+                                    </p:set>
                                   </p:childTnLst>
                                 </p:cTn>
                               </p:par>
@@ -4206,157 +6872,7 @@
 </p:sld>
 </file>
 
-<file path=ppt/slides/slide11.xml><?xml version="1.0" encoding="utf-8"?>
-<p:sld xmlns:a="http://schemas.openxmlformats.org/drawingml/2006/main" xmlns:r="http://schemas.openxmlformats.org/officeDocument/2006/relationships" xmlns:p="http://schemas.openxmlformats.org/presentationml/2006/main">
-  <p:cSld>
-    <p:spTree>
-      <p:nvGrpSpPr>
-        <p:cNvPr id="1" name=""/>
-        <p:cNvGrpSpPr/>
-        <p:nvPr/>
-      </p:nvGrpSpPr>
-      <p:grpSpPr>
-        <a:xfrm>
-          <a:off x="0" y="0"/>
-          <a:ext cx="0" cy="0"/>
-          <a:chOff x="0" y="0"/>
-          <a:chExt cx="0" cy="0"/>
-        </a:xfrm>
-      </p:grpSpPr>
-      <p:sp>
-        <p:nvSpPr>
-          <p:cNvPr id="2" name="標題 1"/>
-          <p:cNvSpPr>
-            <a:spLocks noGrp="1"/>
-          </p:cNvSpPr>
-          <p:nvPr>
-            <p:ph type="title"/>
-          </p:nvPr>
-        </p:nvSpPr>
-        <p:spPr/>
-        <p:txBody>
-          <a:bodyPr/>
-          <a:lstStyle/>
-          <a:p>
-            <a:r>
-              <a:rPr lang="zh-TW" altLang="en-US" dirty="0" smtClean="0"/>
-              <a:t>投資</a:t>
-            </a:r>
-            <a:endParaRPr lang="zh-TW" altLang="en-US" dirty="0"/>
-          </a:p>
-        </p:txBody>
-      </p:sp>
-      <p:sp>
-        <p:nvSpPr>
-          <p:cNvPr id="3" name="內容版面配置區 2"/>
-          <p:cNvSpPr>
-            <a:spLocks noGrp="1"/>
-          </p:cNvSpPr>
-          <p:nvPr>
-            <p:ph idx="1"/>
-          </p:nvPr>
-        </p:nvSpPr>
-        <p:spPr/>
-        <p:txBody>
-          <a:bodyPr>
-            <a:normAutofit fontScale="92500" lnSpcReduction="10000"/>
-          </a:bodyPr>
-          <a:lstStyle/>
-          <a:p>
-            <a:r>
-              <a:rPr lang="zh-TW" altLang="en-US" dirty="0" smtClean="0"/>
-              <a:t>逢低買進，逢高賣出</a:t>
-            </a:r>
-            <a:endParaRPr lang="en-US" altLang="zh-TW" dirty="0" smtClean="0"/>
-          </a:p>
-          <a:p>
-            <a:r>
-              <a:rPr lang="zh-TW" altLang="en-US" dirty="0" smtClean="0"/>
-              <a:t>長期持有</a:t>
-            </a:r>
-            <a:endParaRPr lang="en-US" altLang="zh-TW" dirty="0" smtClean="0"/>
-          </a:p>
-          <a:p>
-            <a:endParaRPr lang="en-US" altLang="zh-TW" dirty="0"/>
-          </a:p>
-          <a:p>
-            <a:r>
-              <a:rPr lang="zh-TW" altLang="en-US" dirty="0" smtClean="0"/>
-              <a:t>波動度大，不建議短進短出</a:t>
-            </a:r>
-            <a:endParaRPr lang="en-US" altLang="zh-TW" dirty="0" smtClean="0"/>
-          </a:p>
-          <a:p>
-            <a:r>
-              <a:rPr lang="zh-TW" altLang="en-US" dirty="0"/>
-              <a:t>最重要的</a:t>
-            </a:r>
-            <a:r>
-              <a:rPr lang="zh-TW" altLang="en-US" dirty="0" smtClean="0"/>
-              <a:t>還是賺波段</a:t>
-            </a:r>
-            <a:endParaRPr lang="en-US" altLang="zh-TW" dirty="0" smtClean="0"/>
-          </a:p>
-          <a:p>
-            <a:endParaRPr lang="en-US" altLang="zh-TW" dirty="0" smtClean="0"/>
-          </a:p>
-          <a:p>
-            <a:r>
-              <a:rPr lang="zh-TW" altLang="en-US" dirty="0"/>
-              <a:t>比特幣</a:t>
-            </a:r>
-            <a:r>
-              <a:rPr lang="zh-TW" altLang="en-US" dirty="0" smtClean="0"/>
-              <a:t>泡沫</a:t>
-            </a:r>
-            <a:r>
-              <a:rPr lang="zh-TW" altLang="en-US" dirty="0"/>
-              <a:t>化</a:t>
-            </a:r>
-            <a:r>
-              <a:rPr lang="en-US" altLang="zh-TW" dirty="0" smtClean="0"/>
-              <a:t>?</a:t>
-            </a:r>
-          </a:p>
-          <a:p>
-            <a:pPr lvl="1"/>
-            <a:r>
-              <a:rPr lang="zh-TW" altLang="en-US" dirty="0" smtClean="0"/>
-              <a:t>價值由人們決定</a:t>
-            </a:r>
-            <a:endParaRPr lang="en-US" altLang="zh-TW" dirty="0" smtClean="0"/>
-          </a:p>
-          <a:p>
-            <a:pPr lvl="1"/>
-            <a:r>
-              <a:rPr lang="zh-TW" altLang="en-US" dirty="0" smtClean="0"/>
-              <a:t>價格低，不一定就有價值</a:t>
-            </a:r>
-            <a:endParaRPr lang="zh-TW" altLang="en-US" dirty="0"/>
-          </a:p>
-        </p:txBody>
-      </p:sp>
-    </p:spTree>
-    <p:extLst>
-      <p:ext uri="{BB962C8B-B14F-4D97-AF65-F5344CB8AC3E}">
-        <p14:creationId xmlns:p14="http://schemas.microsoft.com/office/powerpoint/2010/main" val="797949622"/>
-      </p:ext>
-    </p:extLst>
-  </p:cSld>
-  <p:clrMapOvr>
-    <a:masterClrMapping/>
-  </p:clrMapOvr>
-  <p:timing>
-    <p:tnLst>
-      <p:par>
-        <p:cTn id="1" dur="indefinite" restart="never" nodeType="tmRoot"/>
-      </p:par>
-    </p:tnLst>
-  </p:timing>
-</p:sld>
-</file>
-
-<file path=ppt/slides/slide12.xml><?xml version="1.0" encoding="utf-8"?>
+<file path=ppt/slides/slide20.xml><?xml version="1.0" encoding="utf-8"?>
 <p:sld xmlns:a="http://schemas.openxmlformats.org/drawingml/2006/main" xmlns:r="http://schemas.openxmlformats.org/officeDocument/2006/relationships" xmlns:p="http://schemas.openxmlformats.org/presentationml/2006/main">
   <p:cSld>
     <p:spTree>
@@ -4474,7 +6990,7 @@
 </p:sld>
 </file>
 
-<file path=ppt/slides/slide13.xml><?xml version="1.0" encoding="utf-8"?>
+<file path=ppt/slides/slide21.xml><?xml version="1.0" encoding="utf-8"?>
 <p:sld xmlns:a="http://schemas.openxmlformats.org/drawingml/2006/main" xmlns:r="http://schemas.openxmlformats.org/officeDocument/2006/relationships" xmlns:p="http://schemas.openxmlformats.org/presentationml/2006/main">
   <p:cSld>
     <p:spTree>
@@ -5014,7 +7530,7 @@
 </p:sld>
 </file>
 
-<file path=ppt/slides/slide14.xml><?xml version="1.0" encoding="utf-8"?>
+<file path=ppt/slides/slide22.xml><?xml version="1.0" encoding="utf-8"?>
 <p:sld xmlns:a="http://schemas.openxmlformats.org/drawingml/2006/main" xmlns:r="http://schemas.openxmlformats.org/officeDocument/2006/relationships" xmlns:p="http://schemas.openxmlformats.org/presentationml/2006/main">
   <p:cSld>
     <p:spTree>
@@ -5173,7 +7689,7 @@
 </p:sld>
 </file>
 
-<file path=ppt/slides/slide15.xml><?xml version="1.0" encoding="utf-8"?>
+<file path=ppt/slides/slide23.xml><?xml version="1.0" encoding="utf-8"?>
 <p:sld xmlns:a="http://schemas.openxmlformats.org/drawingml/2006/main" xmlns:r="http://schemas.openxmlformats.org/officeDocument/2006/relationships" xmlns:p="http://schemas.openxmlformats.org/presentationml/2006/main">
   <p:cSld>
     <p:spTree>
@@ -5226,7 +7742,7 @@
         <p:spPr/>
         <p:txBody>
           <a:bodyPr>
-            <a:normAutofit fontScale="92500" lnSpcReduction="20000"/>
+            <a:normAutofit fontScale="85000" lnSpcReduction="20000"/>
           </a:bodyPr>
           <a:lstStyle/>
           <a:p>
@@ -5332,13 +7848,15 @@
             </a:r>
             <a:r>
               <a:rPr lang="zh-TW" altLang="en-US" dirty="0" smtClean="0"/>
-              <a:t>月，政府認可彼特必的法律和稅收地位。</a:t>
+              <a:t>月，政府認可比特幣的法律和稅收地位。</a:t>
             </a:r>
             <a:endParaRPr lang="en-US" altLang="zh-TW" dirty="0" smtClean="0"/>
           </a:p>
           <a:p>
             <a:r>
-              <a:rPr lang="zh-TW" altLang="en-US" dirty="0" smtClean="0"/>
+              <a:rPr lang="zh-TW" altLang="en-US" dirty="0" smtClean="0">
+                <a:hlinkClick r:id="rId3"/>
+              </a:rPr>
               <a:t>俄羅斯</a:t>
             </a:r>
             <a:r>
@@ -5369,7 +7887,9 @@
           </a:p>
           <a:p>
             <a:r>
-              <a:rPr lang="zh-TW" altLang="en-US" dirty="0" smtClean="0"/>
+              <a:rPr lang="zh-TW" altLang="en-US" dirty="0" smtClean="0">
+                <a:hlinkClick r:id="rId4"/>
+              </a:rPr>
               <a:t>印度</a:t>
             </a:r>
             <a:r>
@@ -5396,7 +7916,63 @@
               <a:rPr lang="zh-TW" altLang="en-US" dirty="0" smtClean="0"/>
               <a:t>月，政府委員決定監管比特幣市場。</a:t>
             </a:r>
-            <a:endParaRPr lang="zh-TW" altLang="en-US" dirty="0"/>
+            <a:endParaRPr lang="en-US" altLang="zh-TW" dirty="0" smtClean="0"/>
+          </a:p>
+          <a:p>
+            <a:r>
+              <a:rPr lang="zh-TW" altLang="en-US" dirty="0" smtClean="0">
+                <a:hlinkClick r:id="rId5"/>
+              </a:rPr>
+              <a:t>澳洲</a:t>
+            </a:r>
+            <a:r>
+              <a:rPr lang="en-US" altLang="zh-TW" dirty="0" smtClean="0"/>
+              <a:t>:</a:t>
+            </a:r>
+            <a:r>
+              <a:rPr lang="zh-TW" altLang="en-US" dirty="0" smtClean="0"/>
+              <a:t> </a:t>
+            </a:r>
+            <a:r>
+              <a:rPr lang="en-US" altLang="zh-TW" dirty="0" smtClean="0"/>
+              <a:t>2017</a:t>
+            </a:r>
+            <a:r>
+              <a:rPr lang="zh-TW" altLang="en-US" dirty="0" smtClean="0"/>
+              <a:t>年</a:t>
+            </a:r>
+            <a:r>
+              <a:rPr lang="en-US" altLang="zh-TW" dirty="0" smtClean="0"/>
+              <a:t>7</a:t>
+            </a:r>
+            <a:r>
+              <a:rPr lang="zh-TW" altLang="en-US" dirty="0"/>
+              <a:t>月</a:t>
+            </a:r>
+            <a:r>
+              <a:rPr lang="en-US" altLang="zh-TW" dirty="0"/>
+              <a:t>1</a:t>
+            </a:r>
+            <a:r>
+              <a:rPr lang="zh-TW" altLang="en-US" dirty="0"/>
+              <a:t>日起</a:t>
+            </a:r>
+            <a:r>
+              <a:rPr lang="zh-TW" altLang="en-US" dirty="0" smtClean="0"/>
+              <a:t>，視</a:t>
+            </a:r>
+            <a:r>
+              <a:rPr lang="zh-TW" altLang="en-US" dirty="0"/>
+              <a:t>比特幣為貨幣之一，並且免除商品與服務稅（</a:t>
+            </a:r>
+            <a:r>
+              <a:rPr lang="en-US" altLang="zh-TW" dirty="0"/>
+              <a:t>GST</a:t>
+            </a:r>
+            <a:r>
+              <a:rPr lang="zh-TW" altLang="en-US" dirty="0"/>
+              <a:t>）</a:t>
+            </a:r>
           </a:p>
         </p:txBody>
       </p:sp>
@@ -5420,7 +7996,7 @@
 </p:sld>
 </file>
 
-<file path=ppt/slides/slide16.xml><?xml version="1.0" encoding="utf-8"?>
+<file path=ppt/slides/slide24.xml><?xml version="1.0" encoding="utf-8"?>
 <p:sld xmlns:a="http://schemas.openxmlformats.org/drawingml/2006/main" xmlns:r="http://schemas.openxmlformats.org/officeDocument/2006/relationships" xmlns:p="http://schemas.openxmlformats.org/presentationml/2006/main">
   <p:cSld>
     <p:spTree>
@@ -5439,50 +8015,162 @@
       </p:grpSpPr>
       <p:sp>
         <p:nvSpPr>
-          <p:cNvPr id="2" name="標題 1"/>
-          <p:cNvSpPr>
-            <a:spLocks noGrp="1"/>
-          </p:cNvSpPr>
-          <p:nvPr>
-            <p:ph type="title"/>
-          </p:nvPr>
-        </p:nvSpPr>
-        <p:spPr/>
+          <p:cNvPr id="3" name="內容版面配置區 2"/>
+          <p:cNvSpPr>
+            <a:spLocks noGrp="1"/>
+          </p:cNvSpPr>
+          <p:nvPr>
+            <p:ph idx="1"/>
+          </p:nvPr>
+        </p:nvSpPr>
+        <p:spPr>
+          <a:xfrm>
+            <a:off x="457200" y="260648"/>
+            <a:ext cx="8229600" cy="5865515"/>
+          </a:xfrm>
+        </p:spPr>
         <p:txBody>
           <a:bodyPr/>
           <a:lstStyle/>
           <a:p>
-            <a:r>
-              <a:rPr lang="zh-TW" altLang="en-US" dirty="0" smtClean="0"/>
+            <a:pPr marL="0" indent="0">
+              <a:buNone/>
+            </a:pPr>
+            <a:r>
+              <a:rPr lang="zh-TW" altLang="en-US" dirty="0" smtClean="0"/>
+              <a:t>日本</a:t>
+            </a:r>
+            <a:r>
+              <a:rPr lang="zh-TW" altLang="en-US" dirty="0"/>
+              <a:t>比特幣交易所</a:t>
+            </a:r>
+            <a:r>
+              <a:rPr lang="en-US" altLang="zh-TW" dirty="0" err="1"/>
+              <a:t>Bitpoint</a:t>
+            </a:r>
+            <a:r>
+              <a:rPr lang="zh-TW" altLang="en-US" dirty="0"/>
+              <a:t>本週三宣佈，與支付服務的供應商</a:t>
+            </a:r>
+            <a:r>
+              <a:rPr lang="en-US" altLang="zh-TW" dirty="0"/>
+              <a:t>Nippon Pay</a:t>
+            </a:r>
+            <a:r>
+              <a:rPr lang="zh-TW" altLang="en-US" dirty="0"/>
+              <a:t>合作，為中國三大流行支付服務提供加密貨幣支付選項。有了這次合作之後，微信、支付寶和銀聯都能在這個新平臺上開放比特幣和以太幣（</a:t>
+            </a:r>
+            <a:r>
+              <a:rPr lang="en-US" altLang="zh-TW" dirty="0"/>
+              <a:t>ETH</a:t>
+            </a:r>
+            <a:r>
+              <a:rPr lang="zh-TW" altLang="en-US" dirty="0"/>
+              <a:t>）支付選項</a:t>
+            </a:r>
+            <a:r>
+              <a:rPr lang="zh-TW" altLang="en-US" dirty="0" smtClean="0"/>
+              <a:t>。</a:t>
+            </a:r>
+            <a:endParaRPr lang="zh-TW" altLang="en-US" dirty="0"/>
+          </a:p>
+        </p:txBody>
+      </p:sp>
+      <p:sp>
+        <p:nvSpPr>
+          <p:cNvPr id="4" name="矩形 3"/>
+          <p:cNvSpPr/>
+          <p:nvPr/>
+        </p:nvSpPr>
+        <p:spPr>
+          <a:xfrm>
+            <a:off x="7079652" y="6581001"/>
+            <a:ext cx="2064348" cy="276999"/>
+          </a:xfrm>
+          <a:prstGeom prst="rect">
+            <a:avLst/>
+          </a:prstGeom>
+        </p:spPr>
+        <p:txBody>
+          <a:bodyPr wrap="none">
+            <a:spAutoFit/>
+          </a:bodyPr>
+          <a:lstStyle/>
+          <a:p>
+            <a:r>
+              <a:rPr lang="zh-TW" altLang="en-US" sz="1200" dirty="0" smtClean="0"/>
               <a:t>參考</a:t>
             </a:r>
-            <a:endParaRPr lang="zh-TW" altLang="en-US" dirty="0"/>
-          </a:p>
-        </p:txBody>
-      </p:sp>
-      <p:sp>
-        <p:nvSpPr>
-          <p:cNvPr id="3" name="內容版面配置區 2"/>
-          <p:cNvSpPr>
-            <a:spLocks noGrp="1"/>
-          </p:cNvSpPr>
-          <p:nvPr>
-            <p:ph idx="1"/>
-          </p:nvPr>
-        </p:nvSpPr>
-        <p:spPr/>
-        <p:txBody>
-          <a:bodyPr/>
-          <a:lstStyle/>
-          <a:p>
-            <a:endParaRPr lang="zh-TW" altLang="en-US"/>
-          </a:p>
-        </p:txBody>
-      </p:sp>
+            <a:r>
+              <a:rPr lang="en-US" altLang="zh-TW" sz="1200" dirty="0" smtClean="0"/>
+              <a:t>:https</a:t>
+            </a:r>
+            <a:r>
+              <a:rPr lang="en-US" altLang="zh-TW" sz="1200" dirty="0"/>
+              <a:t>://goo.gl/SevQaC</a:t>
+            </a:r>
+            <a:endParaRPr lang="zh-TW" altLang="en-US" sz="1200" dirty="0"/>
+          </a:p>
+        </p:txBody>
+      </p:sp>
+      <p:pic>
+        <p:nvPicPr>
+          <p:cNvPr id="7171" name="Picture 3"/>
+          <p:cNvPicPr>
+            <a:picLocks noChangeAspect="1" noChangeArrowheads="1"/>
+          </p:cNvPicPr>
+          <p:nvPr/>
+        </p:nvPicPr>
+        <p:blipFill>
+          <a:blip r:embed="rId2">
+            <a:extLst>
+              <a:ext uri="{28A0092B-C50C-407E-A947-70E740481C1C}">
+                <a14:useLocalDpi xmlns:a14="http://schemas.microsoft.com/office/drawing/2010/main" val="0"/>
+              </a:ext>
+            </a:extLst>
+          </a:blip>
+          <a:srcRect/>
+          <a:stretch>
+            <a:fillRect/>
+          </a:stretch>
+        </p:blipFill>
+        <p:spPr bwMode="auto">
+          <a:xfrm>
+            <a:off x="1427262" y="3429000"/>
+            <a:ext cx="6096000" cy="2486025"/>
+          </a:xfrm>
+          <a:prstGeom prst="rect">
+            <a:avLst/>
+          </a:prstGeom>
+          <a:noFill/>
+          <a:ln>
+            <a:noFill/>
+          </a:ln>
+          <a:extLst>
+            <a:ext uri="{909E8E84-426E-40DD-AFC4-6F175D3DCCD1}">
+              <a14:hiddenFill xmlns:a14="http://schemas.microsoft.com/office/drawing/2010/main">
+                <a:solidFill>
+                  <a:schemeClr val="accent1"/>
+                </a:solidFill>
+              </a14:hiddenFill>
+            </a:ext>
+            <a:ext uri="{91240B29-F687-4F45-9708-019B960494DF}">
+              <a14:hiddenLine xmlns:a14="http://schemas.microsoft.com/office/drawing/2010/main" w="9525">
+                <a:solidFill>
+                  <a:schemeClr val="tx1"/>
+                </a:solidFill>
+                <a:miter lim="800000"/>
+                <a:headEnd/>
+                <a:tailEnd/>
+              </a14:hiddenLine>
+            </a:ext>
+          </a:extLst>
+        </p:spPr>
+      </p:pic>
     </p:spTree>
     <p:extLst>
       <p:ext uri="{BB962C8B-B14F-4D97-AF65-F5344CB8AC3E}">
-        <p14:creationId xmlns:p14="http://schemas.microsoft.com/office/powerpoint/2010/main" val="260818588"/>
+        <p14:creationId xmlns:p14="http://schemas.microsoft.com/office/powerpoint/2010/main" val="644504010"/>
       </p:ext>
     </p:extLst>
   </p:cSld>
@@ -5499,7 +8187,7 @@
 </p:sld>
 </file>
 
-<file path=ppt/slides/slide2.xml><?xml version="1.0" encoding="utf-8"?>
+<file path=ppt/slides/slide25.xml><?xml version="1.0" encoding="utf-8"?>
 <p:sld xmlns:a="http://schemas.openxmlformats.org/drawingml/2006/main" xmlns:r="http://schemas.openxmlformats.org/officeDocument/2006/relationships" xmlns:p="http://schemas.openxmlformats.org/presentationml/2006/main">
   <p:cSld>
     <p:spTree>
@@ -5518,126 +8206,354 @@
       </p:grpSpPr>
       <p:sp>
         <p:nvSpPr>
-          <p:cNvPr id="2" name="標題 1"/>
-          <p:cNvSpPr>
-            <a:spLocks noGrp="1"/>
-          </p:cNvSpPr>
-          <p:nvPr>
-            <p:ph type="title"/>
+          <p:cNvPr id="3" name="內容版面配置區 2"/>
+          <p:cNvSpPr>
+            <a:spLocks noGrp="1"/>
+          </p:cNvSpPr>
+          <p:nvPr>
+            <p:ph idx="1"/>
           </p:nvPr>
         </p:nvSpPr>
         <p:spPr>
           <a:xfrm>
-            <a:off x="457200" y="274638"/>
-            <a:ext cx="8229600" cy="1143000"/>
+            <a:off x="457200" y="260648"/>
+            <a:ext cx="8229600" cy="5865515"/>
           </a:xfrm>
         </p:spPr>
         <p:txBody>
+          <a:bodyPr/>
+          <a:lstStyle/>
+          <a:p>
+            <a:pPr marL="0" indent="0">
+              <a:buNone/>
+            </a:pPr>
+            <a:r>
+              <a:rPr lang="zh-TW" altLang="en-US" dirty="0"/>
+              <a:t>實現財務自由有時候也很簡單，比如說用 </a:t>
+            </a:r>
+            <a:r>
+              <a:rPr lang="en-US" altLang="zh-TW" dirty="0"/>
+              <a:t>3000 </a:t>
+            </a:r>
+            <a:r>
+              <a:rPr lang="zh-TW" altLang="en-US" dirty="0"/>
+              <a:t>美元買下 </a:t>
+            </a:r>
+            <a:r>
+              <a:rPr lang="en-US" altLang="zh-TW" dirty="0"/>
+              <a:t>20000 </a:t>
+            </a:r>
+            <a:r>
+              <a:rPr lang="zh-TW" altLang="en-US" dirty="0"/>
+              <a:t>比特幣。現在這位「史密斯」先生早已辭掉了矽谷的工作，開始長達 </a:t>
+            </a:r>
+            <a:r>
+              <a:rPr lang="en-US" altLang="zh-TW" dirty="0"/>
+              <a:t>4 </a:t>
+            </a:r>
+            <a:r>
+              <a:rPr lang="zh-TW" altLang="en-US" dirty="0"/>
+              <a:t>年的環遊世界。這是他的故事。</a:t>
+            </a:r>
+          </a:p>
+        </p:txBody>
+      </p:sp>
+      <p:sp>
+        <p:nvSpPr>
+          <p:cNvPr id="4" name="矩形 3"/>
+          <p:cNvSpPr/>
+          <p:nvPr/>
+        </p:nvSpPr>
+        <p:spPr>
+          <a:xfrm>
+            <a:off x="4572000" y="6581001"/>
+            <a:ext cx="4572000" cy="276999"/>
+          </a:xfrm>
+          <a:prstGeom prst="rect">
+            <a:avLst/>
+          </a:prstGeom>
+        </p:spPr>
+        <p:txBody>
           <a:bodyPr>
-            <a:normAutofit/>
+            <a:spAutoFit/>
           </a:bodyPr>
           <a:lstStyle/>
           <a:p>
-            <a:r>
-              <a:rPr lang="zh-TW" altLang="en-US" dirty="0"/>
-              <a:t>如果給你時光機回去投資</a:t>
-            </a:r>
-          </a:p>
-        </p:txBody>
-      </p:sp>
-      <p:sp>
-        <p:nvSpPr>
-          <p:cNvPr id="3" name="內容版面配置區 2"/>
-          <p:cNvSpPr>
-            <a:spLocks noGrp="1"/>
-          </p:cNvSpPr>
-          <p:nvPr>
-            <p:ph idx="1"/>
-          </p:nvPr>
-        </p:nvSpPr>
-        <p:spPr/>
-        <p:txBody>
-          <a:bodyPr>
-            <a:normAutofit lnSpcReduction="10000"/>
-          </a:bodyPr>
-          <a:lstStyle/>
-          <a:p>
-            <a:r>
-              <a:rPr lang="zh-TW" altLang="en-US" dirty="0" smtClean="0"/>
-              <a:t>假設</a:t>
-            </a:r>
-            <a:r>
-              <a:rPr lang="zh-TW" altLang="en-US" dirty="0"/>
-              <a:t>身上</a:t>
-            </a:r>
-            <a:r>
-              <a:rPr lang="zh-TW" altLang="en-US" dirty="0" smtClean="0"/>
-              <a:t>帶</a:t>
-            </a:r>
-            <a:r>
-              <a:rPr lang="zh-TW" altLang="en-US" dirty="0"/>
-              <a:t>上現有資產</a:t>
-            </a:r>
-            <a:r>
-              <a:rPr lang="en-US" altLang="zh-TW" dirty="0"/>
-              <a:t>100</a:t>
-            </a:r>
-            <a:r>
-              <a:rPr lang="zh-TW" altLang="en-US" dirty="0"/>
-              <a:t>萬 </a:t>
-            </a:r>
-            <a:endParaRPr lang="en-US" altLang="zh-TW" dirty="0" smtClean="0"/>
-          </a:p>
-          <a:p>
-            <a:r>
-              <a:rPr lang="zh-TW" altLang="en-US" dirty="0" smtClean="0"/>
-              <a:t>要</a:t>
-            </a:r>
-            <a:r>
-              <a:rPr lang="zh-TW" altLang="en-US" dirty="0"/>
-              <a:t>回到哪一個時刻 </a:t>
-            </a:r>
-            <a:endParaRPr lang="en-US" altLang="zh-TW" dirty="0" smtClean="0"/>
-          </a:p>
-          <a:p>
-            <a:r>
-              <a:rPr lang="zh-TW" altLang="en-US" dirty="0" smtClean="0"/>
-              <a:t>投資</a:t>
-            </a:r>
-            <a:r>
-              <a:rPr lang="zh-TW" altLang="en-US" dirty="0"/>
-              <a:t>那一樣產品最賺</a:t>
-            </a:r>
-            <a:r>
-              <a:rPr lang="zh-TW" altLang="en-US" dirty="0" smtClean="0"/>
-              <a:t>？</a:t>
-            </a:r>
-            <a:endParaRPr lang="en-US" altLang="zh-TW" dirty="0" smtClean="0"/>
-          </a:p>
-          <a:p>
-            <a:endParaRPr lang="en-US" altLang="zh-TW" dirty="0"/>
-          </a:p>
-          <a:p>
-            <a:endParaRPr lang="en-US" altLang="zh-TW" dirty="0" smtClean="0"/>
-          </a:p>
-          <a:p>
-            <a:endParaRPr lang="en-US" altLang="zh-TW" dirty="0"/>
-          </a:p>
-          <a:p>
-            <a:endParaRPr lang="en-US" altLang="zh-TW" dirty="0" smtClean="0"/>
-          </a:p>
-          <a:p>
-            <a:r>
-              <a:rPr lang="zh-TW" altLang="en-US" dirty="0"/>
-              <a:t>記住你的答案</a:t>
-            </a:r>
-          </a:p>
-        </p:txBody>
-      </p:sp>
+            <a:pPr algn="r"/>
+            <a:r>
+              <a:rPr lang="zh-TW" altLang="en-US" sz="1200" dirty="0" smtClean="0"/>
+              <a:t>參考</a:t>
+            </a:r>
+            <a:r>
+              <a:rPr lang="en-US" altLang="zh-TW" sz="1200" dirty="0" smtClean="0"/>
+              <a:t>:</a:t>
+            </a:r>
+            <a:r>
+              <a:rPr lang="zh-TW" altLang="en-US" sz="1200" dirty="0" smtClean="0"/>
+              <a:t> </a:t>
+            </a:r>
+            <a:r>
+              <a:rPr lang="en-US" altLang="zh-TW" sz="1200" dirty="0" smtClean="0"/>
+              <a:t>https</a:t>
+            </a:r>
+            <a:r>
+              <a:rPr lang="en-US" altLang="zh-TW" sz="1200" dirty="0"/>
+              <a:t>://goo.gl/RmPwEM</a:t>
+            </a:r>
+            <a:endParaRPr lang="zh-TW" altLang="en-US" sz="1200" dirty="0"/>
+          </a:p>
+        </p:txBody>
+      </p:sp>
+      <p:pic>
+        <p:nvPicPr>
+          <p:cNvPr id="8194" name="Picture 2"/>
+          <p:cNvPicPr>
+            <a:picLocks noChangeAspect="1" noChangeArrowheads="1"/>
+          </p:cNvPicPr>
+          <p:nvPr/>
+        </p:nvPicPr>
+        <p:blipFill rotWithShape="1">
+          <a:blip r:embed="rId2">
+            <a:extLst>
+              <a:ext uri="{28A0092B-C50C-407E-A947-70E740481C1C}">
+                <a14:useLocalDpi xmlns:a14="http://schemas.microsoft.com/office/drawing/2010/main" val="0"/>
+              </a:ext>
+            </a:extLst>
+          </a:blip>
+          <a:srcRect b="29414"/>
+          <a:stretch/>
+        </p:blipFill>
+        <p:spPr bwMode="auto">
+          <a:xfrm>
+            <a:off x="1331640" y="2348880"/>
+            <a:ext cx="6048672" cy="3175620"/>
+          </a:xfrm>
+          <a:prstGeom prst="rect">
+            <a:avLst/>
+          </a:prstGeom>
+          <a:noFill/>
+          <a:ln>
+            <a:noFill/>
+          </a:ln>
+          <a:extLst>
+            <a:ext uri="{909E8E84-426E-40DD-AFC4-6F175D3DCCD1}">
+              <a14:hiddenFill xmlns:a14="http://schemas.microsoft.com/office/drawing/2010/main">
+                <a:solidFill>
+                  <a:schemeClr val="accent1"/>
+                </a:solidFill>
+              </a14:hiddenFill>
+            </a:ext>
+            <a:ext uri="{91240B29-F687-4F45-9708-019B960494DF}">
+              <a14:hiddenLine xmlns:a14="http://schemas.microsoft.com/office/drawing/2010/main" w="9525">
+                <a:solidFill>
+                  <a:schemeClr val="tx1"/>
+                </a:solidFill>
+                <a:miter lim="800000"/>
+                <a:headEnd/>
+                <a:tailEnd/>
+              </a14:hiddenLine>
+            </a:ext>
+          </a:extLst>
+        </p:spPr>
+      </p:pic>
     </p:spTree>
     <p:extLst>
       <p:ext uri="{BB962C8B-B14F-4D97-AF65-F5344CB8AC3E}">
-        <p14:creationId xmlns:p14="http://schemas.microsoft.com/office/powerpoint/2010/main" val="294820179"/>
+        <p14:creationId xmlns:p14="http://schemas.microsoft.com/office/powerpoint/2010/main" val="2254051079"/>
+      </p:ext>
+    </p:extLst>
+  </p:cSld>
+  <p:clrMapOvr>
+    <a:masterClrMapping/>
+  </p:clrMapOvr>
+  <p:timing>
+    <p:tnLst>
+      <p:par>
+        <p:cTn id="1" dur="indefinite" restart="never" nodeType="tmRoot"/>
+      </p:par>
+    </p:tnLst>
+  </p:timing>
+</p:sld>
+</file>
+
+<file path=ppt/slides/slide26.xml><?xml version="1.0" encoding="utf-8"?>
+<p:sld xmlns:a="http://schemas.openxmlformats.org/drawingml/2006/main" xmlns:r="http://schemas.openxmlformats.org/officeDocument/2006/relationships" xmlns:p="http://schemas.openxmlformats.org/presentationml/2006/main">
+  <p:cSld>
+    <p:spTree>
+      <p:nvGrpSpPr>
+        <p:cNvPr id="1" name=""/>
+        <p:cNvGrpSpPr/>
+        <p:nvPr/>
+      </p:nvGrpSpPr>
+      <p:grpSpPr>
+        <a:xfrm>
+          <a:off x="0" y="0"/>
+          <a:ext cx="0" cy="0"/>
+          <a:chOff x="0" y="0"/>
+          <a:chExt cx="0" cy="0"/>
+        </a:xfrm>
+      </p:grpSpPr>
+      <p:sp>
+        <p:nvSpPr>
+          <p:cNvPr id="3" name="內容版面配置區 2"/>
+          <p:cNvSpPr>
+            <a:spLocks noGrp="1"/>
+          </p:cNvSpPr>
+          <p:nvPr>
+            <p:ph idx="1"/>
+          </p:nvPr>
+        </p:nvSpPr>
+        <p:spPr>
+          <a:xfrm>
+            <a:off x="457200" y="332656"/>
+            <a:ext cx="8229600" cy="5793507"/>
+          </a:xfrm>
+        </p:spPr>
+        <p:txBody>
+          <a:bodyPr/>
+          <a:lstStyle/>
+          <a:p>
+            <a:pPr marL="0" indent="0">
+              <a:buNone/>
+            </a:pPr>
+            <a:r>
+              <a:rPr lang="zh-TW" altLang="en-US" dirty="0" smtClean="0"/>
+              <a:t>商周財富網</a:t>
+            </a:r>
+            <a:r>
+              <a:rPr lang="en-US" altLang="zh-TW" dirty="0" smtClean="0"/>
+              <a:t>:</a:t>
+            </a:r>
+            <a:r>
+              <a:rPr lang="zh-TW" altLang="en-US" dirty="0" smtClean="0"/>
+              <a:t> </a:t>
+            </a:r>
+            <a:r>
+              <a:rPr lang="en-US" altLang="zh-TW" dirty="0" smtClean="0"/>
+              <a:t>3</a:t>
+            </a:r>
+            <a:r>
+              <a:rPr lang="zh-TW" altLang="en-US" dirty="0" smtClean="0"/>
+              <a:t>個</a:t>
+            </a:r>
+            <a:r>
+              <a:rPr lang="zh-TW" altLang="en-US" dirty="0"/>
+              <a:t>月漲</a:t>
+            </a:r>
+            <a:r>
+              <a:rPr lang="en-US" altLang="zh-TW" dirty="0"/>
+              <a:t>300%</a:t>
+            </a:r>
+            <a:r>
+              <a:rPr lang="zh-TW" altLang="en-US" dirty="0"/>
+              <a:t>又暴跌！買比特幣要當成「買●●」，挪</a:t>
+            </a:r>
+            <a:r>
+              <a:rPr lang="en-US" altLang="zh-TW" dirty="0"/>
+              <a:t>0.5%</a:t>
+            </a:r>
+            <a:r>
+              <a:rPr lang="zh-TW" altLang="en-US" dirty="0"/>
+              <a:t>資金投資就好</a:t>
+            </a:r>
+          </a:p>
+        </p:txBody>
+      </p:sp>
+      <p:sp>
+        <p:nvSpPr>
+          <p:cNvPr id="4" name="矩形 3"/>
+          <p:cNvSpPr/>
+          <p:nvPr/>
+        </p:nvSpPr>
+        <p:spPr>
+          <a:xfrm>
+            <a:off x="7156918" y="6581000"/>
+            <a:ext cx="2089675" cy="276999"/>
+          </a:xfrm>
+          <a:prstGeom prst="rect">
+            <a:avLst/>
+          </a:prstGeom>
+        </p:spPr>
+        <p:txBody>
+          <a:bodyPr wrap="none">
+            <a:spAutoFit/>
+          </a:bodyPr>
+          <a:lstStyle/>
+          <a:p>
+            <a:r>
+              <a:rPr lang="zh-TW" altLang="en-US" sz="1200" dirty="0" smtClean="0"/>
+              <a:t>參考</a:t>
+            </a:r>
+            <a:r>
+              <a:rPr lang="en-US" altLang="zh-TW" sz="1200" dirty="0" smtClean="0"/>
+              <a:t>:</a:t>
+            </a:r>
+            <a:r>
+              <a:rPr lang="en-US" altLang="zh-TW" sz="1200" dirty="0"/>
+              <a:t>https://goo.gl/2M4GuL</a:t>
+            </a:r>
+            <a:endParaRPr lang="zh-TW" altLang="en-US" sz="1200" dirty="0"/>
+          </a:p>
+        </p:txBody>
+      </p:sp>
+      <p:pic>
+        <p:nvPicPr>
+          <p:cNvPr id="9218" name="Picture 2"/>
+          <p:cNvPicPr>
+            <a:picLocks noChangeAspect="1" noChangeArrowheads="1"/>
+          </p:cNvPicPr>
+          <p:nvPr/>
+        </p:nvPicPr>
+        <p:blipFill>
+          <a:blip r:embed="rId2">
+            <a:extLst>
+              <a:ext uri="{28A0092B-C50C-407E-A947-70E740481C1C}">
+                <a14:useLocalDpi xmlns:a14="http://schemas.microsoft.com/office/drawing/2010/main" val="0"/>
+              </a:ext>
+            </a:extLst>
+          </a:blip>
+          <a:srcRect/>
+          <a:stretch>
+            <a:fillRect/>
+          </a:stretch>
+        </p:blipFill>
+        <p:spPr bwMode="auto">
+          <a:xfrm>
+            <a:off x="1619672" y="1700807"/>
+            <a:ext cx="5934075" cy="3895725"/>
+          </a:xfrm>
+          <a:prstGeom prst="rect">
+            <a:avLst/>
+          </a:prstGeom>
+          <a:noFill/>
+          <a:ln>
+            <a:noFill/>
+          </a:ln>
+          <a:extLst>
+            <a:ext uri="{909E8E84-426E-40DD-AFC4-6F175D3DCCD1}">
+              <a14:hiddenFill xmlns:a14="http://schemas.microsoft.com/office/drawing/2010/main">
+                <a:solidFill>
+                  <a:schemeClr val="accent1"/>
+                </a:solidFill>
+              </a14:hiddenFill>
+            </a:ext>
+            <a:ext uri="{91240B29-F687-4F45-9708-019B960494DF}">
+              <a14:hiddenLine xmlns:a14="http://schemas.microsoft.com/office/drawing/2010/main" w="9525">
+                <a:solidFill>
+                  <a:schemeClr val="tx1"/>
+                </a:solidFill>
+                <a:miter lim="800000"/>
+                <a:headEnd/>
+                <a:tailEnd/>
+              </a14:hiddenLine>
+            </a:ext>
+          </a:extLst>
+        </p:spPr>
+      </p:pic>
+    </p:spTree>
+    <p:extLst>
+      <p:ext uri="{BB962C8B-B14F-4D97-AF65-F5344CB8AC3E}">
+        <p14:creationId xmlns:p14="http://schemas.microsoft.com/office/powerpoint/2010/main" val="4263830328"/>
       </p:ext>
     </p:extLst>
   </p:cSld>
@@ -5671,248 +8587,45 @@
           <a:chExt cx="0" cy="0"/>
         </a:xfrm>
       </p:grpSpPr>
-      <p:sp>
-        <p:nvSpPr>
-          <p:cNvPr id="2" name="標題 1"/>
-          <p:cNvSpPr>
-            <a:spLocks noGrp="1"/>
-          </p:cNvSpPr>
-          <p:nvPr>
-            <p:ph type="title"/>
-          </p:nvPr>
-        </p:nvSpPr>
-        <p:spPr/>
-        <p:txBody>
-          <a:bodyPr/>
-          <a:lstStyle/>
-          <a:p>
-            <a:r>
-              <a:rPr lang="zh-TW" altLang="en-US" dirty="0" smtClean="0"/>
-              <a:t>這是一個升值最快的貨幣</a:t>
-            </a:r>
-            <a:r>
-              <a:rPr lang="en-US" altLang="zh-TW" dirty="0" smtClean="0"/>
-              <a:t>?</a:t>
-            </a:r>
-            <a:endParaRPr lang="zh-TW" altLang="en-US" dirty="0"/>
-          </a:p>
-        </p:txBody>
-      </p:sp>
-      <p:sp>
-        <p:nvSpPr>
-          <p:cNvPr id="3" name="內容版面配置區 2"/>
-          <p:cNvSpPr>
-            <a:spLocks noGrp="1"/>
-          </p:cNvSpPr>
-          <p:nvPr>
-            <p:ph idx="1"/>
-          </p:nvPr>
-        </p:nvSpPr>
-        <p:spPr/>
-        <p:txBody>
-          <a:bodyPr>
-            <a:normAutofit fontScale="92500" lnSpcReduction="10000"/>
-          </a:bodyPr>
-          <a:lstStyle/>
-          <a:p>
-            <a:r>
-              <a:rPr lang="zh-TW" altLang="en-US" dirty="0" smtClean="0"/>
-              <a:t>比特幣</a:t>
-            </a:r>
-            <a:r>
-              <a:rPr lang="en-US" altLang="zh-TW" dirty="0" smtClean="0"/>
-              <a:t>(</a:t>
-            </a:r>
-            <a:r>
-              <a:rPr lang="en-US" altLang="zh-TW" dirty="0" err="1" smtClean="0"/>
-              <a:t>btc</a:t>
-            </a:r>
-            <a:r>
-              <a:rPr lang="en-US" altLang="zh-TW" dirty="0" smtClean="0"/>
-              <a:t>)</a:t>
-            </a:r>
-            <a:r>
-              <a:rPr lang="zh-TW" altLang="en-US" dirty="0" smtClean="0"/>
-              <a:t>，剛誕生</a:t>
-            </a:r>
-            <a:r>
-              <a:rPr lang="en-US" altLang="zh-TW" dirty="0" smtClean="0"/>
-              <a:t>(2009/01/03)1</a:t>
-            </a:r>
-            <a:r>
-              <a:rPr lang="zh-TW" altLang="en-US" dirty="0" smtClean="0"/>
-              <a:t>美金 </a:t>
-            </a:r>
-            <a:r>
-              <a:rPr lang="en-US" altLang="zh-TW" dirty="0" smtClean="0"/>
-              <a:t>=</a:t>
-            </a:r>
-            <a:r>
-              <a:rPr lang="zh-TW" altLang="en-US" dirty="0" smtClean="0"/>
-              <a:t> </a:t>
-            </a:r>
-            <a:r>
-              <a:rPr lang="en-US" altLang="zh-TW" dirty="0" smtClean="0"/>
-              <a:t>1300</a:t>
-            </a:r>
-            <a:r>
-              <a:rPr lang="zh-TW" altLang="en-US" dirty="0" smtClean="0"/>
-              <a:t>顆</a:t>
-            </a:r>
-            <a:endParaRPr lang="en-US" altLang="zh-TW" dirty="0" smtClean="0"/>
-          </a:p>
-          <a:p>
-            <a:r>
-              <a:rPr lang="zh-TW" altLang="en-US" dirty="0" smtClean="0"/>
-              <a:t>現在，最高</a:t>
-            </a:r>
-            <a:r>
-              <a:rPr lang="en-US" altLang="zh-TW" dirty="0" smtClean="0"/>
-              <a:t>2900</a:t>
-            </a:r>
-            <a:r>
-              <a:rPr lang="zh-TW" altLang="en-US" dirty="0" smtClean="0"/>
-              <a:t>美金 </a:t>
-            </a:r>
-            <a:r>
-              <a:rPr lang="en-US" altLang="zh-TW" dirty="0" smtClean="0"/>
-              <a:t>=</a:t>
-            </a:r>
-            <a:r>
-              <a:rPr lang="zh-TW" altLang="en-US" dirty="0" smtClean="0"/>
-              <a:t> </a:t>
-            </a:r>
-            <a:r>
-              <a:rPr lang="en-US" altLang="zh-TW" dirty="0" smtClean="0"/>
-              <a:t>1</a:t>
-            </a:r>
-            <a:r>
-              <a:rPr lang="zh-TW" altLang="en-US" dirty="0" smtClean="0"/>
-              <a:t>顆</a:t>
-            </a:r>
-            <a:endParaRPr lang="en-US" altLang="zh-TW" dirty="0" smtClean="0"/>
-          </a:p>
-          <a:p>
-            <a:endParaRPr lang="en-US" altLang="zh-TW" dirty="0" smtClean="0"/>
-          </a:p>
-          <a:p>
-            <a:r>
-              <a:rPr lang="zh-TW" altLang="en-US" dirty="0" smtClean="0"/>
-              <a:t>你以為比特幣夠猛了</a:t>
-            </a:r>
-            <a:r>
-              <a:rPr lang="en-US" altLang="zh-TW" dirty="0" smtClean="0"/>
-              <a:t>?</a:t>
-            </a:r>
-            <a:r>
-              <a:rPr lang="zh-TW" altLang="en-US" dirty="0" smtClean="0"/>
-              <a:t> 錯</a:t>
-            </a:r>
-            <a:endParaRPr lang="en-US" altLang="zh-TW" dirty="0" smtClean="0"/>
-          </a:p>
-          <a:p>
-            <a:endParaRPr lang="en-US" altLang="zh-TW" dirty="0"/>
-          </a:p>
-          <a:p>
-            <a:r>
-              <a:rPr lang="zh-TW" altLang="en-US" dirty="0" smtClean="0"/>
-              <a:t>乙太幣</a:t>
-            </a:r>
-            <a:r>
-              <a:rPr lang="en-US" altLang="zh-TW" dirty="0" smtClean="0"/>
-              <a:t>(ether)</a:t>
-            </a:r>
-            <a:r>
-              <a:rPr lang="zh-TW" altLang="en-US" dirty="0" smtClean="0"/>
-              <a:t>更瘋</a:t>
-            </a:r>
-            <a:endParaRPr lang="en-US" altLang="zh-TW" dirty="0" smtClean="0"/>
-          </a:p>
-          <a:p>
-            <a:r>
-              <a:rPr lang="zh-TW" altLang="en-US" dirty="0" smtClean="0"/>
-              <a:t>剛誕生</a:t>
-            </a:r>
-            <a:r>
-              <a:rPr lang="en-US" altLang="zh-TW" dirty="0" smtClean="0"/>
-              <a:t>(2016/03/07)</a:t>
-            </a:r>
-            <a:r>
-              <a:rPr lang="zh-TW" altLang="en-US" dirty="0" smtClean="0"/>
-              <a:t>，</a:t>
-            </a:r>
-            <a:r>
-              <a:rPr lang="en-US" altLang="zh-TW" dirty="0" smtClean="0"/>
-              <a:t>8</a:t>
-            </a:r>
-            <a:r>
-              <a:rPr lang="zh-TW" altLang="en-US" dirty="0" smtClean="0"/>
-              <a:t>美金 </a:t>
-            </a:r>
-            <a:r>
-              <a:rPr lang="en-US" altLang="zh-TW" dirty="0" smtClean="0"/>
-              <a:t>=</a:t>
-            </a:r>
-            <a:r>
-              <a:rPr lang="zh-TW" altLang="en-US" dirty="0" smtClean="0"/>
-              <a:t> </a:t>
-            </a:r>
-            <a:r>
-              <a:rPr lang="en-US" altLang="zh-TW" dirty="0" smtClean="0"/>
-              <a:t>1</a:t>
-            </a:r>
-            <a:r>
-              <a:rPr lang="zh-TW" altLang="en-US" dirty="0" smtClean="0"/>
-              <a:t>顆</a:t>
-            </a:r>
-            <a:endParaRPr lang="en-US" altLang="zh-TW" dirty="0" smtClean="0"/>
-          </a:p>
-          <a:p>
-            <a:r>
-              <a:rPr lang="zh-TW" altLang="en-US" dirty="0" smtClean="0"/>
-              <a:t>現在，最高</a:t>
-            </a:r>
-            <a:r>
-              <a:rPr lang="en-US" altLang="zh-TW" dirty="0" smtClean="0"/>
-              <a:t>346</a:t>
-            </a:r>
-            <a:r>
-              <a:rPr lang="zh-TW" altLang="en-US" dirty="0" smtClean="0"/>
-              <a:t>美金 </a:t>
-            </a:r>
-            <a:r>
-              <a:rPr lang="en-US" altLang="zh-TW" dirty="0" smtClean="0"/>
-              <a:t>=</a:t>
-            </a:r>
-            <a:r>
-              <a:rPr lang="zh-TW" altLang="en-US" dirty="0" smtClean="0"/>
-              <a:t> </a:t>
-            </a:r>
-            <a:r>
-              <a:rPr lang="en-US" altLang="zh-TW" dirty="0" smtClean="0"/>
-              <a:t>1</a:t>
-            </a:r>
-            <a:r>
-              <a:rPr lang="zh-TW" altLang="en-US" dirty="0" smtClean="0"/>
-              <a:t>顆</a:t>
-            </a:r>
-            <a:endParaRPr lang="en-US" altLang="zh-TW" dirty="0" smtClean="0"/>
-          </a:p>
-          <a:p>
-            <a:endParaRPr lang="zh-TW" altLang="en-US" dirty="0"/>
-          </a:p>
-        </p:txBody>
-      </p:sp>
+      <p:graphicFrame>
+        <p:nvGraphicFramePr>
+          <p:cNvPr id="4" name="圖表 3"/>
+          <p:cNvGraphicFramePr/>
+          <p:nvPr>
+            <p:extLst>
+              <p:ext uri="{D42A27DB-BD31-4B8C-83A1-F6EECF244321}">
+                <p14:modId xmlns:p14="http://schemas.microsoft.com/office/powerpoint/2010/main" val="244891381"/>
+              </p:ext>
+            </p:extLst>
+          </p:nvPr>
+        </p:nvGraphicFramePr>
+        <p:xfrm>
+          <a:off x="971600" y="1196752"/>
+          <a:ext cx="7128792" cy="4536504"/>
+        </p:xfrm>
+        <a:graphic>
+          <a:graphicData uri="http://schemas.openxmlformats.org/drawingml/2006/chart">
+            <c:chart xmlns:c="http://schemas.openxmlformats.org/drawingml/2006/chart" xmlns:r="http://schemas.openxmlformats.org/officeDocument/2006/relationships" r:id="rId2"/>
+          </a:graphicData>
+        </a:graphic>
+      </p:graphicFrame>
     </p:spTree>
     <p:extLst>
       <p:ext uri="{BB962C8B-B14F-4D97-AF65-F5344CB8AC3E}">
-        <p14:creationId xmlns:p14="http://schemas.microsoft.com/office/powerpoint/2010/main" val="3970943707"/>
+        <p14:creationId xmlns:p14="http://schemas.microsoft.com/office/powerpoint/2010/main" val="3330899319"/>
       </p:ext>
     </p:extLst>
   </p:cSld>
   <p:clrMapOvr>
     <a:masterClrMapping/>
   </p:clrMapOvr>
+  <p:timing>
+    <p:tnLst>
+      <p:par>
+        <p:cTn id="1" dur="indefinite" restart="never" nodeType="tmRoot"/>
+      </p:par>
+    </p:tnLst>
+  </p:timing>
 </p:sld>
 </file>
 
@@ -5933,9 +8646,50 @@
           <a:chExt cx="0" cy="0"/>
         </a:xfrm>
       </p:grpSpPr>
-      <p:sp>
-        <p:nvSpPr>
-          <p:cNvPr id="2" name="標題 1"/>
+      <p:pic>
+        <p:nvPicPr>
+          <p:cNvPr id="1032" name="Picture 8" descr="「投資」的圖片搜尋結果"/>
+          <p:cNvPicPr>
+            <a:picLocks noChangeAspect="1" noChangeArrowheads="1"/>
+          </p:cNvPicPr>
+          <p:nvPr/>
+        </p:nvPicPr>
+        <p:blipFill>
+          <a:blip r:embed="rId2">
+            <a:extLst>
+              <a:ext uri="{28A0092B-C50C-407E-A947-70E740481C1C}">
+                <a14:useLocalDpi xmlns:a14="http://schemas.microsoft.com/office/drawing/2010/main" val="0"/>
+              </a:ext>
+            </a:extLst>
+          </a:blip>
+          <a:srcRect/>
+          <a:stretch>
+            <a:fillRect/>
+          </a:stretch>
+        </p:blipFill>
+        <p:spPr bwMode="auto">
+          <a:xfrm>
+            <a:off x="755576" y="1916832"/>
+            <a:ext cx="3810000" cy="2914650"/>
+          </a:xfrm>
+          <a:prstGeom prst="rect">
+            <a:avLst/>
+          </a:prstGeom>
+          <a:noFill/>
+          <a:extLst>
+            <a:ext uri="{909E8E84-426E-40DD-AFC4-6F175D3DCCD1}">
+              <a14:hiddenFill xmlns:a14="http://schemas.microsoft.com/office/drawing/2010/main">
+                <a:solidFill>
+                  <a:srgbClr val="FFFFFF"/>
+                </a:solidFill>
+              </a14:hiddenFill>
+            </a:ext>
+          </a:extLst>
+        </p:spPr>
+      </p:pic>
+      <p:sp>
+        <p:nvSpPr>
+          <p:cNvPr id="9" name="標題 8"/>
           <p:cNvSpPr>
             <a:spLocks noGrp="1"/>
           </p:cNvSpPr>
@@ -5948,13 +8702,17 @@
           <a:bodyPr/>
           <a:lstStyle/>
           <a:p>
+            <a:r>
+              <a:rPr lang="zh-TW" altLang="en-US" dirty="0" smtClean="0"/>
+              <a:t>小資族投資</a:t>
+            </a:r>
             <a:endParaRPr lang="zh-TW" altLang="en-US" dirty="0"/>
           </a:p>
         </p:txBody>
       </p:sp>
       <p:sp>
         <p:nvSpPr>
-          <p:cNvPr id="3" name="內容版面配置區 2"/>
+          <p:cNvPr id="10" name="內容版面配置區 9"/>
           <p:cNvSpPr>
             <a:spLocks noGrp="1"/>
           </p:cNvSpPr>
@@ -5962,96 +8720,34 @@
             <p:ph idx="1"/>
           </p:nvPr>
         </p:nvSpPr>
-        <p:spPr/>
-        <p:txBody>
-          <a:bodyPr>
-            <a:normAutofit lnSpcReduction="10000"/>
-          </a:bodyPr>
+        <p:spPr>
+          <a:xfrm>
+            <a:off x="4788024" y="1916833"/>
+            <a:ext cx="3898776" cy="2914650"/>
+          </a:xfrm>
+        </p:spPr>
+        <p:txBody>
+          <a:bodyPr/>
           <a:lstStyle/>
-          <a:p>
-            <a:r>
-              <a:rPr lang="zh-TW" altLang="en-US" dirty="0" smtClean="0"/>
-              <a:t>如果我在更早一點知道比特幣</a:t>
-            </a:r>
-            <a:endParaRPr lang="en-US" altLang="zh-TW" dirty="0" smtClean="0"/>
-          </a:p>
-          <a:p>
-            <a:r>
-              <a:rPr lang="zh-TW" altLang="en-US" dirty="0" smtClean="0"/>
-              <a:t>想當初</a:t>
-            </a:r>
-            <a:r>
-              <a:rPr lang="en-US" altLang="zh-TW" dirty="0" smtClean="0"/>
-              <a:t>2010</a:t>
-            </a:r>
-            <a:r>
-              <a:rPr lang="zh-TW" altLang="en-US" dirty="0" smtClean="0"/>
-              <a:t>年，</a:t>
-            </a:r>
-            <a:r>
-              <a:rPr lang="zh-TW" altLang="en-US" dirty="0"/>
-              <a:t>我在銀行放了</a:t>
-            </a:r>
-            <a:r>
-              <a:rPr lang="en-US" altLang="zh-TW" dirty="0"/>
-              <a:t>1</a:t>
-            </a:r>
-            <a:r>
-              <a:rPr lang="zh-TW" altLang="en-US" dirty="0"/>
-              <a:t>萬塊的活</a:t>
-            </a:r>
-            <a:r>
-              <a:rPr lang="zh-TW" altLang="en-US" dirty="0" smtClean="0"/>
-              <a:t>存。</a:t>
-            </a:r>
-            <a:endParaRPr lang="en-US" altLang="zh-TW" dirty="0" smtClean="0"/>
-          </a:p>
-          <a:p>
-            <a:pPr lvl="1"/>
-            <a:r>
-              <a:rPr lang="zh-TW" altLang="en-US" dirty="0" smtClean="0"/>
-              <a:t>如果都拿去買比特幣，早就不知道翻了幾倍。</a:t>
-            </a:r>
-            <a:endParaRPr lang="en-US" altLang="zh-TW" dirty="0"/>
-          </a:p>
-          <a:p>
-            <a:pPr lvl="1"/>
-            <a:r>
-              <a:rPr lang="zh-TW" altLang="en-US" dirty="0" smtClean="0"/>
-              <a:t>換句話說，只要省下一杯星巴克咖啡的錢，現在就可以買</a:t>
-            </a:r>
-            <a:r>
-              <a:rPr lang="en-US" altLang="zh-TW" dirty="0" smtClean="0"/>
-              <a:t>4</a:t>
-            </a:r>
-            <a:r>
-              <a:rPr lang="zh-TW" altLang="en-US" dirty="0" smtClean="0"/>
-              <a:t>台</a:t>
-            </a:r>
-            <a:r>
-              <a:rPr lang="en-US" altLang="zh-TW" dirty="0" smtClean="0"/>
-              <a:t>Toyota </a:t>
-            </a:r>
-            <a:r>
-              <a:rPr lang="en-US" altLang="zh-TW" dirty="0" err="1" smtClean="0"/>
-              <a:t>Altis</a:t>
-            </a:r>
-            <a:endParaRPr lang="en-US" altLang="zh-TW" dirty="0"/>
-          </a:p>
           <a:p>
             <a:pPr marL="0" indent="0">
               <a:buNone/>
             </a:pPr>
+            <a:r>
+              <a:rPr lang="zh-TW" altLang="en-US" dirty="0" smtClean="0"/>
+              <a:t>投資管道</a:t>
+            </a:r>
             <a:endParaRPr lang="en-US" altLang="zh-TW" dirty="0" smtClean="0"/>
           </a:p>
           <a:p>
+            <a:pPr lvl="1"/>
             <a:r>
               <a:rPr lang="zh-TW" altLang="en-US" dirty="0"/>
-              <a:t>只可惜當時的</a:t>
-            </a:r>
-            <a:r>
-              <a:rPr lang="zh-TW" altLang="en-US" dirty="0" smtClean="0"/>
-              <a:t>我</a:t>
+              <a:t>定</a:t>
+            </a:r>
+            <a:r>
+              <a:rPr lang="zh-TW" altLang="en-US" dirty="0" smtClean="0"/>
+              <a:t>存</a:t>
             </a:r>
             <a:endParaRPr lang="en-US" altLang="zh-TW" dirty="0" smtClean="0"/>
           </a:p>
@@ -6059,7 +8755,7 @@
             <a:pPr lvl="1"/>
             <a:r>
               <a:rPr lang="zh-TW" altLang="en-US" dirty="0" smtClean="0"/>
-              <a:t>念書、打電動、但也沒多厲害</a:t>
+              <a:t>期貨</a:t>
             </a:r>
             <a:endParaRPr lang="en-US" altLang="zh-TW" dirty="0" smtClean="0"/>
           </a:p>
@@ -6067,24 +8763,24 @@
             <a:pPr lvl="1"/>
             <a:r>
               <a:rPr lang="zh-TW" altLang="en-US" dirty="0" smtClean="0"/>
-              <a:t>現在呢</a:t>
-            </a:r>
-            <a:r>
-              <a:rPr lang="en-US" altLang="zh-TW" dirty="0" smtClean="0"/>
-              <a:t>?</a:t>
-            </a:r>
-            <a:r>
-              <a:rPr lang="zh-TW" altLang="en-US" dirty="0" smtClean="0"/>
-              <a:t> 宅宅工程師</a:t>
-            </a:r>
-            <a:endParaRPr lang="zh-TW" altLang="en-US" dirty="0"/>
+              <a:t>股票</a:t>
+            </a:r>
+            <a:endParaRPr lang="en-US" altLang="zh-TW" dirty="0" smtClean="0"/>
+          </a:p>
+          <a:p>
+            <a:pPr lvl="1"/>
+            <a:r>
+              <a:rPr lang="zh-TW" altLang="en-US" dirty="0"/>
+              <a:t>比特幣</a:t>
+            </a:r>
+            <a:endParaRPr lang="en-US" altLang="zh-TW" dirty="0"/>
           </a:p>
         </p:txBody>
       </p:sp>
     </p:spTree>
     <p:extLst>
       <p:ext uri="{BB962C8B-B14F-4D97-AF65-F5344CB8AC3E}">
-        <p14:creationId xmlns:p14="http://schemas.microsoft.com/office/powerpoint/2010/main" val="4289290115"/>
+        <p14:creationId xmlns:p14="http://schemas.microsoft.com/office/powerpoint/2010/main" val="4009002323"/>
       </p:ext>
     </p:extLst>
   </p:cSld>
@@ -6120,542 +8816,45 @@
       </p:grpSpPr>
       <p:sp>
         <p:nvSpPr>
-          <p:cNvPr id="2" name="標題 1"/>
-          <p:cNvSpPr>
-            <a:spLocks noGrp="1"/>
-          </p:cNvSpPr>
-          <p:nvPr>
-            <p:ph type="title"/>
-          </p:nvPr>
-        </p:nvSpPr>
-        <p:spPr/>
-        <p:txBody>
-          <a:bodyPr>
+          <p:cNvPr id="3" name="內容版面配置區 2"/>
+          <p:cNvSpPr>
+            <a:spLocks noGrp="1"/>
+          </p:cNvSpPr>
+          <p:nvPr>
+            <p:ph idx="1"/>
+          </p:nvPr>
+        </p:nvSpPr>
+        <p:spPr>
+          <a:xfrm>
+            <a:off x="0" y="0"/>
+            <a:ext cx="9144000" cy="6858000"/>
+          </a:xfrm>
+        </p:spPr>
+        <p:txBody>
+          <a:bodyPr anchor="ctr">
             <a:normAutofit/>
           </a:bodyPr>
           <a:lstStyle/>
           <a:p>
-            <a:r>
-              <a:rPr lang="zh-TW" altLang="en-US" dirty="0" smtClean="0"/>
-              <a:t>如何獲得比</a:t>
-            </a:r>
-            <a:r>
-              <a:rPr lang="zh-TW" altLang="en-US" dirty="0"/>
-              <a:t>特</a:t>
-            </a:r>
-            <a:r>
-              <a:rPr lang="zh-TW" altLang="en-US" dirty="0" smtClean="0"/>
-              <a:t>幣</a:t>
-            </a:r>
-            <a:r>
-              <a:rPr lang="en-US" altLang="zh-TW" dirty="0"/>
-              <a:t>?</a:t>
-            </a:r>
-            <a:r>
-              <a:rPr lang="en-US" altLang="zh-TW" dirty="0" smtClean="0"/>
-              <a:t> </a:t>
-            </a:r>
-            <a:endParaRPr lang="zh-TW" altLang="en-US" dirty="0"/>
-          </a:p>
-        </p:txBody>
-      </p:sp>
-      <p:sp>
-        <p:nvSpPr>
-          <p:cNvPr id="3" name="內容版面配置區 2"/>
-          <p:cNvSpPr>
-            <a:spLocks noGrp="1"/>
-          </p:cNvSpPr>
-          <p:nvPr>
-            <p:ph idx="1"/>
-          </p:nvPr>
-        </p:nvSpPr>
-        <p:spPr/>
-        <p:txBody>
-          <a:bodyPr>
-            <a:normAutofit fontScale="85000" lnSpcReduction="20000"/>
-          </a:bodyPr>
-          <a:lstStyle/>
-          <a:p>
-            <a:r>
-              <a:rPr lang="zh-TW" altLang="en-US" dirty="0" smtClean="0"/>
-              <a:t>國內交易平台</a:t>
-            </a:r>
-            <a:endParaRPr lang="en-US" altLang="zh-TW" dirty="0" smtClean="0"/>
-          </a:p>
-          <a:p>
-            <a:pPr lvl="1"/>
-            <a:r>
-              <a:rPr lang="en-US" altLang="zh-TW" dirty="0" err="1" smtClean="0"/>
-              <a:t>Maicoin</a:t>
-            </a:r>
-            <a:r>
-              <a:rPr lang="zh-TW" altLang="en-US" dirty="0" smtClean="0"/>
-              <a:t> </a:t>
-            </a:r>
-            <a:endParaRPr lang="en-US" altLang="zh-TW" dirty="0" smtClean="0"/>
-          </a:p>
-          <a:p>
-            <a:pPr lvl="1"/>
-            <a:r>
-              <a:rPr lang="en-US" altLang="zh-TW" dirty="0" err="1" smtClean="0"/>
-              <a:t>Bitoex</a:t>
-            </a:r>
-            <a:r>
-              <a:rPr lang="en-US" altLang="zh-TW" dirty="0"/>
-              <a:t> </a:t>
-            </a:r>
-            <a:endParaRPr lang="en-US" altLang="zh-TW" dirty="0" smtClean="0"/>
-          </a:p>
-          <a:p>
-            <a:r>
-              <a:rPr lang="zh-TW" altLang="en-US" dirty="0" smtClean="0"/>
-              <a:t>國外交易所</a:t>
-            </a:r>
-            <a:endParaRPr lang="en-US" altLang="zh-TW" dirty="0" smtClean="0"/>
-          </a:p>
-          <a:p>
-            <a:pPr lvl="1"/>
-            <a:r>
-              <a:rPr lang="en-US" altLang="zh-TW" dirty="0" smtClean="0"/>
-              <a:t>CEX.IO</a:t>
-            </a:r>
-            <a:endParaRPr lang="en-US" altLang="zh-TW" dirty="0"/>
-          </a:p>
-          <a:p>
-            <a:pPr lvl="1"/>
-            <a:r>
-              <a:rPr lang="en-US" altLang="zh-TW" dirty="0" err="1" smtClean="0"/>
-              <a:t>Bitfinex</a:t>
-            </a:r>
-            <a:endParaRPr lang="en-US" altLang="zh-TW" dirty="0" smtClean="0"/>
-          </a:p>
-          <a:p>
-            <a:pPr lvl="1"/>
-            <a:r>
-              <a:rPr lang="en-US" altLang="zh-TW" dirty="0" err="1" smtClean="0"/>
-              <a:t>Coinbase</a:t>
-            </a:r>
-            <a:endParaRPr lang="en-US" altLang="zh-TW" dirty="0" smtClean="0"/>
-          </a:p>
-          <a:p>
-            <a:pPr lvl="1"/>
-            <a:r>
-              <a:rPr lang="en-US" altLang="zh-TW" dirty="0" smtClean="0"/>
-              <a:t>OKCOIN</a:t>
-            </a:r>
-            <a:endParaRPr lang="en-US" altLang="zh-TW" dirty="0"/>
-          </a:p>
-          <a:p>
-            <a:r>
-              <a:rPr lang="zh-TW" altLang="en-US" dirty="0" smtClean="0"/>
-              <a:t>挖礦</a:t>
-            </a:r>
-            <a:endParaRPr lang="en-US" altLang="zh-TW" dirty="0" smtClean="0"/>
-          </a:p>
-          <a:p>
-            <a:pPr lvl="1"/>
-            <a:r>
-              <a:rPr lang="zh-TW" altLang="en-US" dirty="0" smtClean="0"/>
-              <a:t>個人</a:t>
-            </a:r>
-            <a:endParaRPr lang="en-US" altLang="zh-TW" dirty="0" smtClean="0"/>
-          </a:p>
-          <a:p>
-            <a:pPr lvl="1"/>
-            <a:r>
-              <a:rPr lang="zh-TW" altLang="en-US" dirty="0" smtClean="0"/>
-              <a:t>礦池</a:t>
-            </a:r>
-            <a:endParaRPr lang="en-US" altLang="zh-TW" dirty="0" smtClean="0"/>
-          </a:p>
-          <a:p>
-            <a:pPr lvl="1"/>
-            <a:endParaRPr lang="en-US" altLang="zh-TW" dirty="0" smtClean="0"/>
-          </a:p>
-        </p:txBody>
-      </p:sp>
-      <p:pic>
-        <p:nvPicPr>
-          <p:cNvPr id="1026" name="Picture 2"/>
-          <p:cNvPicPr>
-            <a:picLocks noChangeAspect="1" noChangeArrowheads="1"/>
-          </p:cNvPicPr>
-          <p:nvPr/>
-        </p:nvPicPr>
-        <p:blipFill>
-          <a:blip r:embed="rId3">
-            <a:extLst>
-              <a:ext uri="{28A0092B-C50C-407E-A947-70E740481C1C}">
-                <a14:useLocalDpi xmlns:a14="http://schemas.microsoft.com/office/drawing/2010/main" val="0"/>
-              </a:ext>
-            </a:extLst>
-          </a:blip>
-          <a:srcRect/>
-          <a:stretch>
-            <a:fillRect/>
-          </a:stretch>
-        </p:blipFill>
-        <p:spPr bwMode="auto">
-          <a:xfrm>
-            <a:off x="4707260" y="1563270"/>
-            <a:ext cx="1704975" cy="552450"/>
-          </a:xfrm>
-          <a:prstGeom prst="rect">
-            <a:avLst/>
-          </a:prstGeom>
-          <a:noFill/>
-          <a:ln>
-            <a:noFill/>
-          </a:ln>
-          <a:extLst>
-            <a:ext uri="{909E8E84-426E-40DD-AFC4-6F175D3DCCD1}">
-              <a14:hiddenFill xmlns:a14="http://schemas.microsoft.com/office/drawing/2010/main">
-                <a:solidFill>
-                  <a:schemeClr val="accent1"/>
-                </a:solidFill>
-              </a14:hiddenFill>
-            </a:ext>
-            <a:ext uri="{91240B29-F687-4F45-9708-019B960494DF}">
-              <a14:hiddenLine xmlns:a14="http://schemas.microsoft.com/office/drawing/2010/main" w="9525">
-                <a:solidFill>
-                  <a:schemeClr val="tx1"/>
-                </a:solidFill>
-                <a:miter lim="800000"/>
-                <a:headEnd/>
-                <a:tailEnd/>
-              </a14:hiddenLine>
-            </a:ext>
-          </a:extLst>
-        </p:spPr>
-      </p:pic>
-      <p:pic>
-        <p:nvPicPr>
-          <p:cNvPr id="1027" name="Picture 3"/>
-          <p:cNvPicPr>
-            <a:picLocks noChangeAspect="1" noChangeArrowheads="1"/>
-          </p:cNvPicPr>
-          <p:nvPr/>
-        </p:nvPicPr>
-        <p:blipFill>
-          <a:blip r:embed="rId4">
-            <a:extLst>
-              <a:ext uri="{28A0092B-C50C-407E-A947-70E740481C1C}">
-                <a14:useLocalDpi xmlns:a14="http://schemas.microsoft.com/office/drawing/2010/main" val="0"/>
-              </a:ext>
-            </a:extLst>
-          </a:blip>
-          <a:srcRect/>
-          <a:stretch>
-            <a:fillRect/>
-          </a:stretch>
-        </p:blipFill>
-        <p:spPr bwMode="auto">
-          <a:xfrm>
-            <a:off x="4707260" y="2211342"/>
-            <a:ext cx="1828800" cy="533400"/>
-          </a:xfrm>
-          <a:prstGeom prst="rect">
-            <a:avLst/>
-          </a:prstGeom>
-          <a:noFill/>
-          <a:ln>
-            <a:noFill/>
-          </a:ln>
-          <a:extLst>
-            <a:ext uri="{909E8E84-426E-40DD-AFC4-6F175D3DCCD1}">
-              <a14:hiddenFill xmlns:a14="http://schemas.microsoft.com/office/drawing/2010/main">
-                <a:solidFill>
-                  <a:schemeClr val="accent1"/>
-                </a:solidFill>
-              </a14:hiddenFill>
-            </a:ext>
-            <a:ext uri="{91240B29-F687-4F45-9708-019B960494DF}">
-              <a14:hiddenLine xmlns:a14="http://schemas.microsoft.com/office/drawing/2010/main" w="9525">
-                <a:solidFill>
-                  <a:schemeClr val="tx1"/>
-                </a:solidFill>
-                <a:miter lim="800000"/>
-                <a:headEnd/>
-                <a:tailEnd/>
-              </a14:hiddenLine>
-            </a:ext>
-          </a:extLst>
-        </p:spPr>
-      </p:pic>
-      <p:pic>
-        <p:nvPicPr>
-          <p:cNvPr id="1028" name="Picture 4"/>
-          <p:cNvPicPr>
-            <a:picLocks noChangeAspect="1" noChangeArrowheads="1"/>
-          </p:cNvPicPr>
-          <p:nvPr/>
-        </p:nvPicPr>
-        <p:blipFill>
-          <a:blip r:embed="rId5">
-            <a:extLst>
-              <a:ext uri="{28A0092B-C50C-407E-A947-70E740481C1C}">
-                <a14:useLocalDpi xmlns:a14="http://schemas.microsoft.com/office/drawing/2010/main" val="0"/>
-              </a:ext>
-            </a:extLst>
-          </a:blip>
-          <a:srcRect/>
-          <a:stretch>
-            <a:fillRect/>
-          </a:stretch>
-        </p:blipFill>
-        <p:spPr bwMode="auto">
-          <a:xfrm>
-            <a:off x="4707260" y="2823228"/>
-            <a:ext cx="1409700" cy="457200"/>
-          </a:xfrm>
-          <a:prstGeom prst="rect">
-            <a:avLst/>
-          </a:prstGeom>
-          <a:noFill/>
-          <a:ln>
-            <a:noFill/>
-          </a:ln>
-          <a:extLst>
-            <a:ext uri="{909E8E84-426E-40DD-AFC4-6F175D3DCCD1}">
-              <a14:hiddenFill xmlns:a14="http://schemas.microsoft.com/office/drawing/2010/main">
-                <a:solidFill>
-                  <a:schemeClr val="accent1"/>
-                </a:solidFill>
-              </a14:hiddenFill>
-            </a:ext>
-            <a:ext uri="{91240B29-F687-4F45-9708-019B960494DF}">
-              <a14:hiddenLine xmlns:a14="http://schemas.microsoft.com/office/drawing/2010/main" w="9525">
-                <a:solidFill>
-                  <a:schemeClr val="tx1"/>
-                </a:solidFill>
-                <a:miter lim="800000"/>
-                <a:headEnd/>
-                <a:tailEnd/>
-              </a14:hiddenLine>
-            </a:ext>
-          </a:extLst>
-        </p:spPr>
-      </p:pic>
-      <p:pic>
-        <p:nvPicPr>
-          <p:cNvPr id="1029" name="Picture 5"/>
-          <p:cNvPicPr>
-            <a:picLocks noChangeAspect="1" noChangeArrowheads="1"/>
-          </p:cNvPicPr>
-          <p:nvPr/>
-        </p:nvPicPr>
-        <p:blipFill>
-          <a:blip r:embed="rId6">
-            <a:extLst>
-              <a:ext uri="{28A0092B-C50C-407E-A947-70E740481C1C}">
-                <a14:useLocalDpi xmlns:a14="http://schemas.microsoft.com/office/drawing/2010/main" val="0"/>
-              </a:ext>
-            </a:extLst>
-          </a:blip>
-          <a:srcRect/>
-          <a:stretch>
-            <a:fillRect/>
-          </a:stretch>
-        </p:blipFill>
-        <p:spPr bwMode="auto">
-          <a:xfrm>
-            <a:off x="4692696" y="3397949"/>
-            <a:ext cx="1670748" cy="240170"/>
-          </a:xfrm>
-          <a:prstGeom prst="rect">
-            <a:avLst/>
-          </a:prstGeom>
-          <a:noFill/>
-          <a:ln>
-            <a:noFill/>
-          </a:ln>
-          <a:extLst>
-            <a:ext uri="{909E8E84-426E-40DD-AFC4-6F175D3DCCD1}">
-              <a14:hiddenFill xmlns:a14="http://schemas.microsoft.com/office/drawing/2010/main">
-                <a:solidFill>
-                  <a:schemeClr val="accent1"/>
-                </a:solidFill>
-              </a14:hiddenFill>
-            </a:ext>
-            <a:ext uri="{91240B29-F687-4F45-9708-019B960494DF}">
-              <a14:hiddenLine xmlns:a14="http://schemas.microsoft.com/office/drawing/2010/main" w="9525">
-                <a:solidFill>
-                  <a:schemeClr val="tx1"/>
-                </a:solidFill>
-                <a:miter lim="800000"/>
-                <a:headEnd/>
-                <a:tailEnd/>
-              </a14:hiddenLine>
-            </a:ext>
-          </a:extLst>
-        </p:spPr>
-      </p:pic>
-      <p:pic>
-        <p:nvPicPr>
-          <p:cNvPr id="1030" name="Picture 6"/>
-          <p:cNvPicPr>
-            <a:picLocks noChangeAspect="1" noChangeArrowheads="1"/>
-          </p:cNvPicPr>
-          <p:nvPr/>
-        </p:nvPicPr>
-        <p:blipFill>
-          <a:blip r:embed="rId7">
-            <a:extLst>
-              <a:ext uri="{28A0092B-C50C-407E-A947-70E740481C1C}">
-                <a14:useLocalDpi xmlns:a14="http://schemas.microsoft.com/office/drawing/2010/main" val="0"/>
-              </a:ext>
-            </a:extLst>
-          </a:blip>
-          <a:srcRect/>
-          <a:stretch>
-            <a:fillRect/>
-          </a:stretch>
-        </p:blipFill>
-        <p:spPr bwMode="auto">
-          <a:xfrm>
-            <a:off x="4692696" y="3785947"/>
-            <a:ext cx="1057275" cy="295275"/>
-          </a:xfrm>
-          <a:prstGeom prst="rect">
-            <a:avLst/>
-          </a:prstGeom>
-          <a:noFill/>
-          <a:ln>
-            <a:noFill/>
-          </a:ln>
-          <a:extLst>
-            <a:ext uri="{909E8E84-426E-40DD-AFC4-6F175D3DCCD1}">
-              <a14:hiddenFill xmlns:a14="http://schemas.microsoft.com/office/drawing/2010/main">
-                <a:solidFill>
-                  <a:schemeClr val="accent1"/>
-                </a:solidFill>
-              </a14:hiddenFill>
-            </a:ext>
-            <a:ext uri="{91240B29-F687-4F45-9708-019B960494DF}">
-              <a14:hiddenLine xmlns:a14="http://schemas.microsoft.com/office/drawing/2010/main" w="9525">
-                <a:solidFill>
-                  <a:schemeClr val="tx1"/>
-                </a:solidFill>
-                <a:miter lim="800000"/>
-                <a:headEnd/>
-                <a:tailEnd/>
-              </a14:hiddenLine>
-            </a:ext>
-          </a:extLst>
-        </p:spPr>
-      </p:pic>
-      <p:pic>
-        <p:nvPicPr>
-          <p:cNvPr id="1031" name="Picture 7"/>
-          <p:cNvPicPr>
-            <a:picLocks noChangeAspect="1" noChangeArrowheads="1"/>
-          </p:cNvPicPr>
-          <p:nvPr/>
-        </p:nvPicPr>
-        <p:blipFill>
-          <a:blip r:embed="rId8">
-            <a:extLst>
-              <a:ext uri="{28A0092B-C50C-407E-A947-70E740481C1C}">
-                <a14:useLocalDpi xmlns:a14="http://schemas.microsoft.com/office/drawing/2010/main" val="0"/>
-              </a:ext>
-            </a:extLst>
-          </a:blip>
-          <a:srcRect/>
-          <a:stretch>
-            <a:fillRect/>
-          </a:stretch>
-        </p:blipFill>
-        <p:spPr bwMode="auto">
-          <a:xfrm>
-            <a:off x="4695600" y="4155558"/>
-            <a:ext cx="1114425" cy="419100"/>
-          </a:xfrm>
-          <a:prstGeom prst="rect">
-            <a:avLst/>
-          </a:prstGeom>
-          <a:noFill/>
-          <a:ln>
-            <a:noFill/>
-          </a:ln>
-          <a:extLst>
-            <a:ext uri="{909E8E84-426E-40DD-AFC4-6F175D3DCCD1}">
-              <a14:hiddenFill xmlns:a14="http://schemas.microsoft.com/office/drawing/2010/main">
-                <a:solidFill>
-                  <a:schemeClr val="accent1"/>
-                </a:solidFill>
-              </a14:hiddenFill>
-            </a:ext>
-            <a:ext uri="{91240B29-F687-4F45-9708-019B960494DF}">
-              <a14:hiddenLine xmlns:a14="http://schemas.microsoft.com/office/drawing/2010/main" w="9525">
-                <a:solidFill>
-                  <a:schemeClr val="tx1"/>
-                </a:solidFill>
-                <a:miter lim="800000"/>
-                <a:headEnd/>
-                <a:tailEnd/>
-              </a14:hiddenLine>
-            </a:ext>
-          </a:extLst>
-        </p:spPr>
-      </p:pic>
-      <p:pic>
-        <p:nvPicPr>
-          <p:cNvPr id="1032" name="Picture 8"/>
-          <p:cNvPicPr>
-            <a:picLocks noChangeAspect="1" noChangeArrowheads="1"/>
-          </p:cNvPicPr>
-          <p:nvPr/>
-        </p:nvPicPr>
-        <p:blipFill>
-          <a:blip r:embed="rId9">
-            <a:extLst>
-              <a:ext uri="{28A0092B-C50C-407E-A947-70E740481C1C}">
-                <a14:useLocalDpi xmlns:a14="http://schemas.microsoft.com/office/drawing/2010/main" val="0"/>
-              </a:ext>
-            </a:extLst>
-          </a:blip>
-          <a:srcRect/>
-          <a:stretch>
-            <a:fillRect/>
-          </a:stretch>
-        </p:blipFill>
-        <p:spPr bwMode="auto">
-          <a:xfrm>
-            <a:off x="4692972" y="4653136"/>
-            <a:ext cx="1733550" cy="438150"/>
-          </a:xfrm>
-          <a:prstGeom prst="rect">
-            <a:avLst/>
-          </a:prstGeom>
-          <a:noFill/>
-          <a:ln>
-            <a:noFill/>
-          </a:ln>
-          <a:extLst>
-            <a:ext uri="{909E8E84-426E-40DD-AFC4-6F175D3DCCD1}">
-              <a14:hiddenFill xmlns:a14="http://schemas.microsoft.com/office/drawing/2010/main">
-                <a:solidFill>
-                  <a:schemeClr val="accent1"/>
-                </a:solidFill>
-              </a14:hiddenFill>
-            </a:ext>
-            <a:ext uri="{91240B29-F687-4F45-9708-019B960494DF}">
-              <a14:hiddenLine xmlns:a14="http://schemas.microsoft.com/office/drawing/2010/main" w="9525">
-                <a:solidFill>
-                  <a:schemeClr val="tx1"/>
-                </a:solidFill>
-                <a:miter lim="800000"/>
-                <a:headEnd/>
-                <a:tailEnd/>
-              </a14:hiddenLine>
-            </a:ext>
-          </a:extLst>
-        </p:spPr>
-      </p:pic>
+            <a:pPr marL="0" indent="0" algn="ctr">
+              <a:buNone/>
+            </a:pPr>
+            <a:r>
+              <a:rPr lang="en-US" altLang="zh-TW" sz="13800" dirty="0" smtClean="0"/>
+              <a:t>3000</a:t>
+            </a:r>
+            <a:r>
+              <a:rPr lang="zh-TW" altLang="en-US" sz="13800" dirty="0" smtClean="0"/>
+              <a:t>美金</a:t>
+            </a:r>
+            <a:endParaRPr lang="zh-TW" altLang="en-US" sz="13800" dirty="0"/>
+          </a:p>
+        </p:txBody>
+      </p:sp>
     </p:spTree>
     <p:extLst>
       <p:ext uri="{BB962C8B-B14F-4D97-AF65-F5344CB8AC3E}">
-        <p14:creationId xmlns:p14="http://schemas.microsoft.com/office/powerpoint/2010/main" val="133360995"/>
+        <p14:creationId xmlns:p14="http://schemas.microsoft.com/office/powerpoint/2010/main" val="3654208699"/>
       </p:ext>
     </p:extLst>
   </p:cSld>
@@ -6689,9 +8888,286 @@
           <a:chExt cx="0" cy="0"/>
         </a:xfrm>
       </p:grpSpPr>
-      <p:sp>
-        <p:nvSpPr>
-          <p:cNvPr id="2" name="標題 1"/>
+      <p:pic>
+        <p:nvPicPr>
+          <p:cNvPr id="5122" name="Picture 2" descr="相關圖片"/>
+          <p:cNvPicPr>
+            <a:picLocks noChangeAspect="1" noChangeArrowheads="1"/>
+          </p:cNvPicPr>
+          <p:nvPr/>
+        </p:nvPicPr>
+        <p:blipFill rotWithShape="1">
+          <a:blip r:embed="rId2" cstate="print">
+            <a:extLst>
+              <a:ext uri="{28A0092B-C50C-407E-A947-70E740481C1C}">
+                <a14:useLocalDpi xmlns:a14="http://schemas.microsoft.com/office/drawing/2010/main" val="0"/>
+              </a:ext>
+            </a:extLst>
+          </a:blip>
+          <a:srcRect t="23221" b="23221"/>
+          <a:stretch/>
+        </p:blipFill>
+        <p:spPr bwMode="auto">
+          <a:xfrm>
+            <a:off x="612576" y="1979816"/>
+            <a:ext cx="3023320" cy="809627"/>
+          </a:xfrm>
+          <a:prstGeom prst="rect">
+            <a:avLst/>
+          </a:prstGeom>
+          <a:noFill/>
+          <a:extLst>
+            <a:ext uri="{909E8E84-426E-40DD-AFC4-6F175D3DCCD1}">
+              <a14:hiddenFill xmlns:a14="http://schemas.microsoft.com/office/drawing/2010/main">
+                <a:solidFill>
+                  <a:srgbClr val="FFFFFF"/>
+                </a:solidFill>
+              </a14:hiddenFill>
+            </a:ext>
+          </a:extLst>
+        </p:spPr>
+      </p:pic>
+      <p:pic>
+        <p:nvPicPr>
+          <p:cNvPr id="5124" name="Picture 4" descr="「台灣銀行」的圖片搜尋結果"/>
+          <p:cNvPicPr>
+            <a:picLocks noChangeAspect="1" noChangeArrowheads="1"/>
+          </p:cNvPicPr>
+          <p:nvPr/>
+        </p:nvPicPr>
+        <p:blipFill>
+          <a:blip r:embed="rId3">
+            <a:extLst>
+              <a:ext uri="{28A0092B-C50C-407E-A947-70E740481C1C}">
+                <a14:useLocalDpi xmlns:a14="http://schemas.microsoft.com/office/drawing/2010/main" val="0"/>
+              </a:ext>
+            </a:extLst>
+          </a:blip>
+          <a:srcRect/>
+          <a:stretch>
+            <a:fillRect/>
+          </a:stretch>
+        </p:blipFill>
+        <p:spPr bwMode="auto">
+          <a:xfrm>
+            <a:off x="5004048" y="1979817"/>
+            <a:ext cx="3267075" cy="809626"/>
+          </a:xfrm>
+          <a:prstGeom prst="rect">
+            <a:avLst/>
+          </a:prstGeom>
+          <a:noFill/>
+          <a:extLst>
+            <a:ext uri="{909E8E84-426E-40DD-AFC4-6F175D3DCCD1}">
+              <a14:hiddenFill xmlns:a14="http://schemas.microsoft.com/office/drawing/2010/main">
+                <a:solidFill>
+                  <a:srgbClr val="FFFFFF"/>
+                </a:solidFill>
+              </a14:hiddenFill>
+            </a:ext>
+          </a:extLst>
+        </p:spPr>
+      </p:pic>
+      <p:sp>
+        <p:nvSpPr>
+          <p:cNvPr id="4" name="AutoShape 6" descr="「BENZ E250」的圖片搜尋結果"/>
+          <p:cNvSpPr>
+            <a:spLocks noChangeAspect="1" noChangeArrowheads="1"/>
+          </p:cNvSpPr>
+          <p:nvPr/>
+        </p:nvSpPr>
+        <p:spPr bwMode="auto">
+          <a:xfrm>
+            <a:off x="155575" y="-144463"/>
+            <a:ext cx="304800" cy="304801"/>
+          </a:xfrm>
+          <a:prstGeom prst="rect">
+            <a:avLst/>
+          </a:prstGeom>
+          <a:noFill/>
+          <a:extLst>
+            <a:ext uri="{909E8E84-426E-40DD-AFC4-6F175D3DCCD1}">
+              <a14:hiddenFill xmlns:a14="http://schemas.microsoft.com/office/drawing/2010/main">
+                <a:solidFill>
+                  <a:srgbClr val="FFFFFF"/>
+                </a:solidFill>
+              </a14:hiddenFill>
+            </a:ext>
+          </a:extLst>
+        </p:spPr>
+        <p:txBody>
+          <a:bodyPr vert="horz" wrap="square" lIns="91440" tIns="45720" rIns="91440" bIns="45720" numCol="1" anchor="t" anchorCtr="0" compatLnSpc="1">
+            <a:prstTxWarp prst="textNoShape">
+              <a:avLst/>
+            </a:prstTxWarp>
+          </a:bodyPr>
+          <a:lstStyle/>
+          <a:p>
+            <a:endParaRPr lang="zh-TW" altLang="en-US"/>
+          </a:p>
+        </p:txBody>
+      </p:sp>
+      <p:sp>
+        <p:nvSpPr>
+          <p:cNvPr id="5" name="AutoShape 8" descr="「BENZ E250」的圖片搜尋結果"/>
+          <p:cNvSpPr>
+            <a:spLocks noChangeAspect="1" noChangeArrowheads="1"/>
+          </p:cNvSpPr>
+          <p:nvPr/>
+        </p:nvSpPr>
+        <p:spPr bwMode="auto">
+          <a:xfrm>
+            <a:off x="307975" y="7937"/>
+            <a:ext cx="304800" cy="304801"/>
+          </a:xfrm>
+          <a:prstGeom prst="rect">
+            <a:avLst/>
+          </a:prstGeom>
+          <a:noFill/>
+          <a:extLst>
+            <a:ext uri="{909E8E84-426E-40DD-AFC4-6F175D3DCCD1}">
+              <a14:hiddenFill xmlns:a14="http://schemas.microsoft.com/office/drawing/2010/main">
+                <a:solidFill>
+                  <a:srgbClr val="FFFFFF"/>
+                </a:solidFill>
+              </a14:hiddenFill>
+            </a:ext>
+          </a:extLst>
+        </p:spPr>
+        <p:txBody>
+          <a:bodyPr vert="horz" wrap="square" lIns="91440" tIns="45720" rIns="91440" bIns="45720" numCol="1" anchor="t" anchorCtr="0" compatLnSpc="1">
+            <a:prstTxWarp prst="textNoShape">
+              <a:avLst/>
+            </a:prstTxWarp>
+          </a:bodyPr>
+          <a:lstStyle/>
+          <a:p>
+            <a:endParaRPr lang="zh-TW" altLang="en-US"/>
+          </a:p>
+        </p:txBody>
+      </p:sp>
+      <p:sp>
+        <p:nvSpPr>
+          <p:cNvPr id="6" name="AutoShape 10" descr="「BENZ E250」的圖片搜尋結果"/>
+          <p:cNvSpPr>
+            <a:spLocks noChangeAspect="1" noChangeArrowheads="1"/>
+          </p:cNvSpPr>
+          <p:nvPr/>
+        </p:nvSpPr>
+        <p:spPr bwMode="auto">
+          <a:xfrm>
+            <a:off x="460375" y="160337"/>
+            <a:ext cx="304800" cy="304801"/>
+          </a:xfrm>
+          <a:prstGeom prst="rect">
+            <a:avLst/>
+          </a:prstGeom>
+          <a:noFill/>
+          <a:extLst>
+            <a:ext uri="{909E8E84-426E-40DD-AFC4-6F175D3DCCD1}">
+              <a14:hiddenFill xmlns:a14="http://schemas.microsoft.com/office/drawing/2010/main">
+                <a:solidFill>
+                  <a:srgbClr val="FFFFFF"/>
+                </a:solidFill>
+              </a14:hiddenFill>
+            </a:ext>
+          </a:extLst>
+        </p:spPr>
+        <p:txBody>
+          <a:bodyPr vert="horz" wrap="square" lIns="91440" tIns="45720" rIns="91440" bIns="45720" numCol="1" anchor="t" anchorCtr="0" compatLnSpc="1">
+            <a:prstTxWarp prst="textNoShape">
+              <a:avLst/>
+            </a:prstTxWarp>
+          </a:bodyPr>
+          <a:lstStyle/>
+          <a:p>
+            <a:endParaRPr lang="zh-TW" altLang="en-US"/>
+          </a:p>
+        </p:txBody>
+      </p:sp>
+      <p:sp>
+        <p:nvSpPr>
+          <p:cNvPr id="7" name="AutoShape 12" descr="https://res.cloudinary.com/carsguide/image/upload/f_auto,fl_lossy,q_auto,t_default/v1/editorial/dp/images/uploads/mercedes-benz-E250-CGI-Coupe-w.jpg"/>
+          <p:cNvSpPr>
+            <a:spLocks noChangeAspect="1" noChangeArrowheads="1"/>
+          </p:cNvSpPr>
+          <p:nvPr/>
+        </p:nvSpPr>
+        <p:spPr bwMode="auto">
+          <a:xfrm>
+            <a:off x="612775" y="312737"/>
+            <a:ext cx="304800" cy="304801"/>
+          </a:xfrm>
+          <a:prstGeom prst="rect">
+            <a:avLst/>
+          </a:prstGeom>
+          <a:noFill/>
+          <a:extLst>
+            <a:ext uri="{909E8E84-426E-40DD-AFC4-6F175D3DCCD1}">
+              <a14:hiddenFill xmlns:a14="http://schemas.microsoft.com/office/drawing/2010/main">
+                <a:solidFill>
+                  <a:srgbClr val="FFFFFF"/>
+                </a:solidFill>
+              </a14:hiddenFill>
+            </a:ext>
+          </a:extLst>
+        </p:spPr>
+        <p:txBody>
+          <a:bodyPr vert="horz" wrap="square" lIns="91440" tIns="45720" rIns="91440" bIns="45720" numCol="1" anchor="t" anchorCtr="0" compatLnSpc="1">
+            <a:prstTxWarp prst="textNoShape">
+              <a:avLst/>
+            </a:prstTxWarp>
+          </a:bodyPr>
+          <a:lstStyle/>
+          <a:p>
+            <a:endParaRPr lang="zh-TW" altLang="en-US"/>
+          </a:p>
+        </p:txBody>
+      </p:sp>
+      <p:pic>
+        <p:nvPicPr>
+          <p:cNvPr id="5136" name="Picture 16" descr="「ubike」的圖片搜尋結果"/>
+          <p:cNvPicPr>
+            <a:picLocks noChangeAspect="1" noChangeArrowheads="1"/>
+          </p:cNvPicPr>
+          <p:nvPr/>
+        </p:nvPicPr>
+        <p:blipFill>
+          <a:blip r:embed="rId4">
+            <a:extLst>
+              <a:ext uri="{28A0092B-C50C-407E-A947-70E740481C1C}">
+                <a14:useLocalDpi xmlns:a14="http://schemas.microsoft.com/office/drawing/2010/main" val="0"/>
+              </a:ext>
+            </a:extLst>
+          </a:blip>
+          <a:srcRect/>
+          <a:stretch>
+            <a:fillRect/>
+          </a:stretch>
+        </p:blipFill>
+        <p:spPr bwMode="auto">
+          <a:xfrm>
+            <a:off x="5069383" y="3071242"/>
+            <a:ext cx="3391049" cy="2165019"/>
+          </a:xfrm>
+          <a:prstGeom prst="rect">
+            <a:avLst/>
+          </a:prstGeom>
+          <a:noFill/>
+          <a:extLst>
+            <a:ext uri="{909E8E84-426E-40DD-AFC4-6F175D3DCCD1}">
+              <a14:hiddenFill xmlns:a14="http://schemas.microsoft.com/office/drawing/2010/main">
+                <a:solidFill>
+                  <a:srgbClr val="FFFFFF"/>
+                </a:solidFill>
+              </a14:hiddenFill>
+            </a:ext>
+          </a:extLst>
+        </p:spPr>
+      </p:pic>
+      <p:sp>
+        <p:nvSpPr>
+          <p:cNvPr id="9" name="標題 8"/>
           <p:cNvSpPr>
             <a:spLocks noGrp="1"/>
           </p:cNvSpPr>
@@ -6706,50 +9182,192 @@
           <a:p>
             <a:r>
               <a:rPr lang="zh-TW" altLang="en-US" dirty="0" smtClean="0"/>
-              <a:t>自己的錢，自己賺</a:t>
-            </a:r>
-            <a:endParaRPr lang="zh-TW" altLang="en-US" dirty="0"/>
-          </a:p>
-        </p:txBody>
-      </p:sp>
-      <p:sp>
-        <p:nvSpPr>
-          <p:cNvPr id="3" name="內容版面配置區 2"/>
-          <p:cNvSpPr>
-            <a:spLocks noGrp="1"/>
-          </p:cNvSpPr>
-          <p:nvPr>
-            <p:ph idx="1"/>
-          </p:nvPr>
-        </p:nvSpPr>
-        <p:spPr/>
-        <p:txBody>
-          <a:bodyPr anchor="ctr"/>
-          <a:lstStyle/>
-          <a:p>
-            <a:pPr marL="0" indent="0" algn="ctr">
-              <a:buNone/>
-            </a:pPr>
-            <a:r>
-              <a:rPr lang="zh-TW" altLang="en-US" dirty="0"/>
-              <a:t>於是</a:t>
-            </a:r>
-            <a:r>
-              <a:rPr lang="zh-TW" altLang="en-US" dirty="0" smtClean="0"/>
-              <a:t>，我想成為礦工的一員</a:t>
+              <a:t>獲利檢視</a:t>
             </a:r>
             <a:r>
               <a:rPr lang="en-US" altLang="zh-TW" dirty="0" smtClean="0"/>
               <a:t>…</a:t>
             </a:r>
             <a:endParaRPr lang="zh-TW" altLang="en-US" dirty="0"/>
+          </a:p>
+        </p:txBody>
+      </p:sp>
+      <p:grpSp>
+        <p:nvGrpSpPr>
+          <p:cNvPr id="12" name="群組 11"/>
+          <p:cNvGrpSpPr/>
+          <p:nvPr/>
+        </p:nvGrpSpPr>
+        <p:grpSpPr>
+          <a:xfrm>
+            <a:off x="307975" y="3071242"/>
+            <a:ext cx="3471937" cy="2600647"/>
+            <a:chOff x="307975" y="3071242"/>
+            <a:chExt cx="3471937" cy="2600647"/>
+          </a:xfrm>
+        </p:grpSpPr>
+        <p:pic>
+          <p:nvPicPr>
+            <p:cNvPr id="5134" name="Picture 14" descr="「BENZ E250」的圖片搜尋結果"/>
+            <p:cNvPicPr>
+              <a:picLocks noChangeAspect="1" noChangeArrowheads="1"/>
+            </p:cNvPicPr>
+            <p:nvPr/>
+          </p:nvPicPr>
+          <p:blipFill>
+            <a:blip r:embed="rId5" cstate="print">
+              <a:extLst>
+                <a:ext uri="{28A0092B-C50C-407E-A947-70E740481C1C}">
+                  <a14:useLocalDpi xmlns:a14="http://schemas.microsoft.com/office/drawing/2010/main" val="0"/>
+                </a:ext>
+              </a:extLst>
+            </a:blip>
+            <a:srcRect/>
+            <a:stretch>
+              <a:fillRect/>
+            </a:stretch>
+          </p:blipFill>
+          <p:spPr bwMode="auto">
+            <a:xfrm>
+              <a:off x="460375" y="3071242"/>
+              <a:ext cx="3247529" cy="2165019"/>
+            </a:xfrm>
+            <a:prstGeom prst="rect">
+              <a:avLst/>
+            </a:prstGeom>
+            <a:noFill/>
+            <a:extLst>
+              <a:ext uri="{909E8E84-426E-40DD-AFC4-6F175D3DCCD1}">
+                <a14:hiddenFill xmlns:a14="http://schemas.microsoft.com/office/drawing/2010/main">
+                  <a:solidFill>
+                    <a:srgbClr val="FFFFFF"/>
+                  </a:solidFill>
+                </a14:hiddenFill>
+              </a:ext>
+            </a:extLst>
+          </p:spPr>
+        </p:pic>
+        <p:sp>
+          <p:nvSpPr>
+            <p:cNvPr id="11" name="文字方塊 10"/>
+            <p:cNvSpPr txBox="1"/>
+            <p:nvPr/>
+          </p:nvSpPr>
+          <p:spPr>
+            <a:xfrm>
+              <a:off x="307975" y="5302557"/>
+              <a:ext cx="3471937" cy="369332"/>
+            </a:xfrm>
+            <a:prstGeom prst="rect">
+              <a:avLst/>
+            </a:prstGeom>
+            <a:noFill/>
+          </p:spPr>
+          <p:txBody>
+            <a:bodyPr wrap="square" rtlCol="0">
+              <a:spAutoFit/>
+            </a:bodyPr>
+            <a:lstStyle/>
+            <a:p>
+              <a:pPr algn="ctr"/>
+              <a:r>
+                <a:rPr lang="en-US" altLang="zh-TW" dirty="0" smtClean="0"/>
+                <a:t>BENZ e250</a:t>
+              </a:r>
+              <a:r>
+                <a:rPr lang="zh-TW" altLang="en-US" dirty="0" smtClean="0"/>
+                <a:t>價值</a:t>
+              </a:r>
+              <a:r>
+                <a:rPr lang="en-US" altLang="zh-TW" dirty="0" smtClean="0"/>
+                <a:t>300</a:t>
+              </a:r>
+              <a:r>
+                <a:rPr lang="zh-TW" altLang="en-US" dirty="0" smtClean="0"/>
+                <a:t>萬元新台幣</a:t>
+              </a:r>
+              <a:endParaRPr lang="zh-TW" altLang="en-US" dirty="0"/>
+            </a:p>
+          </p:txBody>
+        </p:sp>
+      </p:grpSp>
+      <p:sp>
+        <p:nvSpPr>
+          <p:cNvPr id="17" name="文字方塊 16"/>
+          <p:cNvSpPr txBox="1"/>
+          <p:nvPr/>
+        </p:nvSpPr>
+        <p:spPr>
+          <a:xfrm>
+            <a:off x="5069383" y="5302557"/>
+            <a:ext cx="3391049" cy="369332"/>
+          </a:xfrm>
+          <a:prstGeom prst="rect">
+            <a:avLst/>
+          </a:prstGeom>
+          <a:noFill/>
+        </p:spPr>
+        <p:txBody>
+          <a:bodyPr wrap="square" rtlCol="0">
+            <a:spAutoFit/>
+          </a:bodyPr>
+          <a:lstStyle/>
+          <a:p>
+            <a:pPr algn="ctr"/>
+            <a:r>
+              <a:rPr lang="en-US" altLang="zh-TW" dirty="0" err="1" smtClean="0"/>
+              <a:t>Ubike</a:t>
+            </a:r>
+            <a:r>
+              <a:rPr lang="zh-TW" altLang="en-US" dirty="0" smtClean="0"/>
+              <a:t>價值</a:t>
+            </a:r>
+            <a:r>
+              <a:rPr lang="en-US" altLang="zh-TW" dirty="0"/>
+              <a:t>1</a:t>
+            </a:r>
+            <a:r>
+              <a:rPr lang="zh-TW" altLang="en-US" dirty="0" smtClean="0"/>
+              <a:t>萬元新台幣</a:t>
+            </a:r>
+            <a:endParaRPr lang="zh-TW" altLang="en-US" dirty="0"/>
+          </a:p>
+        </p:txBody>
+      </p:sp>
+      <p:sp>
+        <p:nvSpPr>
+          <p:cNvPr id="13" name="文字方塊 12"/>
+          <p:cNvSpPr txBox="1"/>
+          <p:nvPr/>
+        </p:nvSpPr>
+        <p:spPr>
+          <a:xfrm>
+            <a:off x="6497122" y="6599862"/>
+            <a:ext cx="2646878" cy="276999"/>
+          </a:xfrm>
+          <a:prstGeom prst="rect">
+            <a:avLst/>
+          </a:prstGeom>
+          <a:noFill/>
+        </p:spPr>
+        <p:txBody>
+          <a:bodyPr wrap="none" rtlCol="0">
+            <a:spAutoFit/>
+          </a:bodyPr>
+          <a:lstStyle/>
+          <a:p>
+            <a:r>
+              <a:rPr lang="zh-TW" altLang="en-US" sz="1200" dirty="0" smtClean="0"/>
+              <a:t>此為扣除成本後所能購買之商品標的</a:t>
+            </a:r>
+            <a:endParaRPr lang="zh-TW" altLang="en-US" sz="1200" dirty="0"/>
           </a:p>
         </p:txBody>
       </p:sp>
     </p:spTree>
     <p:extLst>
       <p:ext uri="{BB962C8B-B14F-4D97-AF65-F5344CB8AC3E}">
-        <p14:creationId xmlns:p14="http://schemas.microsoft.com/office/powerpoint/2010/main" val="3795940635"/>
+        <p14:creationId xmlns:p14="http://schemas.microsoft.com/office/powerpoint/2010/main" val="2565633605"/>
       </p:ext>
     </p:extLst>
   </p:cSld>
@@ -6785,7 +9403,7 @@
       </p:grpSpPr>
       <p:pic>
         <p:nvPicPr>
-          <p:cNvPr id="2050" name="Picture 2"/>
+          <p:cNvPr id="6146" name="Picture 2" descr="相關圖片"/>
           <p:cNvPicPr>
             <a:picLocks noChangeAspect="1" noChangeArrowheads="1"/>
           </p:cNvPicPr>
@@ -6806,146 +9424,501 @@
         </p:blipFill>
         <p:spPr bwMode="auto">
           <a:xfrm>
-            <a:off x="1390650" y="590550"/>
-            <a:ext cx="6362700" cy="5676900"/>
+            <a:off x="1547664" y="1700808"/>
+            <a:ext cx="5981700" cy="3429001"/>
           </a:xfrm>
           <a:prstGeom prst="rect">
             <a:avLst/>
           </a:prstGeom>
           <a:noFill/>
-          <a:ln>
-            <a:noFill/>
-          </a:ln>
           <a:extLst>
             <a:ext uri="{909E8E84-426E-40DD-AFC4-6F175D3DCCD1}">
               <a14:hiddenFill xmlns:a14="http://schemas.microsoft.com/office/drawing/2010/main">
                 <a:solidFill>
-                  <a:schemeClr val="accent1"/>
+                  <a:srgbClr val="FFFFFF"/>
                 </a:solidFill>
               </a14:hiddenFill>
-            </a:ext>
-            <a:ext uri="{91240B29-F687-4F45-9708-019B960494DF}">
-              <a14:hiddenLine xmlns:a14="http://schemas.microsoft.com/office/drawing/2010/main" w="9525">
-                <a:solidFill>
-                  <a:schemeClr val="tx1"/>
-                </a:solidFill>
-                <a:miter lim="800000"/>
-                <a:headEnd/>
-                <a:tailEnd/>
-              </a14:hiddenLine>
             </a:ext>
           </a:extLst>
         </p:spPr>
       </p:pic>
-      <p:grpSp>
-        <p:nvGrpSpPr>
-          <p:cNvPr id="7" name="群組 6"/>
-          <p:cNvGrpSpPr/>
-          <p:nvPr/>
-        </p:nvGrpSpPr>
-        <p:grpSpPr>
+      <p:sp>
+        <p:nvSpPr>
+          <p:cNvPr id="5" name="標題 8"/>
+          <p:cNvSpPr>
+            <a:spLocks noGrp="1"/>
+          </p:cNvSpPr>
+          <p:nvPr>
+            <p:ph type="title"/>
+          </p:nvPr>
+        </p:nvSpPr>
+        <p:spPr>
           <a:xfrm>
-            <a:off x="3542490" y="1916832"/>
-            <a:ext cx="2954655" cy="2664296"/>
-            <a:chOff x="3542490" y="1916832"/>
-            <a:chExt cx="2954655" cy="2664296"/>
+            <a:off x="457200" y="274638"/>
+            <a:ext cx="8229600" cy="1143000"/>
           </a:xfrm>
-        </p:grpSpPr>
-        <p:sp>
-          <p:nvSpPr>
-            <p:cNvPr id="5" name="文字方塊 4"/>
-            <p:cNvSpPr txBox="1"/>
-            <p:nvPr/>
-          </p:nvSpPr>
-          <p:spPr>
-            <a:xfrm rot="5400000">
-              <a:off x="4152434" y="1999387"/>
-              <a:ext cx="1734770" cy="1569660"/>
-            </a:xfrm>
-            <a:prstGeom prst="rect">
-              <a:avLst/>
-            </a:prstGeom>
-            <a:noFill/>
-          </p:spPr>
-          <p:txBody>
-            <a:bodyPr wrap="none" rtlCol="0">
-              <a:spAutoFit/>
-            </a:bodyPr>
-            <a:lstStyle/>
-            <a:p>
-              <a:r>
-                <a:rPr lang="en-US" altLang="zh-TW" sz="9600" dirty="0" smtClean="0">
-                  <a:solidFill>
-                    <a:srgbClr val="FF0000"/>
-                  </a:solidFill>
-                </a:rPr>
-                <a:t>XD</a:t>
-              </a:r>
-              <a:endParaRPr lang="zh-TW" altLang="en-US" sz="9600" dirty="0">
-                <a:solidFill>
-                  <a:srgbClr val="FF0000"/>
-                </a:solidFill>
-              </a:endParaRPr>
-            </a:p>
-          </p:txBody>
-        </p:sp>
-        <p:sp>
-          <p:nvSpPr>
-            <p:cNvPr id="6" name="文字方塊 5"/>
-            <p:cNvSpPr txBox="1"/>
-            <p:nvPr/>
-          </p:nvSpPr>
-          <p:spPr>
-            <a:xfrm>
-              <a:off x="3542490" y="3657798"/>
-              <a:ext cx="2954655" cy="923330"/>
-            </a:xfrm>
-            <a:prstGeom prst="rect">
-              <a:avLst/>
-            </a:prstGeom>
-            <a:noFill/>
-          </p:spPr>
-          <p:txBody>
-            <a:bodyPr wrap="none" rtlCol="0">
-              <a:spAutoFit/>
-            </a:bodyPr>
-            <a:lstStyle/>
-            <a:p>
-              <a:r>
-                <a:rPr lang="zh-TW" altLang="en-US" sz="5400" dirty="0">
-                  <a:solidFill>
-                    <a:srgbClr val="FF0000"/>
-                  </a:solidFill>
-                </a:rPr>
-                <a:t>走</a:t>
-              </a:r>
-              <a:r>
-                <a:rPr lang="zh-TW" altLang="en-US" sz="5400" dirty="0" smtClean="0">
-                  <a:solidFill>
-                    <a:srgbClr val="FF0000"/>
-                  </a:solidFill>
-                </a:rPr>
-                <a:t>錯棚了</a:t>
-              </a:r>
-              <a:endParaRPr lang="zh-TW" altLang="en-US" sz="5400" dirty="0">
-                <a:solidFill>
-                  <a:srgbClr val="FF0000"/>
-                </a:solidFill>
-              </a:endParaRPr>
-            </a:p>
-          </p:txBody>
-        </p:sp>
-      </p:grpSp>
+        </p:spPr>
+        <p:txBody>
+          <a:bodyPr/>
+          <a:lstStyle/>
+          <a:p>
+            <a:r>
+              <a:rPr lang="en-US" altLang="zh-TW" dirty="0" smtClean="0"/>
+              <a:t>What the fuck?</a:t>
+            </a:r>
+            <a:endParaRPr lang="zh-TW" altLang="en-US" dirty="0"/>
+          </a:p>
+        </p:txBody>
+      </p:sp>
     </p:spTree>
     <p:extLst>
       <p:ext uri="{BB962C8B-B14F-4D97-AF65-F5344CB8AC3E}">
-        <p14:creationId xmlns:p14="http://schemas.microsoft.com/office/powerpoint/2010/main" val="3548273032"/>
+        <p14:creationId xmlns:p14="http://schemas.microsoft.com/office/powerpoint/2010/main" val="694815504"/>
       </p:ext>
     </p:extLst>
   </p:cSld>
   <p:clrMapOvr>
     <a:masterClrMapping/>
   </p:clrMapOvr>
+  <p:timing>
+    <p:tnLst>
+      <p:par>
+        <p:cTn id="1" dur="indefinite" restart="never" nodeType="tmRoot"/>
+      </p:par>
+    </p:tnLst>
+  </p:timing>
+</p:sld>
+</file>
+
+<file path=ppt/slides/slide8.xml><?xml version="1.0" encoding="utf-8"?>
+<p:sld xmlns:a="http://schemas.openxmlformats.org/drawingml/2006/main" xmlns:r="http://schemas.openxmlformats.org/officeDocument/2006/relationships" xmlns:p="http://schemas.openxmlformats.org/presentationml/2006/main">
+  <p:cSld>
+    <p:spTree>
+      <p:nvGrpSpPr>
+        <p:cNvPr id="1" name=""/>
+        <p:cNvGrpSpPr/>
+        <p:nvPr/>
+      </p:nvGrpSpPr>
+      <p:grpSpPr>
+        <a:xfrm>
+          <a:off x="0" y="0"/>
+          <a:ext cx="0" cy="0"/>
+          <a:chOff x="0" y="0"/>
+          <a:chExt cx="0" cy="0"/>
+        </a:xfrm>
+      </p:grpSpPr>
+      <p:sp>
+        <p:nvSpPr>
+          <p:cNvPr id="8" name="標題 7"/>
+          <p:cNvSpPr>
+            <a:spLocks noGrp="1"/>
+          </p:cNvSpPr>
+          <p:nvPr>
+            <p:ph type="title"/>
+          </p:nvPr>
+        </p:nvSpPr>
+        <p:spPr/>
+        <p:txBody>
+          <a:bodyPr>
+            <a:normAutofit/>
+          </a:bodyPr>
+          <a:lstStyle/>
+          <a:p>
+            <a:r>
+              <a:rPr lang="en-US" altLang="zh-TW" dirty="0"/>
+              <a:t>Bitcoin </a:t>
+            </a:r>
+            <a:r>
+              <a:rPr lang="zh-TW" altLang="en-US" dirty="0"/>
+              <a:t>與定存獲利</a:t>
+            </a:r>
+            <a:r>
+              <a:rPr lang="zh-TW" altLang="en-US" dirty="0" smtClean="0"/>
+              <a:t>比較</a:t>
+            </a:r>
+            <a:endParaRPr lang="zh-TW" altLang="en-US" dirty="0"/>
+          </a:p>
+        </p:txBody>
+      </p:sp>
+      <p:graphicFrame>
+        <p:nvGraphicFramePr>
+          <p:cNvPr id="4" name="內容版面配置區 3"/>
+          <p:cNvGraphicFramePr>
+            <a:graphicFrameLocks noGrp="1"/>
+          </p:cNvGraphicFramePr>
+          <p:nvPr>
+            <p:ph idx="1"/>
+            <p:extLst>
+              <p:ext uri="{D42A27DB-BD31-4B8C-83A1-F6EECF244321}">
+                <p14:modId xmlns:p14="http://schemas.microsoft.com/office/powerpoint/2010/main" val="3796548583"/>
+              </p:ext>
+            </p:extLst>
+          </p:nvPr>
+        </p:nvGraphicFramePr>
+        <p:xfrm>
+          <a:off x="457200" y="1600200"/>
+          <a:ext cx="8229600" cy="4525963"/>
+        </p:xfrm>
+        <a:graphic>
+          <a:graphicData uri="http://schemas.openxmlformats.org/drawingml/2006/chart">
+            <c:chart xmlns:c="http://schemas.openxmlformats.org/drawingml/2006/chart" xmlns:r="http://schemas.openxmlformats.org/officeDocument/2006/relationships" r:id="rId2"/>
+          </a:graphicData>
+        </a:graphic>
+      </p:graphicFrame>
+      <p:sp>
+        <p:nvSpPr>
+          <p:cNvPr id="6" name="矩形 5"/>
+          <p:cNvSpPr/>
+          <p:nvPr/>
+        </p:nvSpPr>
+        <p:spPr>
+          <a:xfrm>
+            <a:off x="5257091" y="6396335"/>
+            <a:ext cx="3878947" cy="461665"/>
+          </a:xfrm>
+          <a:prstGeom prst="rect">
+            <a:avLst/>
+          </a:prstGeom>
+        </p:spPr>
+        <p:txBody>
+          <a:bodyPr wrap="none">
+            <a:spAutoFit/>
+          </a:bodyPr>
+          <a:lstStyle/>
+          <a:p>
+            <a:r>
+              <a:rPr lang="zh-TW" altLang="en-US" sz="1200" dirty="0" smtClean="0"/>
+              <a:t>台幣定存利率</a:t>
+            </a:r>
+            <a:r>
+              <a:rPr lang="en-US" altLang="zh-TW" sz="1200" dirty="0" smtClean="0"/>
+              <a:t>:</a:t>
+            </a:r>
+            <a:r>
+              <a:rPr lang="zh-TW" altLang="en-US" sz="1200" dirty="0" smtClean="0"/>
+              <a:t> </a:t>
+            </a:r>
+            <a:r>
+              <a:rPr lang="en-US" altLang="zh-TW" sz="1200" dirty="0" smtClean="0">
+                <a:hlinkClick r:id="rId3"/>
+              </a:rPr>
+              <a:t>http</a:t>
+            </a:r>
+            <a:r>
+              <a:rPr lang="en-US" altLang="zh-TW" sz="1200" dirty="0">
+                <a:hlinkClick r:id="rId3"/>
+              </a:rPr>
+              <a:t>://</a:t>
+            </a:r>
+            <a:r>
+              <a:rPr lang="en-US" altLang="zh-TW" sz="1200" dirty="0" smtClean="0">
+                <a:hlinkClick r:id="rId3"/>
+              </a:rPr>
+              <a:t>rate.bot.com.tw/twd/2014-01-01</a:t>
+            </a:r>
+            <a:endParaRPr lang="en-US" altLang="zh-TW" sz="1200" dirty="0" smtClean="0"/>
+          </a:p>
+          <a:p>
+            <a:r>
+              <a:rPr lang="zh-TW" altLang="en-US" sz="1200" dirty="0" smtClean="0"/>
+              <a:t>比特幣牌價參考</a:t>
+            </a:r>
+            <a:r>
+              <a:rPr lang="en-US" altLang="zh-TW" sz="1200" dirty="0" smtClean="0"/>
+              <a:t>:</a:t>
+            </a:r>
+            <a:r>
+              <a:rPr lang="zh-TW" altLang="en-US" sz="1200" dirty="0" smtClean="0"/>
+              <a:t> </a:t>
+            </a:r>
+            <a:r>
+              <a:rPr lang="en-US" altLang="zh-TW" sz="1200" dirty="0">
+                <a:hlinkClick r:id="rId4"/>
+              </a:rPr>
+              <a:t>https://tradeblock.com</a:t>
+            </a:r>
+            <a:r>
+              <a:rPr lang="en-US" altLang="zh-TW" sz="1200" dirty="0" smtClean="0">
+                <a:hlinkClick r:id="rId4"/>
+              </a:rPr>
+              <a:t>/</a:t>
+            </a:r>
+            <a:endParaRPr lang="en-US" altLang="zh-TW" sz="1200" dirty="0" smtClean="0"/>
+          </a:p>
+        </p:txBody>
+      </p:sp>
+    </p:spTree>
+    <p:extLst>
+      <p:ext uri="{BB962C8B-B14F-4D97-AF65-F5344CB8AC3E}">
+        <p14:creationId xmlns:p14="http://schemas.microsoft.com/office/powerpoint/2010/main" val="1837874031"/>
+      </p:ext>
+    </p:extLst>
+  </p:cSld>
+  <p:clrMapOvr>
+    <a:masterClrMapping/>
+  </p:clrMapOvr>
+  <p:timing>
+    <p:tnLst>
+      <p:par>
+        <p:cTn id="1" dur="indefinite" restart="never" nodeType="tmRoot"/>
+      </p:par>
+    </p:tnLst>
+  </p:timing>
+</p:sld>
+</file>
+
+<file path=ppt/slides/slide9.xml><?xml version="1.0" encoding="utf-8"?>
+<p:sld xmlns:a="http://schemas.openxmlformats.org/drawingml/2006/main" xmlns:r="http://schemas.openxmlformats.org/officeDocument/2006/relationships" xmlns:p="http://schemas.openxmlformats.org/presentationml/2006/main" show="0">
+  <p:cSld>
+    <p:spTree>
+      <p:nvGrpSpPr>
+        <p:cNvPr id="1" name=""/>
+        <p:cNvGrpSpPr/>
+        <p:nvPr/>
+      </p:nvGrpSpPr>
+      <p:grpSpPr>
+        <a:xfrm>
+          <a:off x="0" y="0"/>
+          <a:ext cx="0" cy="0"/>
+          <a:chOff x="0" y="0"/>
+          <a:chExt cx="0" cy="0"/>
+        </a:xfrm>
+      </p:grpSpPr>
+      <p:sp>
+        <p:nvSpPr>
+          <p:cNvPr id="2" name="標題 1"/>
+          <p:cNvSpPr>
+            <a:spLocks noGrp="1"/>
+          </p:cNvSpPr>
+          <p:nvPr>
+            <p:ph type="title"/>
+          </p:nvPr>
+        </p:nvSpPr>
+        <p:spPr/>
+        <p:txBody>
+          <a:bodyPr>
+            <a:normAutofit/>
+          </a:bodyPr>
+          <a:lstStyle/>
+          <a:p>
+            <a:r>
+              <a:rPr lang="en-US" altLang="zh-TW" dirty="0" smtClean="0"/>
+              <a:t>2010/3/22</a:t>
+            </a:r>
+            <a:r>
+              <a:rPr lang="zh-TW" altLang="en-US" dirty="0"/>
+              <a:t>，</a:t>
+            </a:r>
+            <a:r>
+              <a:rPr lang="en-US" altLang="zh-TW" dirty="0" smtClean="0"/>
+              <a:t>Bitcoin Pizza Day</a:t>
+            </a:r>
+            <a:endParaRPr lang="zh-TW" altLang="en-US" dirty="0"/>
+          </a:p>
+        </p:txBody>
+      </p:sp>
+      <p:pic>
+        <p:nvPicPr>
+          <p:cNvPr id="3080" name="Picture 8" descr="「比特幣 披薩」的圖片搜尋結果"/>
+          <p:cNvPicPr>
+            <a:picLocks noChangeAspect="1" noChangeArrowheads="1"/>
+          </p:cNvPicPr>
+          <p:nvPr/>
+        </p:nvPicPr>
+        <p:blipFill>
+          <a:blip r:embed="rId3">
+            <a:extLst>
+              <a:ext uri="{28A0092B-C50C-407E-A947-70E740481C1C}">
+                <a14:useLocalDpi xmlns:a14="http://schemas.microsoft.com/office/drawing/2010/main" val="0"/>
+              </a:ext>
+            </a:extLst>
+          </a:blip>
+          <a:srcRect/>
+          <a:stretch>
+            <a:fillRect/>
+          </a:stretch>
+        </p:blipFill>
+        <p:spPr bwMode="auto">
+          <a:xfrm>
+            <a:off x="2559396" y="2348880"/>
+            <a:ext cx="3156758" cy="3088362"/>
+          </a:xfrm>
+          <a:prstGeom prst="rect">
+            <a:avLst/>
+          </a:prstGeom>
+          <a:noFill/>
+          <a:extLst>
+            <a:ext uri="{909E8E84-426E-40DD-AFC4-6F175D3DCCD1}">
+              <a14:hiddenFill xmlns:a14="http://schemas.microsoft.com/office/drawing/2010/main">
+                <a:solidFill>
+                  <a:srgbClr val="FFFFFF"/>
+                </a:solidFill>
+              </a14:hiddenFill>
+            </a:ext>
+          </a:extLst>
+        </p:spPr>
+      </p:pic>
+      <p:sp>
+        <p:nvSpPr>
+          <p:cNvPr id="4" name="文字方塊 3"/>
+          <p:cNvSpPr txBox="1"/>
+          <p:nvPr/>
+        </p:nvSpPr>
+        <p:spPr>
+          <a:xfrm>
+            <a:off x="4199943" y="3351659"/>
+            <a:ext cx="744114" cy="1015663"/>
+          </a:xfrm>
+          <a:prstGeom prst="rect">
+            <a:avLst/>
+          </a:prstGeom>
+          <a:noFill/>
+        </p:spPr>
+        <p:txBody>
+          <a:bodyPr wrap="none" rtlCol="0">
+            <a:spAutoFit/>
+          </a:bodyPr>
+          <a:lstStyle/>
+          <a:p>
+            <a:r>
+              <a:rPr lang="en-US" altLang="zh-TW" sz="6000" dirty="0" smtClean="0"/>
+              <a:t>=</a:t>
+            </a:r>
+            <a:endParaRPr lang="zh-TW" altLang="en-US" sz="6000" dirty="0"/>
+          </a:p>
+        </p:txBody>
+      </p:sp>
+      <p:pic>
+        <p:nvPicPr>
+          <p:cNvPr id="3082" name="Picture 10" descr="「比特幣」的圖片搜尋結果"/>
+          <p:cNvPicPr>
+            <a:picLocks noChangeAspect="1" noChangeArrowheads="1"/>
+          </p:cNvPicPr>
+          <p:nvPr/>
+        </p:nvPicPr>
+        <p:blipFill>
+          <a:blip r:embed="rId4" cstate="print">
+            <a:extLst>
+              <a:ext uri="{28A0092B-C50C-407E-A947-70E740481C1C}">
+                <a14:useLocalDpi xmlns:a14="http://schemas.microsoft.com/office/drawing/2010/main" val="0"/>
+              </a:ext>
+            </a:extLst>
+          </a:blip>
+          <a:srcRect/>
+          <a:stretch>
+            <a:fillRect/>
+          </a:stretch>
+        </p:blipFill>
+        <p:spPr bwMode="auto">
+          <a:xfrm>
+            <a:off x="5436096" y="2569770"/>
+            <a:ext cx="2579440" cy="2579440"/>
+          </a:xfrm>
+          <a:prstGeom prst="rect">
+            <a:avLst/>
+          </a:prstGeom>
+          <a:noFill/>
+          <a:extLst>
+            <a:ext uri="{909E8E84-426E-40DD-AFC4-6F175D3DCCD1}">
+              <a14:hiddenFill xmlns:a14="http://schemas.microsoft.com/office/drawing/2010/main">
+                <a:solidFill>
+                  <a:srgbClr val="FFFFFF"/>
+                </a:solidFill>
+              </a14:hiddenFill>
+            </a:ext>
+          </a:extLst>
+        </p:spPr>
+      </p:pic>
+      <p:sp>
+        <p:nvSpPr>
+          <p:cNvPr id="12" name="文字方塊 11"/>
+          <p:cNvSpPr txBox="1"/>
+          <p:nvPr/>
+        </p:nvSpPr>
+        <p:spPr>
+          <a:xfrm>
+            <a:off x="1331640" y="5529426"/>
+            <a:ext cx="1771639" cy="707886"/>
+          </a:xfrm>
+          <a:prstGeom prst="rect">
+            <a:avLst/>
+          </a:prstGeom>
+          <a:noFill/>
+        </p:spPr>
+        <p:txBody>
+          <a:bodyPr wrap="none" rtlCol="0">
+            <a:spAutoFit/>
+          </a:bodyPr>
+          <a:lstStyle/>
+          <a:p>
+            <a:r>
+              <a:rPr lang="en-US" altLang="zh-TW" sz="4000" dirty="0" smtClean="0"/>
+              <a:t>25</a:t>
+            </a:r>
+            <a:r>
+              <a:rPr lang="zh-TW" altLang="en-US" sz="4000" dirty="0" smtClean="0"/>
+              <a:t>美金</a:t>
+            </a:r>
+            <a:endParaRPr lang="zh-TW" altLang="en-US" sz="4000" dirty="0"/>
+          </a:p>
+        </p:txBody>
+      </p:sp>
+      <p:sp>
+        <p:nvSpPr>
+          <p:cNvPr id="13" name="文字方塊 12"/>
+          <p:cNvSpPr txBox="1"/>
+          <p:nvPr/>
+        </p:nvSpPr>
+        <p:spPr>
+          <a:xfrm>
+            <a:off x="5839996" y="5529426"/>
+            <a:ext cx="2760692" cy="707886"/>
+          </a:xfrm>
+          <a:prstGeom prst="rect">
+            <a:avLst/>
+          </a:prstGeom>
+          <a:noFill/>
+        </p:spPr>
+        <p:txBody>
+          <a:bodyPr wrap="none" rtlCol="0">
+            <a:spAutoFit/>
+          </a:bodyPr>
+          <a:lstStyle/>
+          <a:p>
+            <a:r>
+              <a:rPr lang="en-US" altLang="zh-TW" sz="4000" dirty="0" smtClean="0"/>
+              <a:t>_</a:t>
+            </a:r>
+            <a:r>
+              <a:rPr lang="zh-TW" altLang="en-US" sz="4000" dirty="0" smtClean="0"/>
+              <a:t>顆比特幣</a:t>
+            </a:r>
+            <a:r>
+              <a:rPr lang="en-US" altLang="zh-TW" sz="4000" dirty="0" smtClean="0"/>
+              <a:t>?</a:t>
+            </a:r>
+            <a:endParaRPr lang="zh-TW" altLang="en-US" sz="4000" dirty="0"/>
+          </a:p>
+        </p:txBody>
+      </p:sp>
+    </p:spTree>
+    <p:extLst>
+      <p:ext uri="{BB962C8B-B14F-4D97-AF65-F5344CB8AC3E}">
+        <p14:creationId xmlns:p14="http://schemas.microsoft.com/office/powerpoint/2010/main" val="1907193935"/>
+      </p:ext>
+    </p:extLst>
+  </p:cSld>
+  <p:clrMapOvr>
+    <a:masterClrMapping/>
+  </p:clrMapOvr>
+  <mc:AlternateContent xmlns:mc="http://schemas.openxmlformats.org/markup-compatibility/2006" xmlns:p14="http://schemas.microsoft.com/office/powerpoint/2010/main">
+    <mc:Choice Requires="p14">
+      <p:transition spd="slow" p14:dur="2000"/>
+    </mc:Choice>
+    <mc:Fallback xmlns="">
+      <p:transition spd="slow"/>
+    </mc:Fallback>
+  </mc:AlternateContent>
   <p:timing>
     <p:tnLst>
       <p:par>
@@ -6967,20 +9940,132 @@
                             </p:stCondLst>
                             <p:childTnLst>
                               <p:par>
-                                <p:cTn id="5" presetID="1" presetClass="entr" presetSubtype="0" fill="hold" nodeType="clickEffect">
+                                <p:cTn id="5" presetID="42" presetClass="path" presetSubtype="0" accel="50000" decel="50000" fill="hold" nodeType="clickEffect">
+                                  <p:stCondLst>
+                                    <p:cond delay="0"/>
+                                  </p:stCondLst>
+                                  <p:childTnLst>
+                                    <p:animMotion origin="layout" path="M -5.55556E-7 -2.59259E-6 L -0.22014 -0.00463 " pathEditMode="relative" rAng="0" ptsTypes="AA">
+                                      <p:cBhvr>
+                                        <p:cTn id="6" dur="500" fill="hold"/>
+                                        <p:tgtEl>
+                                          <p:spTgt spid="3080"/>
+                                        </p:tgtEl>
+                                        <p:attrNameLst>
+                                          <p:attrName>ppt_x</p:attrName>
+                                          <p:attrName>ppt_y</p:attrName>
+                                        </p:attrNameLst>
+                                      </p:cBhvr>
+                                      <p:rCtr x="-11007" y="-231"/>
+                                    </p:animMotion>
+                                  </p:childTnLst>
+                                </p:cTn>
+                              </p:par>
+                            </p:childTnLst>
+                          </p:cTn>
+                        </p:par>
+                        <p:par>
+                          <p:cTn id="7" fill="hold">
+                            <p:stCondLst>
+                              <p:cond delay="500"/>
+                            </p:stCondLst>
+                            <p:childTnLst>
+                              <p:par>
+                                <p:cTn id="8" presetID="1" presetClass="entr" presetSubtype="0" fill="hold" nodeType="afterEffect">
                                   <p:stCondLst>
                                     <p:cond delay="0"/>
                                   </p:stCondLst>
                                   <p:childTnLst>
                                     <p:set>
                                       <p:cBhvr>
-                                        <p:cTn id="6" dur="1" fill="hold">
+                                        <p:cTn id="9" dur="1" fill="hold">
                                           <p:stCondLst>
                                             <p:cond delay="0"/>
                                           </p:stCondLst>
                                         </p:cTn>
                                         <p:tgtEl>
-                                          <p:spTgt spid="7"/>
+                                          <p:spTgt spid="3082"/>
+                                        </p:tgtEl>
+                                        <p:attrNameLst>
+                                          <p:attrName>style.visibility</p:attrName>
+                                        </p:attrNameLst>
+                                      </p:cBhvr>
+                                      <p:to>
+                                        <p:strVal val="visible"/>
+                                      </p:to>
+                                    </p:set>
+                                  </p:childTnLst>
+                                </p:cTn>
+                              </p:par>
+                              <p:par>
+                                <p:cTn id="10" presetID="1" presetClass="entr" presetSubtype="0" fill="hold" grpId="0" nodeType="withEffect">
+                                  <p:stCondLst>
+                                    <p:cond delay="0"/>
+                                  </p:stCondLst>
+                                  <p:childTnLst>
+                                    <p:set>
+                                      <p:cBhvr>
+                                        <p:cTn id="11" dur="1" fill="hold">
+                                          <p:stCondLst>
+                                            <p:cond delay="0"/>
+                                          </p:stCondLst>
+                                        </p:cTn>
+                                        <p:tgtEl>
+                                          <p:spTgt spid="4"/>
+                                        </p:tgtEl>
+                                        <p:attrNameLst>
+                                          <p:attrName>style.visibility</p:attrName>
+                                        </p:attrNameLst>
+                                      </p:cBhvr>
+                                      <p:to>
+                                        <p:strVal val="visible"/>
+                                      </p:to>
+                                    </p:set>
+                                  </p:childTnLst>
+                                </p:cTn>
+                              </p:par>
+                              <p:par>
+                                <p:cTn id="12" presetID="1" presetClass="entr" presetSubtype="0" fill="hold" grpId="0" nodeType="withEffect">
+                                  <p:stCondLst>
+                                    <p:cond delay="0"/>
+                                  </p:stCondLst>
+                                  <p:childTnLst>
+                                    <p:set>
+                                      <p:cBhvr>
+                                        <p:cTn id="13" dur="1" fill="hold">
+                                          <p:stCondLst>
+                                            <p:cond delay="0"/>
+                                          </p:stCondLst>
+                                        </p:cTn>
+                                        <p:tgtEl>
+                                          <p:spTgt spid="12"/>
+                                        </p:tgtEl>
+                                        <p:attrNameLst>
+                                          <p:attrName>style.visibility</p:attrName>
+                                        </p:attrNameLst>
+                                      </p:cBhvr>
+                                      <p:to>
+                                        <p:strVal val="visible"/>
+                                      </p:to>
+                                    </p:set>
+                                  </p:childTnLst>
+                                </p:cTn>
+                              </p:par>
+                              <p:par>
+                                <p:cTn id="14" presetID="1" presetClass="entr" presetSubtype="0" fill="hold" grpId="0" nodeType="withEffect">
+                                  <p:stCondLst>
+                                    <p:cond delay="0"/>
+                                  </p:stCondLst>
+                                  <p:childTnLst>
+                                    <p:set>
+                                      <p:cBhvr>
+                                        <p:cTn id="15" dur="1" fill="hold">
+                                          <p:stCondLst>
+                                            <p:cond delay="0"/>
+                                          </p:stCondLst>
+                                        </p:cTn>
+                                        <p:tgtEl>
+                                          <p:spTgt spid="13"/>
                                         </p:tgtEl>
                                         <p:attrNameLst>
                                           <p:attrName>style.visibility</p:attrName>
@@ -7020,208 +10105,11 @@
         </p:cTn>
       </p:par>
     </p:tnLst>
-  </p:timing>
-</p:sld>
-</file>
-
-<file path=ppt/slides/slide8.xml><?xml version="1.0" encoding="utf-8"?>
-<p:sld xmlns:a="http://schemas.openxmlformats.org/drawingml/2006/main" xmlns:r="http://schemas.openxmlformats.org/officeDocument/2006/relationships" xmlns:p="http://schemas.openxmlformats.org/presentationml/2006/main">
-  <p:cSld>
-    <p:spTree>
-      <p:nvGrpSpPr>
-        <p:cNvPr id="1" name=""/>
-        <p:cNvGrpSpPr/>
-        <p:nvPr/>
-      </p:nvGrpSpPr>
-      <p:grpSpPr>
-        <a:xfrm>
-          <a:off x="0" y="0"/>
-          <a:ext cx="0" cy="0"/>
-          <a:chOff x="0" y="0"/>
-          <a:chExt cx="0" cy="0"/>
-        </a:xfrm>
-      </p:grpSpPr>
-      <p:sp>
-        <p:nvSpPr>
-          <p:cNvPr id="2" name="標題 1"/>
-          <p:cNvSpPr>
-            <a:spLocks noGrp="1"/>
-          </p:cNvSpPr>
-          <p:nvPr>
-            <p:ph type="title"/>
-          </p:nvPr>
-        </p:nvSpPr>
-        <p:spPr/>
-        <p:txBody>
-          <a:bodyPr/>
-          <a:lstStyle/>
-          <a:p>
-            <a:endParaRPr lang="zh-TW" altLang="en-US"/>
-          </a:p>
-        </p:txBody>
-      </p:sp>
-      <p:sp>
-        <p:nvSpPr>
-          <p:cNvPr id="3" name="內容版面配置區 2"/>
-          <p:cNvSpPr>
-            <a:spLocks noGrp="1"/>
-          </p:cNvSpPr>
-          <p:nvPr>
-            <p:ph idx="1"/>
-          </p:nvPr>
-        </p:nvSpPr>
-        <p:spPr/>
-        <p:txBody>
-          <a:bodyPr/>
-          <a:lstStyle/>
-          <a:p>
-            <a:endParaRPr lang="zh-TW" altLang="en-US"/>
-          </a:p>
-        </p:txBody>
-      </p:sp>
-      <p:pic>
-        <p:nvPicPr>
-          <p:cNvPr id="2052" name="Picture 4" descr="「bitcoin pool personal mining」的圖片搜尋結果"/>
-          <p:cNvPicPr>
-            <a:picLocks noChangeAspect="1" noChangeArrowheads="1"/>
-          </p:cNvPicPr>
-          <p:nvPr/>
-        </p:nvPicPr>
-        <p:blipFill>
-          <a:blip r:embed="rId2">
-            <a:extLst>
-              <a:ext uri="{28A0092B-C50C-407E-A947-70E740481C1C}">
-                <a14:useLocalDpi xmlns:a14="http://schemas.microsoft.com/office/drawing/2010/main" val="0"/>
-              </a:ext>
-            </a:extLst>
-          </a:blip>
-          <a:srcRect/>
-          <a:stretch>
-            <a:fillRect/>
-          </a:stretch>
-        </p:blipFill>
-        <p:spPr bwMode="auto">
-          <a:xfrm>
-            <a:off x="8560" y="240746"/>
-            <a:ext cx="9135440" cy="6650601"/>
-          </a:xfrm>
-          <a:prstGeom prst="rect">
-            <a:avLst/>
-          </a:prstGeom>
-          <a:noFill/>
-          <a:extLst>
-            <a:ext uri="{909E8E84-426E-40DD-AFC4-6F175D3DCCD1}">
-              <a14:hiddenFill xmlns:a14="http://schemas.microsoft.com/office/drawing/2010/main">
-                <a:solidFill>
-                  <a:srgbClr val="FFFFFF"/>
-                </a:solidFill>
-              </a14:hiddenFill>
-            </a:ext>
-          </a:extLst>
-        </p:spPr>
-      </p:pic>
-    </p:spTree>
-    <p:extLst>
-      <p:ext uri="{BB962C8B-B14F-4D97-AF65-F5344CB8AC3E}">
-        <p14:creationId xmlns:p14="http://schemas.microsoft.com/office/powerpoint/2010/main" val="2121711375"/>
-      </p:ext>
-    </p:extLst>
-  </p:cSld>
-  <p:clrMapOvr>
-    <a:masterClrMapping/>
-  </p:clrMapOvr>
-  <p:timing>
-    <p:tnLst>
-      <p:par>
-        <p:cTn id="1" dur="indefinite" restart="never" nodeType="tmRoot"/>
-      </p:par>
-    </p:tnLst>
-  </p:timing>
-</p:sld>
-</file>
-
-<file path=ppt/slides/slide9.xml><?xml version="1.0" encoding="utf-8"?>
-<p:sld xmlns:a="http://schemas.openxmlformats.org/drawingml/2006/main" xmlns:r="http://schemas.openxmlformats.org/officeDocument/2006/relationships" xmlns:p="http://schemas.openxmlformats.org/presentationml/2006/main">
-  <p:cSld>
-    <p:spTree>
-      <p:nvGrpSpPr>
-        <p:cNvPr id="1" name=""/>
-        <p:cNvGrpSpPr/>
-        <p:nvPr/>
-      </p:nvGrpSpPr>
-      <p:grpSpPr>
-        <a:xfrm>
-          <a:off x="0" y="0"/>
-          <a:ext cx="0" cy="0"/>
-          <a:chOff x="0" y="0"/>
-          <a:chExt cx="0" cy="0"/>
-        </a:xfrm>
-      </p:grpSpPr>
-      <p:sp>
-        <p:nvSpPr>
-          <p:cNvPr id="4" name="標題 3"/>
-          <p:cNvSpPr>
-            <a:spLocks noGrp="1"/>
-          </p:cNvSpPr>
-          <p:nvPr>
-            <p:ph type="title"/>
-          </p:nvPr>
-        </p:nvSpPr>
-        <p:spPr/>
-        <p:txBody>
-          <a:bodyPr/>
-          <a:lstStyle/>
-          <a:p>
-            <a:r>
-              <a:rPr lang="zh-TW" altLang="en-US" dirty="0" smtClean="0"/>
-              <a:t>沒你想的這麼簡單</a:t>
-            </a:r>
-            <a:endParaRPr lang="zh-TW" altLang="en-US" dirty="0"/>
-          </a:p>
-        </p:txBody>
-      </p:sp>
-      <p:sp>
-        <p:nvSpPr>
-          <p:cNvPr id="3" name="內容版面配置區 2"/>
-          <p:cNvSpPr>
-            <a:spLocks noGrp="1"/>
-          </p:cNvSpPr>
-          <p:nvPr>
-            <p:ph idx="1"/>
-          </p:nvPr>
-        </p:nvSpPr>
-        <p:spPr/>
-        <p:txBody>
-          <a:bodyPr anchor="ctr"/>
-          <a:lstStyle/>
-          <a:p>
-            <a:pPr marL="0" indent="0" algn="ctr">
-              <a:buNone/>
-            </a:pPr>
-            <a:r>
-              <a:rPr lang="zh-TW" altLang="en-US" dirty="0" smtClean="0"/>
-              <a:t>但是，人外有人，天外有天。</a:t>
-            </a:r>
-            <a:endParaRPr lang="zh-TW" altLang="en-US" dirty="0"/>
-          </a:p>
-        </p:txBody>
-      </p:sp>
-    </p:spTree>
-    <p:extLst>
-      <p:ext uri="{BB962C8B-B14F-4D97-AF65-F5344CB8AC3E}">
-        <p14:creationId xmlns:p14="http://schemas.microsoft.com/office/powerpoint/2010/main" val="1380681213"/>
-      </p:ext>
-    </p:extLst>
-  </p:cSld>
-  <p:clrMapOvr>
-    <a:masterClrMapping/>
-  </p:clrMapOvr>
-  <p:timing>
-    <p:tnLst>
-      <p:par>
-        <p:cTn id="1" dur="indefinite" restart="never" nodeType="tmRoot"/>
-      </p:par>
-    </p:tnLst>
+    <p:bldLst>
+      <p:bldP spid="4" grpId="0"/>
+      <p:bldP spid="12" grpId="0"/>
+      <p:bldP spid="13" grpId="0"/>
+    </p:bldLst>
   </p:timing>
 </p:sld>
 </file>
